--- a/lecture notes/from Modeling to Continuous-time LQ/powerpoint_handouts (work in progress)/06-State-Space Dynamic System Models (imcmp-handout-light) - pub.pptx
+++ b/lecture notes/from Modeling to Continuous-time LQ/powerpoint_handouts (work in progress)/06-State-Space Dynamic System Models (imcmp-handout-light) - pub.pptx
@@ -42,6 +42,112 @@
     </p:ext>
   </p:extLst>
 </p:presentation>
+</file>
+
+<file path=ppt/revisionInfo.xml><?xml version="1.0" encoding="utf-8"?>
+<p1510:revInfo xmlns:a="http://schemas.openxmlformats.org/drawingml/2006/main" xmlns:r="http://schemas.openxmlformats.org/officeDocument/2006/relationships" xmlns:p1510="http://schemas.microsoft.com/office/powerpoint/2015/10/main">
+  <p1510:revLst>
+    <p1510:client id="{3C8EB9E8-C2DD-4E65-95C9-0F6512B966F1}" v="16" dt="2025-09-18T21:50:14.909"/>
+  </p1510:revLst>
+</p1510:revInfo>
+</file>
+
+<file path=ppt/changesInfos/changesInfo1.xml><?xml version="1.0" encoding="utf-8"?>
+<pc:chgInfo xmlns:a="http://schemas.openxmlformats.org/drawingml/2006/main" xmlns:r="http://schemas.openxmlformats.org/officeDocument/2006/relationships" xmlns:ac="http://schemas.microsoft.com/office/drawing/2013/main/command" xmlns:pc="http://schemas.microsoft.com/office/powerpoint/2013/main/command">
+  <pc:docChgLst>
+    <pc:chgData name="Shuan Cheng" userId="b14087c0-bac9-44dd-b3f8-5d50e1ee75e5" providerId="ADAL" clId="{75A9BF88-81BC-4677-82BB-DF96F3D360A6}"/>
+    <pc:docChg chg="undo redo custSel modSld">
+      <pc:chgData name="Shuan Cheng" userId="b14087c0-bac9-44dd-b3f8-5d50e1ee75e5" providerId="ADAL" clId="{75A9BF88-81BC-4677-82BB-DF96F3D360A6}" dt="2025-09-18T21:50:14.909" v="16" actId="207"/>
+      <pc:docMkLst>
+        <pc:docMk/>
+      </pc:docMkLst>
+      <pc:sldChg chg="modSp">
+        <pc:chgData name="Shuan Cheng" userId="b14087c0-bac9-44dd-b3f8-5d50e1ee75e5" providerId="ADAL" clId="{75A9BF88-81BC-4677-82BB-DF96F3D360A6}" dt="2025-09-18T21:37:15.139" v="1"/>
+        <pc:sldMkLst>
+          <pc:docMk/>
+          <pc:sldMk cId="0" sldId="261"/>
+        </pc:sldMkLst>
+        <pc:spChg chg="mod">
+          <ac:chgData name="Shuan Cheng" userId="b14087c0-bac9-44dd-b3f8-5d50e1ee75e5" providerId="ADAL" clId="{75A9BF88-81BC-4677-82BB-DF96F3D360A6}" dt="2025-09-18T21:37:15.139" v="1"/>
+          <ac:spMkLst>
+            <pc:docMk/>
+            <pc:sldMk cId="0" sldId="261"/>
+            <ac:spMk id="19" creationId="{00000000-0000-0000-0000-000000000000}"/>
+          </ac:spMkLst>
+        </pc:spChg>
+      </pc:sldChg>
+      <pc:sldChg chg="modSp mod">
+        <pc:chgData name="Shuan Cheng" userId="b14087c0-bac9-44dd-b3f8-5d50e1ee75e5" providerId="ADAL" clId="{75A9BF88-81BC-4677-82BB-DF96F3D360A6}" dt="2025-09-18T21:43:19.276" v="7" actId="1076"/>
+        <pc:sldMkLst>
+          <pc:docMk/>
+          <pc:sldMk cId="0" sldId="263"/>
+        </pc:sldMkLst>
+        <pc:spChg chg="mod">
+          <ac:chgData name="Shuan Cheng" userId="b14087c0-bac9-44dd-b3f8-5d50e1ee75e5" providerId="ADAL" clId="{75A9BF88-81BC-4677-82BB-DF96F3D360A6}" dt="2025-09-18T21:43:19.276" v="7" actId="1076"/>
+          <ac:spMkLst>
+            <pc:docMk/>
+            <pc:sldMk cId="0" sldId="263"/>
+            <ac:spMk id="21" creationId="{00000000-0000-0000-0000-000000000000}"/>
+          </ac:spMkLst>
+        </pc:spChg>
+      </pc:sldChg>
+      <pc:sldChg chg="addSp delSp modSp mod">
+        <pc:chgData name="Shuan Cheng" userId="b14087c0-bac9-44dd-b3f8-5d50e1ee75e5" providerId="ADAL" clId="{75A9BF88-81BC-4677-82BB-DF96F3D360A6}" dt="2025-09-18T21:45:14.374" v="10" actId="207"/>
+        <pc:sldMkLst>
+          <pc:docMk/>
+          <pc:sldMk cId="0" sldId="264"/>
+        </pc:sldMkLst>
+        <pc:spChg chg="add mod">
+          <ac:chgData name="Shuan Cheng" userId="b14087c0-bac9-44dd-b3f8-5d50e1ee75e5" providerId="ADAL" clId="{75A9BF88-81BC-4677-82BB-DF96F3D360A6}" dt="2025-09-18T21:45:14.374" v="10" actId="207"/>
+          <ac:spMkLst>
+            <pc:docMk/>
+            <pc:sldMk cId="0" sldId="264"/>
+            <ac:spMk id="17" creationId="{D56D51E7-CFC8-CA47-5518-8BC54B73662B}"/>
+          </ac:spMkLst>
+        </pc:spChg>
+        <pc:spChg chg="del">
+          <ac:chgData name="Shuan Cheng" userId="b14087c0-bac9-44dd-b3f8-5d50e1ee75e5" providerId="ADAL" clId="{75A9BF88-81BC-4677-82BB-DF96F3D360A6}" dt="2025-09-18T21:45:11.086" v="8" actId="478"/>
+          <ac:spMkLst>
+            <pc:docMk/>
+            <pc:sldMk cId="0" sldId="264"/>
+            <ac:spMk id="34" creationId="{6EC54684-1EB0-3B70-2E90-241B1326D938}"/>
+          </ac:spMkLst>
+        </pc:spChg>
+      </pc:sldChg>
+      <pc:sldChg chg="addSp delSp modSp mod">
+        <pc:chgData name="Shuan Cheng" userId="b14087c0-bac9-44dd-b3f8-5d50e1ee75e5" providerId="ADAL" clId="{75A9BF88-81BC-4677-82BB-DF96F3D360A6}" dt="2025-09-18T21:50:14.909" v="16" actId="207"/>
+        <pc:sldMkLst>
+          <pc:docMk/>
+          <pc:sldMk cId="0" sldId="265"/>
+        </pc:sldMkLst>
+        <pc:spChg chg="add del mod">
+          <ac:chgData name="Shuan Cheng" userId="b14087c0-bac9-44dd-b3f8-5d50e1ee75e5" providerId="ADAL" clId="{75A9BF88-81BC-4677-82BB-DF96F3D360A6}" dt="2025-09-18T21:50:12.116" v="14" actId="478"/>
+          <ac:spMkLst>
+            <pc:docMk/>
+            <pc:sldMk cId="0" sldId="265"/>
+            <ac:spMk id="17" creationId="{F2E26EEA-7727-6E69-BA8A-E29C05975DC9}"/>
+          </ac:spMkLst>
+        </pc:spChg>
+        <pc:spChg chg="add mod">
+          <ac:chgData name="Shuan Cheng" userId="b14087c0-bac9-44dd-b3f8-5d50e1ee75e5" providerId="ADAL" clId="{75A9BF88-81BC-4677-82BB-DF96F3D360A6}" dt="2025-09-18T21:50:14.909" v="16" actId="207"/>
+          <ac:spMkLst>
+            <pc:docMk/>
+            <pc:sldMk cId="0" sldId="265"/>
+            <ac:spMk id="18" creationId="{A2B49859-67FA-5E48-4208-E6C7975B7EDB}"/>
+          </ac:spMkLst>
+        </pc:spChg>
+        <pc:spChg chg="del">
+          <ac:chgData name="Shuan Cheng" userId="b14087c0-bac9-44dd-b3f8-5d50e1ee75e5" providerId="ADAL" clId="{75A9BF88-81BC-4677-82BB-DF96F3D360A6}" dt="2025-09-18T21:48:48.304" v="11" actId="478"/>
+          <ac:spMkLst>
+            <pc:docMk/>
+            <pc:sldMk cId="0" sldId="265"/>
+            <ac:spMk id="54" creationId="{A423792C-274B-3468-3300-71CB8572EFCB}"/>
+          </ac:spMkLst>
+        </pc:spChg>
+      </pc:sldChg>
+    </pc:docChg>
+  </pc:docChgLst>
+</pc:chgInfo>
 </file>
 
 <file path=ppt/slideLayouts/slideLayout1.xml><?xml version="1.0" encoding="utf-8"?>
@@ -250,7 +356,7 @@
           <a:p>
             <a:fld id="{1D8BD707-D9CF-40AE-B4C6-C98DA3205C09}" type="datetimeFigureOut">
               <a:rPr lang="en-US"/>
-              <a:t>8/11/25</a:t>
+              <a:t>9/18/2025</a:t>
             </a:fld>
             <a:endParaRPr lang="en-US"/>
           </a:p>
@@ -506,7 +612,7 @@
           <a:p>
             <a:fld id="{1D8BD707-D9CF-40AE-B4C6-C98DA3205C09}" type="datetimeFigureOut">
               <a:rPr lang="en-US"/>
-              <a:t>8/11/25</a:t>
+              <a:t>9/18/2025</a:t>
             </a:fld>
             <a:endParaRPr lang="en-US"/>
           </a:p>
@@ -799,7 +905,7 @@
           <a:p>
             <a:fld id="{1D8BD707-D9CF-40AE-B4C6-C98DA3205C09}" type="datetimeFigureOut">
               <a:rPr lang="en-US"/>
-              <a:t>8/11/25</a:t>
+              <a:t>9/18/2025</a:t>
             </a:fld>
             <a:endParaRPr lang="en-US"/>
           </a:p>
@@ -1026,7 +1132,7 @@
           <a:p>
             <a:fld id="{1D8BD707-D9CF-40AE-B4C6-C98DA3205C09}" type="datetimeFigureOut">
               <a:rPr lang="en-US"/>
-              <a:t>8/11/25</a:t>
+              <a:t>9/18/2025</a:t>
             </a:fld>
             <a:endParaRPr lang="en-US"/>
           </a:p>
@@ -1232,7 +1338,7 @@
           <a:p>
             <a:fld id="{1D8BD707-D9CF-40AE-B4C6-C98DA3205C09}" type="datetimeFigureOut">
               <a:rPr lang="en-US"/>
-              <a:t>8/11/25</a:t>
+              <a:t>9/18/2025</a:t>
             </a:fld>
             <a:endParaRPr lang="en-US"/>
           </a:p>
@@ -1586,7 +1692,7 @@
           <a:p>
             <a:fld id="{1D8BD707-D9CF-40AE-B4C6-C98DA3205C09}" type="datetimeFigureOut">
               <a:rPr lang="en-US"/>
-              <a:t>8/11/25</a:t>
+              <a:t>9/18/2025</a:t>
             </a:fld>
             <a:endParaRPr lang="en-US"/>
           </a:p>
@@ -3927,10 +4033,10 @@
         <mc:Choice xmlns:a14="http://schemas.microsoft.com/office/drawing/2010/main" Requires="a14">
           <p:sp>
             <p:nvSpPr>
-              <p:cNvPr id="54" name="Content Placeholder 2">
+              <p:cNvPr id="18" name="Content Placeholder 2">
                 <a:extLst>
                   <a:ext uri="{FF2B5EF4-FFF2-40B4-BE49-F238E27FC236}">
-                    <a16:creationId xmlns:a16="http://schemas.microsoft.com/office/drawing/2014/main" id="{A423792C-274B-3468-3300-71CB8572EFCB}"/>
+                    <a16:creationId xmlns:a16="http://schemas.microsoft.com/office/drawing/2014/main" id="{A2B49859-67FA-5E48-4208-E6C7975B7EDB}"/>
                   </a:ext>
                 </a:extLst>
               </p:cNvPr>
@@ -3942,7 +4048,7 @@
             <p:spPr>
               <a:xfrm>
                 <a:off x="-46456" y="1882775"/>
-                <a:ext cx="4713706" cy="828047"/>
+                <a:ext cx="4713706" cy="1240276"/>
               </a:xfrm>
               <a:prstGeom prst="rect">
                 <a:avLst/>
@@ -4041,6 +4147,9 @@
                           </m:mcs>
                           <m:ctrlPr>
                             <a:rPr lang="ar-AE" i="1" smtClean="0">
+                              <a:solidFill>
+                                <a:schemeClr val="tx1"/>
+                              </a:solidFill>
                               <a:latin typeface="Cambria Math" panose="02040503050406030204" pitchFamily="18" charset="0"/>
                             </a:rPr>
                           </m:ctrlPr>
@@ -4051,6 +4160,9 @@
                               <m:fPr>
                                 <m:ctrlPr>
                                   <a:rPr lang="ar-AE" i="1">
+                                    <a:solidFill>
+                                      <a:schemeClr val="tx1"/>
+                                    </a:solidFill>
                                     <a:latin typeface="Cambria Math" panose="02040503050406030204" pitchFamily="18" charset="0"/>
                                   </a:rPr>
                                 </m:ctrlPr>
@@ -4058,6 +4170,9 @@
                               <m:num>
                                 <m:r>
                                   <a:rPr lang="ar-AE">
+                                    <a:solidFill>
+                                      <a:schemeClr val="tx1"/>
+                                    </a:solidFill>
                                     <a:latin typeface="Cambria Math" panose="02040503050406030204" pitchFamily="18" charset="0"/>
                                   </a:rPr>
                                   <m:t>𝑑</m:t>
@@ -4066,385 +4181,713 @@
                               <m:den>
                                 <m:r>
                                   <a:rPr lang="ar-AE">
+                                    <a:solidFill>
+                                      <a:schemeClr val="tx1"/>
+                                    </a:solidFill>
                                     <a:latin typeface="Cambria Math" panose="02040503050406030204" pitchFamily="18" charset="0"/>
                                   </a:rPr>
                                   <m:t>𝑑𝑡</m:t>
                                 </m:r>
                               </m:den>
                             </m:f>
-                            <m:d>
-                              <m:dPr>
-                                <m:begChr m:val="["/>
-                                <m:endChr m:val="]"/>
+                            <m:limLow>
+                              <m:limLowPr>
                                 <m:ctrlPr>
-                                  <a:rPr lang="ar-AE" i="1">
+                                  <a:rPr lang="en-US" altLang="zh-CN" i="1" smtClean="0">
+                                    <a:solidFill>
+                                      <a:schemeClr val="tx1"/>
+                                    </a:solidFill>
                                     <a:latin typeface="Cambria Math" panose="02040503050406030204" pitchFamily="18" charset="0"/>
                                   </a:rPr>
                                 </m:ctrlPr>
-                              </m:dPr>
+                              </m:limLowPr>
                               <m:e>
-                                <m:m>
-                                  <m:mPr>
-                                    <m:plcHide m:val="on"/>
-                                    <m:mcs>
-                                      <m:mc>
-                                        <m:mcPr>
-                                          <m:count m:val="1"/>
-                                          <m:mcJc m:val="center"/>
-                                        </m:mcPr>
-                                      </m:mc>
-                                    </m:mcs>
+                                <m:groupChr>
+                                  <m:groupChrPr>
+                                    <m:chr m:val="⏟"/>
                                     <m:ctrlPr>
-                                      <a:rPr lang="ar-AE" i="1">
+                                      <a:rPr lang="en-US" altLang="zh-CN" i="1" smtClean="0">
+                                        <a:solidFill>
+                                          <a:schemeClr val="tx1"/>
+                                        </a:solidFill>
                                         <a:latin typeface="Cambria Math" panose="02040503050406030204" pitchFamily="18" charset="0"/>
                                       </a:rPr>
                                     </m:ctrlPr>
-                                  </m:mPr>
-                                  <m:mr>
-                                    <m:e>
-                                      <m:r>
-                                        <a:rPr lang="ar-AE">
-                                          <a:latin typeface="Cambria Math" panose="02040503050406030204" pitchFamily="18" charset="0"/>
-                                        </a:rPr>
-                                        <m:t>𝑦</m:t>
-                                      </m:r>
-                                      <m:d>
-                                        <m:dPr>
-                                          <m:ctrlPr>
-                                            <a:rPr lang="ar-AE" i="1">
-                                              <a:latin typeface="Cambria Math" panose="02040503050406030204" pitchFamily="18" charset="0"/>
-                                            </a:rPr>
-                                          </m:ctrlPr>
-                                        </m:dPr>
-                                        <m:e>
-                                          <m:r>
-                                            <a:rPr lang="ar-AE">
-                                              <a:latin typeface="Cambria Math" panose="02040503050406030204" pitchFamily="18" charset="0"/>
-                                            </a:rPr>
-                                            <m:t>𝑡</m:t>
-                                          </m:r>
-                                        </m:e>
-                                      </m:d>
-                                    </m:e>
-                                  </m:mr>
-                                  <m:mr>
-                                    <m:e>
-                                      <m:r>
-                                        <a:rPr lang="ar-AE">
-                                          <a:latin typeface="Cambria Math" panose="02040503050406030204" pitchFamily="18" charset="0"/>
-                                        </a:rPr>
-                                        <m:t>𝑣</m:t>
-                                      </m:r>
-                                      <m:d>
-                                        <m:dPr>
-                                          <m:ctrlPr>
-                                            <a:rPr lang="ar-AE" i="1">
-                                              <a:latin typeface="Cambria Math" panose="02040503050406030204" pitchFamily="18" charset="0"/>
-                                            </a:rPr>
-                                          </m:ctrlPr>
-                                        </m:dPr>
-                                        <m:e>
-                                          <m:r>
-                                            <a:rPr lang="ar-AE">
-                                              <a:latin typeface="Cambria Math" panose="02040503050406030204" pitchFamily="18" charset="0"/>
-                                            </a:rPr>
-                                            <m:t>𝑡</m:t>
-                                          </m:r>
-                                        </m:e>
-                                      </m:d>
-                                    </m:e>
-                                  </m:mr>
-                                </m:m>
+                                  </m:groupChrPr>
+                                  <m:e>
+                                    <m:d>
+                                      <m:dPr>
+                                        <m:begChr m:val="["/>
+                                        <m:endChr m:val="]"/>
+                                        <m:ctrlPr>
+                                          <a:rPr lang="ar-AE" altLang="zh-CN" i="1" smtClean="0">
+                                            <a:solidFill>
+                                              <a:schemeClr val="tx1"/>
+                                            </a:solidFill>
+                                            <a:latin typeface="Cambria Math" panose="02040503050406030204" pitchFamily="18" charset="0"/>
+                                          </a:rPr>
+                                        </m:ctrlPr>
+                                      </m:dPr>
+                                      <m:e>
+                                        <m:m>
+                                          <m:mPr>
+                                            <m:plcHide m:val="on"/>
+                                            <m:mcs>
+                                              <m:mc>
+                                                <m:mcPr>
+                                                  <m:count m:val="1"/>
+                                                  <m:mcJc m:val="center"/>
+                                                </m:mcPr>
+                                              </m:mc>
+                                            </m:mcs>
+                                            <m:ctrlPr>
+                                              <a:rPr lang="ar-AE" altLang="zh-CN" i="1">
+                                                <a:solidFill>
+                                                  <a:schemeClr val="tx1"/>
+                                                </a:solidFill>
+                                                <a:latin typeface="Cambria Math" panose="02040503050406030204" pitchFamily="18" charset="0"/>
+                                              </a:rPr>
+                                            </m:ctrlPr>
+                                          </m:mPr>
+                                          <m:mr>
+                                            <m:e>
+                                              <m:r>
+                                                <a:rPr lang="ar-AE" altLang="zh-CN">
+                                                  <a:solidFill>
+                                                    <a:schemeClr val="tx1"/>
+                                                  </a:solidFill>
+                                                  <a:latin typeface="Cambria Math" panose="02040503050406030204" pitchFamily="18" charset="0"/>
+                                                </a:rPr>
+                                                <m:t>𝑦</m:t>
+                                              </m:r>
+                                              <m:d>
+                                                <m:dPr>
+                                                  <m:ctrlPr>
+                                                    <a:rPr lang="ar-AE" altLang="zh-CN" i="1">
+                                                      <a:solidFill>
+                                                        <a:schemeClr val="tx1"/>
+                                                      </a:solidFill>
+                                                      <a:latin typeface="Cambria Math" panose="02040503050406030204" pitchFamily="18" charset="0"/>
+                                                    </a:rPr>
+                                                  </m:ctrlPr>
+                                                </m:dPr>
+                                                <m:e>
+                                                  <m:r>
+                                                    <a:rPr lang="ar-AE" altLang="zh-CN">
+                                                      <a:solidFill>
+                                                        <a:schemeClr val="tx1"/>
+                                                      </a:solidFill>
+                                                      <a:latin typeface="Cambria Math" panose="02040503050406030204" pitchFamily="18" charset="0"/>
+                                                    </a:rPr>
+                                                    <m:t>𝑡</m:t>
+                                                  </m:r>
+                                                </m:e>
+                                              </m:d>
+                                            </m:e>
+                                          </m:mr>
+                                          <m:mr>
+                                            <m:e>
+                                              <m:r>
+                                                <a:rPr lang="ar-AE" altLang="zh-CN">
+                                                  <a:solidFill>
+                                                    <a:schemeClr val="tx1"/>
+                                                  </a:solidFill>
+                                                  <a:latin typeface="Cambria Math" panose="02040503050406030204" pitchFamily="18" charset="0"/>
+                                                </a:rPr>
+                                                <m:t>𝑣</m:t>
+                                              </m:r>
+                                              <m:d>
+                                                <m:dPr>
+                                                  <m:ctrlPr>
+                                                    <a:rPr lang="ar-AE" altLang="zh-CN" i="1">
+                                                      <a:solidFill>
+                                                        <a:schemeClr val="tx1"/>
+                                                      </a:solidFill>
+                                                      <a:latin typeface="Cambria Math" panose="02040503050406030204" pitchFamily="18" charset="0"/>
+                                                    </a:rPr>
+                                                  </m:ctrlPr>
+                                                </m:dPr>
+                                                <m:e>
+                                                  <m:r>
+                                                    <a:rPr lang="ar-AE" altLang="zh-CN">
+                                                      <a:solidFill>
+                                                        <a:schemeClr val="tx1"/>
+                                                      </a:solidFill>
+                                                      <a:latin typeface="Cambria Math" panose="02040503050406030204" pitchFamily="18" charset="0"/>
+                                                    </a:rPr>
+                                                    <m:t>𝑡</m:t>
+                                                  </m:r>
+                                                </m:e>
+                                              </m:d>
+                                            </m:e>
+                                          </m:mr>
+                                        </m:m>
+                                      </m:e>
+                                    </m:d>
+                                  </m:e>
+                                </m:groupChr>
                               </m:e>
-                            </m:d>
+                              <m:lim>
+                                <m:r>
+                                  <a:rPr lang="en-US" altLang="zh-CN" b="0" i="1" smtClean="0">
+                                    <a:solidFill>
+                                      <a:schemeClr val="tx1"/>
+                                    </a:solidFill>
+                                    <a:latin typeface="Cambria Math" panose="02040503050406030204" pitchFamily="18" charset="0"/>
+                                  </a:rPr>
+                                  <m:t>𝑥</m:t>
+                                </m:r>
+                                <m:r>
+                                  <a:rPr lang="en-US" altLang="zh-CN" b="0" i="1" smtClean="0">
+                                    <a:solidFill>
+                                      <a:schemeClr val="tx1"/>
+                                    </a:solidFill>
+                                    <a:latin typeface="Cambria Math" panose="02040503050406030204" pitchFamily="18" charset="0"/>
+                                  </a:rPr>
+                                  <m:t>(</m:t>
+                                </m:r>
+                                <m:r>
+                                  <a:rPr lang="en-US" altLang="zh-CN" b="0" i="1" smtClean="0">
+                                    <a:solidFill>
+                                      <a:schemeClr val="tx1"/>
+                                    </a:solidFill>
+                                    <a:latin typeface="Cambria Math" panose="02040503050406030204" pitchFamily="18" charset="0"/>
+                                  </a:rPr>
+                                  <m:t>𝑡</m:t>
+                                </m:r>
+                                <m:r>
+                                  <a:rPr lang="en-US" altLang="zh-CN" b="0" i="1" smtClean="0">
+                                    <a:solidFill>
+                                      <a:schemeClr val="tx1"/>
+                                    </a:solidFill>
+                                    <a:latin typeface="Cambria Math" panose="02040503050406030204" pitchFamily="18" charset="0"/>
+                                  </a:rPr>
+                                  <m:t>)</m:t>
+                                </m:r>
+                              </m:lim>
+                            </m:limLow>
                           </m:e>
                           <m:e>
                             <m:r>
                               <a:rPr lang="ar-AE">
+                                <a:solidFill>
+                                  <a:schemeClr val="tx1"/>
+                                </a:solidFill>
                                 <a:latin typeface="Cambria Math" panose="02040503050406030204" pitchFamily="18" charset="0"/>
                               </a:rPr>
                               <m:t>=</m:t>
                             </m:r>
-                            <m:d>
-                              <m:dPr>
-                                <m:begChr m:val="["/>
-                                <m:endChr m:val="]"/>
+                            <m:limLow>
+                              <m:limLowPr>
                                 <m:ctrlPr>
-                                  <a:rPr lang="ar-AE" i="1">
+                                  <a:rPr lang="en-US" altLang="zh-CN" i="1" smtClean="0">
+                                    <a:solidFill>
+                                      <a:schemeClr val="tx1"/>
+                                    </a:solidFill>
                                     <a:latin typeface="Cambria Math" panose="02040503050406030204" pitchFamily="18" charset="0"/>
                                   </a:rPr>
                                 </m:ctrlPr>
-                              </m:dPr>
+                              </m:limLowPr>
                               <m:e>
-                                <m:m>
-                                  <m:mPr>
-                                    <m:plcHide m:val="on"/>
-                                    <m:mcs>
-                                      <m:mc>
-                                        <m:mcPr>
-                                          <m:count m:val="2"/>
-                                          <m:mcJc m:val="center"/>
-                                        </m:mcPr>
-                                      </m:mc>
-                                    </m:mcs>
+                                <m:groupChr>
+                                  <m:groupChrPr>
+                                    <m:chr m:val="⏟"/>
                                     <m:ctrlPr>
-                                      <a:rPr lang="ar-AE" i="1">
+                                      <a:rPr lang="en-US" altLang="zh-CN" i="1" smtClean="0">
+                                        <a:solidFill>
+                                          <a:schemeClr val="tx1"/>
+                                        </a:solidFill>
                                         <a:latin typeface="Cambria Math" panose="02040503050406030204" pitchFamily="18" charset="0"/>
                                       </a:rPr>
                                     </m:ctrlPr>
-                                  </m:mPr>
-                                  <m:mr>
-                                    <m:e>
-                                      <m:r>
-                                        <a:rPr lang="ar-AE">
-                                          <a:latin typeface="Cambria Math" panose="02040503050406030204" pitchFamily="18" charset="0"/>
-                                        </a:rPr>
-                                        <m:t>0</m:t>
-                                      </m:r>
-                                    </m:e>
-                                    <m:e>
-                                      <m:r>
-                                        <a:rPr lang="ar-AE">
-                                          <a:latin typeface="Cambria Math" panose="02040503050406030204" pitchFamily="18" charset="0"/>
-                                        </a:rPr>
-                                        <m:t>1</m:t>
-                                      </m:r>
-                                    </m:e>
-                                  </m:mr>
-                                  <m:mr>
-                                    <m:e>
-                                      <m:r>
-                                        <a:rPr lang="ar-AE">
-                                          <a:latin typeface="Cambria Math" panose="02040503050406030204" pitchFamily="18" charset="0"/>
-                                        </a:rPr>
-                                        <m:t>−</m:t>
-                                      </m:r>
-                                      <m:f>
-                                        <m:fPr>
-                                          <m:ctrlPr>
-                                            <a:rPr lang="ar-AE" i="1">
-                                              <a:latin typeface="Cambria Math" panose="02040503050406030204" pitchFamily="18" charset="0"/>
-                                            </a:rPr>
-                                          </m:ctrlPr>
-                                        </m:fPr>
-                                        <m:num>
-                                          <m:r>
-                                            <a:rPr lang="ar-AE">
-                                              <a:latin typeface="Cambria Math" panose="02040503050406030204" pitchFamily="18" charset="0"/>
-                                            </a:rPr>
-                                            <m:t>𝑘</m:t>
-                                          </m:r>
-                                        </m:num>
-                                        <m:den>
-                                          <m:r>
-                                            <a:rPr lang="ar-AE">
-                                              <a:latin typeface="Cambria Math" panose="02040503050406030204" pitchFamily="18" charset="0"/>
-                                            </a:rPr>
-                                            <m:t>𝑚</m:t>
-                                          </m:r>
-                                        </m:den>
-                                      </m:f>
-                                    </m:e>
-                                    <m:e>
-                                      <m:r>
-                                        <a:rPr lang="ar-AE">
-                                          <a:latin typeface="Cambria Math" panose="02040503050406030204" pitchFamily="18" charset="0"/>
-                                        </a:rPr>
-                                        <m:t>−</m:t>
-                                      </m:r>
-                                      <m:f>
-                                        <m:fPr>
-                                          <m:ctrlPr>
-                                            <a:rPr lang="ar-AE" i="1">
-                                              <a:latin typeface="Cambria Math" panose="02040503050406030204" pitchFamily="18" charset="0"/>
-                                            </a:rPr>
-                                          </m:ctrlPr>
-                                        </m:fPr>
-                                        <m:num>
-                                          <m:r>
-                                            <a:rPr lang="ar-AE">
-                                              <a:latin typeface="Cambria Math" panose="02040503050406030204" pitchFamily="18" charset="0"/>
-                                            </a:rPr>
-                                            <m:t>𝑏</m:t>
-                                          </m:r>
-                                        </m:num>
-                                        <m:den>
-                                          <m:r>
-                                            <a:rPr lang="ar-AE">
-                                              <a:latin typeface="Cambria Math" panose="02040503050406030204" pitchFamily="18" charset="0"/>
-                                            </a:rPr>
-                                            <m:t>𝑚</m:t>
-                                          </m:r>
-                                        </m:den>
-                                      </m:f>
-                                    </m:e>
-                                  </m:mr>
-                                </m:m>
+                                  </m:groupChrPr>
+                                  <m:e>
+                                    <m:d>
+                                      <m:dPr>
+                                        <m:begChr m:val="["/>
+                                        <m:endChr m:val="]"/>
+                                        <m:ctrlPr>
+                                          <a:rPr lang="ar-AE" altLang="zh-CN" i="1">
+                                            <a:solidFill>
+                                              <a:schemeClr val="tx1"/>
+                                            </a:solidFill>
+                                            <a:latin typeface="Cambria Math" panose="02040503050406030204" pitchFamily="18" charset="0"/>
+                                          </a:rPr>
+                                        </m:ctrlPr>
+                                      </m:dPr>
+                                      <m:e>
+                                        <m:m>
+                                          <m:mPr>
+                                            <m:plcHide m:val="on"/>
+                                            <m:mcs>
+                                              <m:mc>
+                                                <m:mcPr>
+                                                  <m:count m:val="2"/>
+                                                  <m:mcJc m:val="center"/>
+                                                </m:mcPr>
+                                              </m:mc>
+                                            </m:mcs>
+                                            <m:ctrlPr>
+                                              <a:rPr lang="ar-AE" altLang="zh-CN" i="1">
+                                                <a:solidFill>
+                                                  <a:schemeClr val="tx1"/>
+                                                </a:solidFill>
+                                                <a:latin typeface="Cambria Math" panose="02040503050406030204" pitchFamily="18" charset="0"/>
+                                              </a:rPr>
+                                            </m:ctrlPr>
+                                          </m:mPr>
+                                          <m:mr>
+                                            <m:e>
+                                              <m:r>
+                                                <a:rPr lang="ar-AE" altLang="zh-CN">
+                                                  <a:solidFill>
+                                                    <a:schemeClr val="tx1"/>
+                                                  </a:solidFill>
+                                                  <a:latin typeface="Cambria Math" panose="02040503050406030204" pitchFamily="18" charset="0"/>
+                                                </a:rPr>
+                                                <m:t>0</m:t>
+                                              </m:r>
+                                            </m:e>
+                                            <m:e>
+                                              <m:r>
+                                                <a:rPr lang="ar-AE" altLang="zh-CN">
+                                                  <a:solidFill>
+                                                    <a:schemeClr val="tx1"/>
+                                                  </a:solidFill>
+                                                  <a:latin typeface="Cambria Math" panose="02040503050406030204" pitchFamily="18" charset="0"/>
+                                                </a:rPr>
+                                                <m:t>1</m:t>
+                                              </m:r>
+                                            </m:e>
+                                          </m:mr>
+                                          <m:mr>
+                                            <m:e>
+                                              <m:r>
+                                                <a:rPr lang="ar-AE" altLang="zh-CN">
+                                                  <a:solidFill>
+                                                    <a:schemeClr val="tx1"/>
+                                                  </a:solidFill>
+                                                  <a:latin typeface="Cambria Math" panose="02040503050406030204" pitchFamily="18" charset="0"/>
+                                                </a:rPr>
+                                                <m:t>−</m:t>
+                                              </m:r>
+                                              <m:f>
+                                                <m:fPr>
+                                                  <m:ctrlPr>
+                                                    <a:rPr lang="ar-AE" altLang="zh-CN" i="1">
+                                                      <a:solidFill>
+                                                        <a:schemeClr val="tx1"/>
+                                                      </a:solidFill>
+                                                      <a:latin typeface="Cambria Math" panose="02040503050406030204" pitchFamily="18" charset="0"/>
+                                                    </a:rPr>
+                                                  </m:ctrlPr>
+                                                </m:fPr>
+                                                <m:num>
+                                                  <m:r>
+                                                    <a:rPr lang="ar-AE" altLang="zh-CN">
+                                                      <a:solidFill>
+                                                        <a:schemeClr val="tx1"/>
+                                                      </a:solidFill>
+                                                      <a:latin typeface="Cambria Math" panose="02040503050406030204" pitchFamily="18" charset="0"/>
+                                                    </a:rPr>
+                                                    <m:t>𝑘</m:t>
+                                                  </m:r>
+                                                </m:num>
+                                                <m:den>
+                                                  <m:r>
+                                                    <a:rPr lang="ar-AE" altLang="zh-CN">
+                                                      <a:solidFill>
+                                                        <a:schemeClr val="tx1"/>
+                                                      </a:solidFill>
+                                                      <a:latin typeface="Cambria Math" panose="02040503050406030204" pitchFamily="18" charset="0"/>
+                                                    </a:rPr>
+                                                    <m:t>𝑚</m:t>
+                                                  </m:r>
+                                                </m:den>
+                                              </m:f>
+                                            </m:e>
+                                            <m:e>
+                                              <m:r>
+                                                <a:rPr lang="ar-AE" altLang="zh-CN">
+                                                  <a:solidFill>
+                                                    <a:schemeClr val="tx1"/>
+                                                  </a:solidFill>
+                                                  <a:latin typeface="Cambria Math" panose="02040503050406030204" pitchFamily="18" charset="0"/>
+                                                </a:rPr>
+                                                <m:t>−</m:t>
+                                              </m:r>
+                                              <m:f>
+                                                <m:fPr>
+                                                  <m:ctrlPr>
+                                                    <a:rPr lang="ar-AE" altLang="zh-CN" i="1">
+                                                      <a:solidFill>
+                                                        <a:schemeClr val="tx1"/>
+                                                      </a:solidFill>
+                                                      <a:latin typeface="Cambria Math" panose="02040503050406030204" pitchFamily="18" charset="0"/>
+                                                    </a:rPr>
+                                                  </m:ctrlPr>
+                                                </m:fPr>
+                                                <m:num>
+                                                  <m:r>
+                                                    <a:rPr lang="ar-AE" altLang="zh-CN">
+                                                      <a:solidFill>
+                                                        <a:schemeClr val="tx1"/>
+                                                      </a:solidFill>
+                                                      <a:latin typeface="Cambria Math" panose="02040503050406030204" pitchFamily="18" charset="0"/>
+                                                    </a:rPr>
+                                                    <m:t>𝑏</m:t>
+                                                  </m:r>
+                                                </m:num>
+                                                <m:den>
+                                                  <m:r>
+                                                    <a:rPr lang="ar-AE" altLang="zh-CN">
+                                                      <a:solidFill>
+                                                        <a:schemeClr val="tx1"/>
+                                                      </a:solidFill>
+                                                      <a:latin typeface="Cambria Math" panose="02040503050406030204" pitchFamily="18" charset="0"/>
+                                                    </a:rPr>
+                                                    <m:t>𝑚</m:t>
+                                                  </m:r>
+                                                </m:den>
+                                              </m:f>
+                                            </m:e>
+                                          </m:mr>
+                                        </m:m>
+                                      </m:e>
+                                    </m:d>
+                                  </m:e>
+                                </m:groupChr>
                               </m:e>
-                            </m:d>
-                            <m:d>
-                              <m:dPr>
-                                <m:begChr m:val="["/>
-                                <m:endChr m:val="]"/>
+                              <m:lim>
+                                <m:r>
+                                  <a:rPr lang="en-US" altLang="zh-CN" b="0" i="1" smtClean="0">
+                                    <a:solidFill>
+                                      <a:schemeClr val="tx1"/>
+                                    </a:solidFill>
+                                    <a:latin typeface="Cambria Math" panose="02040503050406030204" pitchFamily="18" charset="0"/>
+                                  </a:rPr>
+                                  <m:t>𝐴</m:t>
+                                </m:r>
+                              </m:lim>
+                            </m:limLow>
+                            <m:limLow>
+                              <m:limLowPr>
                                 <m:ctrlPr>
-                                  <a:rPr lang="ar-AE" i="1">
+                                  <a:rPr lang="en-US" altLang="zh-CN" i="1">
+                                    <a:solidFill>
+                                      <a:schemeClr val="tx1"/>
+                                    </a:solidFill>
                                     <a:latin typeface="Cambria Math" panose="02040503050406030204" pitchFamily="18" charset="0"/>
                                   </a:rPr>
                                 </m:ctrlPr>
-                              </m:dPr>
+                              </m:limLowPr>
                               <m:e>
-                                <m:m>
-                                  <m:mPr>
-                                    <m:plcHide m:val="on"/>
-                                    <m:mcs>
-                                      <m:mc>
-                                        <m:mcPr>
-                                          <m:count m:val="1"/>
-                                          <m:mcJc m:val="center"/>
-                                        </m:mcPr>
-                                      </m:mc>
-                                    </m:mcs>
+                                <m:groupChr>
+                                  <m:groupChrPr>
+                                    <m:chr m:val="⏟"/>
                                     <m:ctrlPr>
-                                      <a:rPr lang="ar-AE" i="1">
+                                      <a:rPr lang="en-US" altLang="zh-CN" i="1">
+                                        <a:solidFill>
+                                          <a:schemeClr val="tx1"/>
+                                        </a:solidFill>
                                         <a:latin typeface="Cambria Math" panose="02040503050406030204" pitchFamily="18" charset="0"/>
                                       </a:rPr>
                                     </m:ctrlPr>
-                                  </m:mPr>
-                                  <m:mr>
-                                    <m:e>
-                                      <m:r>
-                                        <a:rPr lang="ar-AE">
-                                          <a:latin typeface="Cambria Math" panose="02040503050406030204" pitchFamily="18" charset="0"/>
-                                        </a:rPr>
-                                        <m:t>𝑦</m:t>
-                                      </m:r>
-                                      <m:d>
-                                        <m:dPr>
-                                          <m:ctrlPr>
-                                            <a:rPr lang="ar-AE" i="1">
-                                              <a:latin typeface="Cambria Math" panose="02040503050406030204" pitchFamily="18" charset="0"/>
-                                            </a:rPr>
-                                          </m:ctrlPr>
-                                        </m:dPr>
-                                        <m:e>
-                                          <m:r>
-                                            <a:rPr lang="ar-AE">
-                                              <a:latin typeface="Cambria Math" panose="02040503050406030204" pitchFamily="18" charset="0"/>
-                                            </a:rPr>
-                                            <m:t>𝑡</m:t>
-                                          </m:r>
-                                        </m:e>
-                                      </m:d>
-                                    </m:e>
-                                  </m:mr>
-                                  <m:mr>
-                                    <m:e>
-                                      <m:r>
-                                        <a:rPr lang="ar-AE">
-                                          <a:latin typeface="Cambria Math" panose="02040503050406030204" pitchFamily="18" charset="0"/>
-                                        </a:rPr>
-                                        <m:t>𝑣</m:t>
-                                      </m:r>
-                                      <m:d>
-                                        <m:dPr>
-                                          <m:ctrlPr>
-                                            <a:rPr lang="ar-AE" i="1">
-                                              <a:latin typeface="Cambria Math" panose="02040503050406030204" pitchFamily="18" charset="0"/>
-                                            </a:rPr>
-                                          </m:ctrlPr>
-                                        </m:dPr>
-                                        <m:e>
-                                          <m:r>
-                                            <a:rPr lang="ar-AE">
-                                              <a:latin typeface="Cambria Math" panose="02040503050406030204" pitchFamily="18" charset="0"/>
-                                            </a:rPr>
-                                            <m:t>𝑡</m:t>
-                                          </m:r>
-                                        </m:e>
-                                      </m:d>
-                                    </m:e>
-                                  </m:mr>
-                                </m:m>
+                                  </m:groupChrPr>
+                                  <m:e>
+                                    <m:d>
+                                      <m:dPr>
+                                        <m:begChr m:val="["/>
+                                        <m:endChr m:val="]"/>
+                                        <m:ctrlPr>
+                                          <a:rPr lang="ar-AE" altLang="zh-CN" i="1">
+                                            <a:solidFill>
+                                              <a:schemeClr val="tx1"/>
+                                            </a:solidFill>
+                                            <a:latin typeface="Cambria Math" panose="02040503050406030204" pitchFamily="18" charset="0"/>
+                                          </a:rPr>
+                                        </m:ctrlPr>
+                                      </m:dPr>
+                                      <m:e>
+                                        <m:m>
+                                          <m:mPr>
+                                            <m:plcHide m:val="on"/>
+                                            <m:mcs>
+                                              <m:mc>
+                                                <m:mcPr>
+                                                  <m:count m:val="1"/>
+                                                  <m:mcJc m:val="center"/>
+                                                </m:mcPr>
+                                              </m:mc>
+                                            </m:mcs>
+                                            <m:ctrlPr>
+                                              <a:rPr lang="ar-AE" altLang="zh-CN" i="1">
+                                                <a:solidFill>
+                                                  <a:schemeClr val="tx1"/>
+                                                </a:solidFill>
+                                                <a:latin typeface="Cambria Math" panose="02040503050406030204" pitchFamily="18" charset="0"/>
+                                              </a:rPr>
+                                            </m:ctrlPr>
+                                          </m:mPr>
+                                          <m:mr>
+                                            <m:e>
+                                              <m:r>
+                                                <a:rPr lang="ar-AE" altLang="zh-CN">
+                                                  <a:solidFill>
+                                                    <a:schemeClr val="tx1"/>
+                                                  </a:solidFill>
+                                                  <a:latin typeface="Cambria Math" panose="02040503050406030204" pitchFamily="18" charset="0"/>
+                                                </a:rPr>
+                                                <m:t>𝑦</m:t>
+                                              </m:r>
+                                              <m:d>
+                                                <m:dPr>
+                                                  <m:ctrlPr>
+                                                    <a:rPr lang="ar-AE" altLang="zh-CN" i="1">
+                                                      <a:solidFill>
+                                                        <a:schemeClr val="tx1"/>
+                                                      </a:solidFill>
+                                                      <a:latin typeface="Cambria Math" panose="02040503050406030204" pitchFamily="18" charset="0"/>
+                                                    </a:rPr>
+                                                  </m:ctrlPr>
+                                                </m:dPr>
+                                                <m:e>
+                                                  <m:r>
+                                                    <a:rPr lang="ar-AE" altLang="zh-CN">
+                                                      <a:solidFill>
+                                                        <a:schemeClr val="tx1"/>
+                                                      </a:solidFill>
+                                                      <a:latin typeface="Cambria Math" panose="02040503050406030204" pitchFamily="18" charset="0"/>
+                                                    </a:rPr>
+                                                    <m:t>𝑡</m:t>
+                                                  </m:r>
+                                                </m:e>
+                                              </m:d>
+                                            </m:e>
+                                          </m:mr>
+                                          <m:mr>
+                                            <m:e>
+                                              <m:r>
+                                                <a:rPr lang="ar-AE" altLang="zh-CN">
+                                                  <a:solidFill>
+                                                    <a:schemeClr val="tx1"/>
+                                                  </a:solidFill>
+                                                  <a:latin typeface="Cambria Math" panose="02040503050406030204" pitchFamily="18" charset="0"/>
+                                                </a:rPr>
+                                                <m:t>𝑣</m:t>
+                                              </m:r>
+                                              <m:d>
+                                                <m:dPr>
+                                                  <m:ctrlPr>
+                                                    <a:rPr lang="ar-AE" altLang="zh-CN" i="1">
+                                                      <a:solidFill>
+                                                        <a:schemeClr val="tx1"/>
+                                                      </a:solidFill>
+                                                      <a:latin typeface="Cambria Math" panose="02040503050406030204" pitchFamily="18" charset="0"/>
+                                                    </a:rPr>
+                                                  </m:ctrlPr>
+                                                </m:dPr>
+                                                <m:e>
+                                                  <m:r>
+                                                    <a:rPr lang="ar-AE" altLang="zh-CN">
+                                                      <a:solidFill>
+                                                        <a:schemeClr val="tx1"/>
+                                                      </a:solidFill>
+                                                      <a:latin typeface="Cambria Math" panose="02040503050406030204" pitchFamily="18" charset="0"/>
+                                                    </a:rPr>
+                                                    <m:t>𝑡</m:t>
+                                                  </m:r>
+                                                </m:e>
+                                              </m:d>
+                                            </m:e>
+                                          </m:mr>
+                                        </m:m>
+                                      </m:e>
+                                    </m:d>
+                                  </m:e>
+                                </m:groupChr>
                               </m:e>
-                            </m:d>
+                              <m:lim>
+                                <m:r>
+                                  <a:rPr lang="en-US" altLang="zh-CN" i="1">
+                                    <a:solidFill>
+                                      <a:schemeClr val="tx1"/>
+                                    </a:solidFill>
+                                    <a:latin typeface="Cambria Math" panose="02040503050406030204" pitchFamily="18" charset="0"/>
+                                  </a:rPr>
+                                  <m:t>𝑥</m:t>
+                                </m:r>
+                                <m:r>
+                                  <a:rPr lang="en-US" altLang="zh-CN" i="1">
+                                    <a:solidFill>
+                                      <a:schemeClr val="tx1"/>
+                                    </a:solidFill>
+                                    <a:latin typeface="Cambria Math" panose="02040503050406030204" pitchFamily="18" charset="0"/>
+                                  </a:rPr>
+                                  <m:t>(</m:t>
+                                </m:r>
+                                <m:r>
+                                  <a:rPr lang="en-US" altLang="zh-CN" i="1">
+                                    <a:solidFill>
+                                      <a:schemeClr val="tx1"/>
+                                    </a:solidFill>
+                                    <a:latin typeface="Cambria Math" panose="02040503050406030204" pitchFamily="18" charset="0"/>
+                                  </a:rPr>
+                                  <m:t>𝑡</m:t>
+                                </m:r>
+                                <m:r>
+                                  <a:rPr lang="en-US" altLang="zh-CN" i="1">
+                                    <a:solidFill>
+                                      <a:schemeClr val="tx1"/>
+                                    </a:solidFill>
+                                    <a:latin typeface="Cambria Math" panose="02040503050406030204" pitchFamily="18" charset="0"/>
+                                  </a:rPr>
+                                  <m:t>)</m:t>
+                                </m:r>
+                              </m:lim>
+                            </m:limLow>
                             <m:r>
                               <a:rPr lang="ar-AE">
+                                <a:solidFill>
+                                  <a:schemeClr val="tx1"/>
+                                </a:solidFill>
                                 <a:latin typeface="Cambria Math" panose="02040503050406030204" pitchFamily="18" charset="0"/>
                               </a:rPr>
                               <m:t>+</m:t>
                             </m:r>
-                            <m:d>
-                              <m:dPr>
-                                <m:begChr m:val="["/>
-                                <m:endChr m:val="]"/>
+                            <m:limLow>
+                              <m:limLowPr>
                                 <m:ctrlPr>
-                                  <a:rPr lang="ar-AE" i="1">
+                                  <a:rPr lang="en-US" altLang="zh-CN" i="1">
+                                    <a:solidFill>
+                                      <a:schemeClr val="tx1"/>
+                                    </a:solidFill>
                                     <a:latin typeface="Cambria Math" panose="02040503050406030204" pitchFamily="18" charset="0"/>
                                   </a:rPr>
                                 </m:ctrlPr>
-                              </m:dPr>
+                              </m:limLowPr>
                               <m:e>
-                                <m:m>
-                                  <m:mPr>
-                                    <m:plcHide m:val="on"/>
-                                    <m:mcs>
-                                      <m:mc>
-                                        <m:mcPr>
-                                          <m:count m:val="1"/>
-                                          <m:mcJc m:val="center"/>
-                                        </m:mcPr>
-                                      </m:mc>
-                                    </m:mcs>
+                                <m:groupChr>
+                                  <m:groupChrPr>
+                                    <m:chr m:val="⏟"/>
                                     <m:ctrlPr>
-                                      <a:rPr lang="ar-AE" i="1">
+                                      <a:rPr lang="en-US" altLang="zh-CN" i="1">
+                                        <a:solidFill>
+                                          <a:schemeClr val="tx1"/>
+                                        </a:solidFill>
                                         <a:latin typeface="Cambria Math" panose="02040503050406030204" pitchFamily="18" charset="0"/>
                                       </a:rPr>
                                     </m:ctrlPr>
-                                  </m:mPr>
-                                  <m:mr>
-                                    <m:e>
-                                      <m:r>
-                                        <a:rPr lang="ar-AE">
-                                          <a:latin typeface="Cambria Math" panose="02040503050406030204" pitchFamily="18" charset="0"/>
-                                        </a:rPr>
-                                        <m:t>0</m:t>
-                                      </m:r>
-                                    </m:e>
-                                  </m:mr>
-                                  <m:mr>
-                                    <m:e>
-                                      <m:f>
-                                        <m:fPr>
-                                          <m:ctrlPr>
-                                            <a:rPr lang="ar-AE" i="1">
-                                              <a:latin typeface="Cambria Math" panose="02040503050406030204" pitchFamily="18" charset="0"/>
-                                            </a:rPr>
-                                          </m:ctrlPr>
-                                        </m:fPr>
-                                        <m:num>
-                                          <m:r>
-                                            <a:rPr lang="ar-AE">
-                                              <a:latin typeface="Cambria Math" panose="02040503050406030204" pitchFamily="18" charset="0"/>
-                                            </a:rPr>
-                                            <m:t>1</m:t>
-                                          </m:r>
-                                        </m:num>
-                                        <m:den>
-                                          <m:r>
-                                            <a:rPr lang="ar-AE">
-                                              <a:latin typeface="Cambria Math" panose="02040503050406030204" pitchFamily="18" charset="0"/>
-                                            </a:rPr>
-                                            <m:t>𝑚</m:t>
-                                          </m:r>
-                                        </m:den>
-                                      </m:f>
-                                    </m:e>
-                                  </m:mr>
-                                </m:m>
+                                  </m:groupChrPr>
+                                  <m:e>
+                                    <m:d>
+                                      <m:dPr>
+                                        <m:begChr m:val="["/>
+                                        <m:endChr m:val="]"/>
+                                        <m:ctrlPr>
+                                          <a:rPr lang="ar-AE" altLang="zh-CN" i="1">
+                                            <a:solidFill>
+                                              <a:schemeClr val="tx1"/>
+                                            </a:solidFill>
+                                            <a:latin typeface="Cambria Math" panose="02040503050406030204" pitchFamily="18" charset="0"/>
+                                          </a:rPr>
+                                        </m:ctrlPr>
+                                      </m:dPr>
+                                      <m:e>
+                                        <m:m>
+                                          <m:mPr>
+                                            <m:plcHide m:val="on"/>
+                                            <m:mcs>
+                                              <m:mc>
+                                                <m:mcPr>
+                                                  <m:count m:val="1"/>
+                                                  <m:mcJc m:val="center"/>
+                                                </m:mcPr>
+                                              </m:mc>
+                                            </m:mcs>
+                                            <m:ctrlPr>
+                                              <a:rPr lang="ar-AE" altLang="zh-CN" i="1">
+                                                <a:solidFill>
+                                                  <a:schemeClr val="tx1"/>
+                                                </a:solidFill>
+                                                <a:latin typeface="Cambria Math" panose="02040503050406030204" pitchFamily="18" charset="0"/>
+                                              </a:rPr>
+                                            </m:ctrlPr>
+                                          </m:mPr>
+                                          <m:mr>
+                                            <m:e>
+                                              <m:r>
+                                                <a:rPr lang="ar-AE" altLang="zh-CN">
+                                                  <a:solidFill>
+                                                    <a:schemeClr val="tx1"/>
+                                                  </a:solidFill>
+                                                  <a:latin typeface="Cambria Math" panose="02040503050406030204" pitchFamily="18" charset="0"/>
+                                                </a:rPr>
+                                                <m:t>0</m:t>
+                                              </m:r>
+                                            </m:e>
+                                          </m:mr>
+                                          <m:mr>
+                                            <m:e>
+                                              <m:f>
+                                                <m:fPr>
+                                                  <m:ctrlPr>
+                                                    <a:rPr lang="ar-AE" altLang="zh-CN" i="1">
+                                                      <a:solidFill>
+                                                        <a:schemeClr val="tx1"/>
+                                                      </a:solidFill>
+                                                      <a:latin typeface="Cambria Math" panose="02040503050406030204" pitchFamily="18" charset="0"/>
+                                                    </a:rPr>
+                                                  </m:ctrlPr>
+                                                </m:fPr>
+                                                <m:num>
+                                                  <m:r>
+                                                    <a:rPr lang="ar-AE" altLang="zh-CN">
+                                                      <a:solidFill>
+                                                        <a:schemeClr val="tx1"/>
+                                                      </a:solidFill>
+                                                      <a:latin typeface="Cambria Math" panose="02040503050406030204" pitchFamily="18" charset="0"/>
+                                                    </a:rPr>
+                                                    <m:t>1</m:t>
+                                                  </m:r>
+                                                </m:num>
+                                                <m:den>
+                                                  <m:r>
+                                                    <a:rPr lang="ar-AE" altLang="zh-CN">
+                                                      <a:solidFill>
+                                                        <a:schemeClr val="tx1"/>
+                                                      </a:solidFill>
+                                                      <a:latin typeface="Cambria Math" panose="02040503050406030204" pitchFamily="18" charset="0"/>
+                                                    </a:rPr>
+                                                    <m:t>𝑚</m:t>
+                                                  </m:r>
+                                                </m:den>
+                                              </m:f>
+                                            </m:e>
+                                          </m:mr>
+                                        </m:m>
+                                      </m:e>
+                                    </m:d>
+                                  </m:e>
+                                </m:groupChr>
                               </m:e>
-                            </m:d>
+                              <m:lim>
+                                <m:r>
+                                  <a:rPr lang="en-US" altLang="zh-CN" b="0" i="1" smtClean="0">
+                                    <a:solidFill>
+                                      <a:schemeClr val="tx1"/>
+                                    </a:solidFill>
+                                    <a:latin typeface="Cambria Math" panose="02040503050406030204" pitchFamily="18" charset="0"/>
+                                  </a:rPr>
+                                  <m:t>𝐵</m:t>
+                                </m:r>
+                              </m:lim>
+                            </m:limLow>
                             <m:r>
                               <a:rPr lang="ar-AE">
+                                <a:solidFill>
+                                  <a:schemeClr val="tx1"/>
+                                </a:solidFill>
                                 <a:latin typeface="Cambria Math" panose="02040503050406030204" pitchFamily="18" charset="0"/>
                               </a:rPr>
                               <m:t>𝑢</m:t>
@@ -4453,6 +4896,9 @@
                               <m:dPr>
                                 <m:ctrlPr>
                                   <a:rPr lang="ar-AE" i="1">
+                                    <a:solidFill>
+                                      <a:schemeClr val="tx1"/>
+                                    </a:solidFill>
                                     <a:latin typeface="Cambria Math" panose="02040503050406030204" pitchFamily="18" charset="0"/>
                                   </a:rPr>
                                 </m:ctrlPr>
@@ -4460,6 +4906,9 @@
                               <m:e>
                                 <m:r>
                                   <a:rPr lang="ar-AE">
+                                    <a:solidFill>
+                                      <a:schemeClr val="tx1"/>
+                                    </a:solidFill>
                                     <a:latin typeface="Cambria Math" panose="02040503050406030204" pitchFamily="18" charset="0"/>
                                   </a:rPr>
                                   <m:t>𝑡</m:t>
@@ -4472,6 +4921,9 @@
                           <m:e>
                             <m:r>
                               <a:rPr lang="ar-AE">
+                                <a:solidFill>
+                                  <a:schemeClr val="tx1"/>
+                                </a:solidFill>
                                 <a:latin typeface="Cambria Math" panose="02040503050406030204" pitchFamily="18" charset="0"/>
                               </a:rPr>
                               <m:t>𝑦</m:t>
@@ -4480,6 +4932,9 @@
                               <m:dPr>
                                 <m:ctrlPr>
                                   <a:rPr lang="ar-AE" i="1">
+                                    <a:solidFill>
+                                      <a:schemeClr val="tx1"/>
+                                    </a:solidFill>
                                     <a:latin typeface="Cambria Math" panose="02040503050406030204" pitchFamily="18" charset="0"/>
                                   </a:rPr>
                                 </m:ctrlPr>
@@ -4487,6 +4942,9 @@
                               <m:e>
                                 <m:r>
                                   <a:rPr lang="ar-AE">
+                                    <a:solidFill>
+                                      <a:schemeClr val="tx1"/>
+                                    </a:solidFill>
                                     <a:latin typeface="Cambria Math" panose="02040503050406030204" pitchFamily="18" charset="0"/>
                                   </a:rPr>
                                   <m:t>𝑡</m:t>
@@ -4497,6 +4955,9 @@
                           <m:e>
                             <m:r>
                               <a:rPr lang="ar-AE">
+                                <a:solidFill>
+                                  <a:schemeClr val="tx1"/>
+                                </a:solidFill>
                                 <a:latin typeface="Cambria Math" panose="02040503050406030204" pitchFamily="18" charset="0"/>
                               </a:rPr>
                               <m:t>=</m:t>
@@ -4504,163 +4965,291 @@
                             <m:limLow>
                               <m:limLowPr>
                                 <m:ctrlPr>
-                                  <a:rPr lang="ar-AE" i="1">
+                                  <a:rPr lang="en-US" altLang="zh-CN" i="1">
+                                    <a:solidFill>
+                                      <a:schemeClr val="tx1"/>
+                                    </a:solidFill>
                                     <a:latin typeface="Cambria Math" panose="02040503050406030204" pitchFamily="18" charset="0"/>
                                   </a:rPr>
                                 </m:ctrlPr>
                               </m:limLowPr>
                               <m:e>
-                                <m:d>
-                                  <m:dPr>
-                                    <m:begChr m:val="["/>
-                                    <m:endChr m:val="]"/>
+                                <m:groupChr>
+                                  <m:groupChrPr>
+                                    <m:chr m:val="⏟"/>
                                     <m:ctrlPr>
-                                      <a:rPr lang="ar-AE" i="1">
+                                      <a:rPr lang="en-US" altLang="zh-CN" i="1">
+                                        <a:solidFill>
+                                          <a:schemeClr val="tx1"/>
+                                        </a:solidFill>
                                         <a:latin typeface="Cambria Math" panose="02040503050406030204" pitchFamily="18" charset="0"/>
                                       </a:rPr>
                                     </m:ctrlPr>
-                                  </m:dPr>
+                                  </m:groupChrPr>
                                   <m:e>
-                                    <m:m>
-                                      <m:mPr>
-                                        <m:plcHide m:val="on"/>
-                                        <m:mcs>
-                                          <m:mc>
-                                            <m:mcPr>
-                                              <m:count m:val="2"/>
-                                              <m:mcJc m:val="center"/>
-                                            </m:mcPr>
-                                          </m:mc>
-                                        </m:mcs>
+                                    <m:d>
+                                      <m:dPr>
+                                        <m:begChr m:val="["/>
+                                        <m:endChr m:val="]"/>
                                         <m:ctrlPr>
-                                          <a:rPr lang="ar-AE" i="1">
+                                          <a:rPr lang="ar-AE" altLang="zh-CN" i="1">
+                                            <a:solidFill>
+                                              <a:schemeClr val="tx1"/>
+                                            </a:solidFill>
                                             <a:latin typeface="Cambria Math" panose="02040503050406030204" pitchFamily="18" charset="0"/>
                                           </a:rPr>
                                         </m:ctrlPr>
-                                      </m:mPr>
-                                      <m:mr>
-                                        <m:e>
-                                          <m:r>
-                                            <a:rPr lang="ar-AE">
-                                              <a:latin typeface="Cambria Math" panose="02040503050406030204" pitchFamily="18" charset="0"/>
-                                            </a:rPr>
-                                            <m:t>1</m:t>
-                                          </m:r>
-                                        </m:e>
-                                        <m:e>
-                                          <m:r>
-                                            <a:rPr lang="ar-AE">
-                                              <a:latin typeface="Cambria Math" panose="02040503050406030204" pitchFamily="18" charset="0"/>
-                                            </a:rPr>
-                                            <m:t>0</m:t>
-                                          </m:r>
-                                        </m:e>
-                                      </m:mr>
-                                    </m:m>
+                                      </m:dPr>
+                                      <m:e>
+                                        <m:m>
+                                          <m:mPr>
+                                            <m:plcHide m:val="on"/>
+                                            <m:mcs>
+                                              <m:mc>
+                                                <m:mcPr>
+                                                  <m:count m:val="2"/>
+                                                  <m:mcJc m:val="center"/>
+                                                </m:mcPr>
+                                              </m:mc>
+                                            </m:mcs>
+                                            <m:ctrlPr>
+                                              <a:rPr lang="ar-AE" altLang="zh-CN" i="1">
+                                                <a:solidFill>
+                                                  <a:schemeClr val="tx1"/>
+                                                </a:solidFill>
+                                                <a:latin typeface="Cambria Math" panose="02040503050406030204" pitchFamily="18" charset="0"/>
+                                              </a:rPr>
+                                            </m:ctrlPr>
+                                          </m:mPr>
+                                          <m:mr>
+                                            <m:e>
+                                              <m:r>
+                                                <a:rPr lang="ar-AE" altLang="zh-CN">
+                                                  <a:solidFill>
+                                                    <a:schemeClr val="tx1"/>
+                                                  </a:solidFill>
+                                                  <a:latin typeface="Cambria Math" panose="02040503050406030204" pitchFamily="18" charset="0"/>
+                                                </a:rPr>
+                                                <m:t>1</m:t>
+                                              </m:r>
+                                            </m:e>
+                                            <m:e>
+                                              <m:r>
+                                                <a:rPr lang="ar-AE" altLang="zh-CN">
+                                                  <a:solidFill>
+                                                    <a:schemeClr val="tx1"/>
+                                                  </a:solidFill>
+                                                  <a:latin typeface="Cambria Math" panose="02040503050406030204" pitchFamily="18" charset="0"/>
+                                                </a:rPr>
+                                                <m:t>0</m:t>
+                                              </m:r>
+                                            </m:e>
+                                          </m:mr>
+                                        </m:m>
+                                      </m:e>
+                                    </m:d>
                                   </m:e>
-                                </m:d>
+                                </m:groupChr>
                               </m:e>
                               <m:lim>
                                 <m:r>
-                                  <a:rPr lang="en-US">
+                                  <a:rPr lang="en-US" altLang="zh-CN" b="0" i="1" smtClean="0">
+                                    <a:solidFill>
+                                      <a:schemeClr val="tx1"/>
+                                    </a:solidFill>
                                     <a:latin typeface="Cambria Math" panose="02040503050406030204" pitchFamily="18" charset="0"/>
                                   </a:rPr>
-                                  <m:t>⏟</m:t>
+                                  <m:t>𝐶</m:t>
                                 </m:r>
                               </m:lim>
                             </m:limLow>
-                            <m:d>
-                              <m:dPr>
-                                <m:begChr m:val="["/>
-                                <m:endChr m:val="]"/>
+                            <m:limLow>
+                              <m:limLowPr>
                                 <m:ctrlPr>
-                                  <a:rPr lang="ar-AE" i="1">
+                                  <a:rPr lang="en-US" altLang="zh-CN" i="1">
+                                    <a:solidFill>
+                                      <a:schemeClr val="tx1"/>
+                                    </a:solidFill>
                                     <a:latin typeface="Cambria Math" panose="02040503050406030204" pitchFamily="18" charset="0"/>
                                   </a:rPr>
                                 </m:ctrlPr>
-                              </m:dPr>
+                              </m:limLowPr>
                               <m:e>
-                                <m:m>
-                                  <m:mPr>
-                                    <m:plcHide m:val="on"/>
-                                    <m:mcs>
-                                      <m:mc>
-                                        <m:mcPr>
-                                          <m:count m:val="1"/>
-                                          <m:mcJc m:val="center"/>
-                                        </m:mcPr>
-                                      </m:mc>
-                                    </m:mcs>
+                                <m:groupChr>
+                                  <m:groupChrPr>
+                                    <m:chr m:val="⏟"/>
                                     <m:ctrlPr>
-                                      <a:rPr lang="ar-AE" i="1">
+                                      <a:rPr lang="en-US" altLang="zh-CN" i="1">
+                                        <a:solidFill>
+                                          <a:schemeClr val="tx1"/>
+                                        </a:solidFill>
                                         <a:latin typeface="Cambria Math" panose="02040503050406030204" pitchFamily="18" charset="0"/>
                                       </a:rPr>
                                     </m:ctrlPr>
-                                  </m:mPr>
-                                  <m:mr>
-                                    <m:e>
-                                      <m:r>
-                                        <a:rPr lang="ar-AE">
-                                          <a:latin typeface="Cambria Math" panose="02040503050406030204" pitchFamily="18" charset="0"/>
-                                        </a:rPr>
-                                        <m:t>𝑦</m:t>
-                                      </m:r>
-                                      <m:d>
-                                        <m:dPr>
-                                          <m:ctrlPr>
-                                            <a:rPr lang="ar-AE" i="1">
-                                              <a:latin typeface="Cambria Math" panose="02040503050406030204" pitchFamily="18" charset="0"/>
-                                            </a:rPr>
-                                          </m:ctrlPr>
-                                        </m:dPr>
-                                        <m:e>
-                                          <m:r>
-                                            <a:rPr lang="ar-AE">
-                                              <a:latin typeface="Cambria Math" panose="02040503050406030204" pitchFamily="18" charset="0"/>
-                                            </a:rPr>
-                                            <m:t>𝑡</m:t>
-                                          </m:r>
-                                        </m:e>
-                                      </m:d>
-                                    </m:e>
-                                  </m:mr>
-                                  <m:mr>
-                                    <m:e>
-                                      <m:r>
-                                        <a:rPr lang="ar-AE">
-                                          <a:latin typeface="Cambria Math" panose="02040503050406030204" pitchFamily="18" charset="0"/>
-                                        </a:rPr>
-                                        <m:t>𝑣</m:t>
-                                      </m:r>
-                                      <m:d>
-                                        <m:dPr>
-                                          <m:ctrlPr>
-                                            <a:rPr lang="ar-AE" i="1">
-                                              <a:latin typeface="Cambria Math" panose="02040503050406030204" pitchFamily="18" charset="0"/>
-                                            </a:rPr>
-                                          </m:ctrlPr>
-                                        </m:dPr>
-                                        <m:e>
-                                          <m:r>
-                                            <a:rPr lang="ar-AE">
-                                              <a:latin typeface="Cambria Math" panose="02040503050406030204" pitchFamily="18" charset="0"/>
-                                            </a:rPr>
-                                            <m:t>𝑡</m:t>
-                                          </m:r>
-                                        </m:e>
-                                      </m:d>
-                                    </m:e>
-                                  </m:mr>
-                                </m:m>
+                                  </m:groupChrPr>
+                                  <m:e>
+                                    <m:d>
+                                      <m:dPr>
+                                        <m:begChr m:val="["/>
+                                        <m:endChr m:val="]"/>
+                                        <m:ctrlPr>
+                                          <a:rPr lang="ar-AE" altLang="zh-CN" i="1">
+                                            <a:solidFill>
+                                              <a:schemeClr val="tx1"/>
+                                            </a:solidFill>
+                                            <a:latin typeface="Cambria Math" panose="02040503050406030204" pitchFamily="18" charset="0"/>
+                                          </a:rPr>
+                                        </m:ctrlPr>
+                                      </m:dPr>
+                                      <m:e>
+                                        <m:m>
+                                          <m:mPr>
+                                            <m:plcHide m:val="on"/>
+                                            <m:mcs>
+                                              <m:mc>
+                                                <m:mcPr>
+                                                  <m:count m:val="1"/>
+                                                  <m:mcJc m:val="center"/>
+                                                </m:mcPr>
+                                              </m:mc>
+                                            </m:mcs>
+                                            <m:ctrlPr>
+                                              <a:rPr lang="ar-AE" altLang="zh-CN" i="1">
+                                                <a:solidFill>
+                                                  <a:schemeClr val="tx1"/>
+                                                </a:solidFill>
+                                                <a:latin typeface="Cambria Math" panose="02040503050406030204" pitchFamily="18" charset="0"/>
+                                              </a:rPr>
+                                            </m:ctrlPr>
+                                          </m:mPr>
+                                          <m:mr>
+                                            <m:e>
+                                              <m:r>
+                                                <a:rPr lang="ar-AE" altLang="zh-CN">
+                                                  <a:solidFill>
+                                                    <a:schemeClr val="tx1"/>
+                                                  </a:solidFill>
+                                                  <a:latin typeface="Cambria Math" panose="02040503050406030204" pitchFamily="18" charset="0"/>
+                                                </a:rPr>
+                                                <m:t>𝑦</m:t>
+                                              </m:r>
+                                              <m:d>
+                                                <m:dPr>
+                                                  <m:ctrlPr>
+                                                    <a:rPr lang="ar-AE" altLang="zh-CN" i="1">
+                                                      <a:solidFill>
+                                                        <a:schemeClr val="tx1"/>
+                                                      </a:solidFill>
+                                                      <a:latin typeface="Cambria Math" panose="02040503050406030204" pitchFamily="18" charset="0"/>
+                                                    </a:rPr>
+                                                  </m:ctrlPr>
+                                                </m:dPr>
+                                                <m:e>
+                                                  <m:r>
+                                                    <a:rPr lang="ar-AE" altLang="zh-CN">
+                                                      <a:solidFill>
+                                                        <a:schemeClr val="tx1"/>
+                                                      </a:solidFill>
+                                                      <a:latin typeface="Cambria Math" panose="02040503050406030204" pitchFamily="18" charset="0"/>
+                                                    </a:rPr>
+                                                    <m:t>𝑡</m:t>
+                                                  </m:r>
+                                                </m:e>
+                                              </m:d>
+                                            </m:e>
+                                          </m:mr>
+                                          <m:mr>
+                                            <m:e>
+                                              <m:r>
+                                                <a:rPr lang="ar-AE" altLang="zh-CN">
+                                                  <a:solidFill>
+                                                    <a:schemeClr val="tx1"/>
+                                                  </a:solidFill>
+                                                  <a:latin typeface="Cambria Math" panose="02040503050406030204" pitchFamily="18" charset="0"/>
+                                                </a:rPr>
+                                                <m:t>𝑣</m:t>
+                                              </m:r>
+                                              <m:d>
+                                                <m:dPr>
+                                                  <m:ctrlPr>
+                                                    <a:rPr lang="ar-AE" altLang="zh-CN" i="1">
+                                                      <a:solidFill>
+                                                        <a:schemeClr val="tx1"/>
+                                                      </a:solidFill>
+                                                      <a:latin typeface="Cambria Math" panose="02040503050406030204" pitchFamily="18" charset="0"/>
+                                                    </a:rPr>
+                                                  </m:ctrlPr>
+                                                </m:dPr>
+                                                <m:e>
+                                                  <m:r>
+                                                    <a:rPr lang="ar-AE" altLang="zh-CN">
+                                                      <a:solidFill>
+                                                        <a:schemeClr val="tx1"/>
+                                                      </a:solidFill>
+                                                      <a:latin typeface="Cambria Math" panose="02040503050406030204" pitchFamily="18" charset="0"/>
+                                                    </a:rPr>
+                                                    <m:t>𝑡</m:t>
+                                                  </m:r>
+                                                </m:e>
+                                              </m:d>
+                                            </m:e>
+                                          </m:mr>
+                                        </m:m>
+                                      </m:e>
+                                    </m:d>
+                                  </m:e>
+                                </m:groupChr>
                               </m:e>
-                            </m:d>
+                              <m:lim>
+                                <m:r>
+                                  <a:rPr lang="en-US" altLang="zh-CN" i="1">
+                                    <a:solidFill>
+                                      <a:schemeClr val="tx1"/>
+                                    </a:solidFill>
+                                    <a:latin typeface="Cambria Math" panose="02040503050406030204" pitchFamily="18" charset="0"/>
+                                  </a:rPr>
+                                  <m:t>𝑥</m:t>
+                                </m:r>
+                                <m:r>
+                                  <a:rPr lang="en-US" altLang="zh-CN" i="1">
+                                    <a:solidFill>
+                                      <a:schemeClr val="tx1"/>
+                                    </a:solidFill>
+                                    <a:latin typeface="Cambria Math" panose="02040503050406030204" pitchFamily="18" charset="0"/>
+                                  </a:rPr>
+                                  <m:t>(</m:t>
+                                </m:r>
+                                <m:r>
+                                  <a:rPr lang="en-US" altLang="zh-CN" i="1">
+                                    <a:solidFill>
+                                      <a:schemeClr val="tx1"/>
+                                    </a:solidFill>
+                                    <a:latin typeface="Cambria Math" panose="02040503050406030204" pitchFamily="18" charset="0"/>
+                                  </a:rPr>
+                                  <m:t>𝑡</m:t>
+                                </m:r>
+                                <m:r>
+                                  <a:rPr lang="en-US" altLang="zh-CN" i="1">
+                                    <a:solidFill>
+                                      <a:schemeClr val="tx1"/>
+                                    </a:solidFill>
+                                    <a:latin typeface="Cambria Math" panose="02040503050406030204" pitchFamily="18" charset="0"/>
+                                  </a:rPr>
+                                  <m:t>)</m:t>
+                                </m:r>
+                              </m:lim>
+                            </m:limLow>
                           </m:e>
                         </m:mr>
                       </m:m>
                     </m:oMath>
                   </m:oMathPara>
                 </a14:m>
-                <a:endParaRPr lang="ar-AE" dirty="0"/>
+                <a:endParaRPr lang="ar-AE" dirty="0">
+                  <a:solidFill>
+                    <a:schemeClr val="tx1"/>
+                  </a:solidFill>
+                </a:endParaRPr>
               </a:p>
             </p:txBody>
           </p:sp>
@@ -4668,10 +5257,10 @@
         <mc:Fallback>
           <p:sp>
             <p:nvSpPr>
-              <p:cNvPr id="54" name="Content Placeholder 2">
+              <p:cNvPr id="18" name="Content Placeholder 2">
                 <a:extLst>
                   <a:ext uri="{FF2B5EF4-FFF2-40B4-BE49-F238E27FC236}">
-                    <a16:creationId xmlns:a16="http://schemas.microsoft.com/office/drawing/2014/main" id="{A423792C-274B-3468-3300-71CB8572EFCB}"/>
+                    <a16:creationId xmlns:a16="http://schemas.microsoft.com/office/drawing/2014/main" id="{A2B49859-67FA-5E48-4208-E6C7975B7EDB}"/>
                   </a:ext>
                 </a:extLst>
               </p:cNvPr>
@@ -4683,7 +5272,7 @@
             <p:spPr>
               <a:xfrm>
                 <a:off x="-46456" y="1882775"/>
-                <a:ext cx="4713706" cy="828047"/>
+                <a:ext cx="4713706" cy="1240276"/>
               </a:xfrm>
               <a:prstGeom prst="rect">
                 <a:avLst/>
@@ -4691,7 +5280,7 @@
               <a:blipFill>
                 <a:blip r:embed="rId4"/>
                 <a:stretch>
-                  <a:fillRect t="-1515" b="-1515"/>
+                  <a:fillRect/>
                 </a:stretch>
               </a:blipFill>
             </p:spPr>
@@ -4700,7 +5289,7 @@
               <a:lstStyle/>
               <a:p>
                 <a:r>
-                  <a:rPr lang="en-US">
+                  <a:rPr lang="zh-CN" altLang="en-US">
                     <a:noFill/>
                   </a:rPr>
                   <a:t> </a:t>
@@ -14686,7 +15275,7 @@
               <a:rPr sz="1100" spc="-10" dirty="0"/>
               <a:t>variables,</a:t>
             </a:r>
-            <a:endParaRPr sz="1100">
+            <a:endParaRPr sz="1100" dirty="0">
               <a:latin typeface="Arial"/>
               <a:cs typeface="Arial"/>
             </a:endParaRPr>
@@ -14701,195 +15290,120 @@
               </a:spcBef>
             </a:pPr>
             <a:r>
-              <a:rPr i="1" dirty="0">
-                <a:latin typeface="Arial"/>
-                <a:cs typeface="Arial"/>
-              </a:rPr>
+              <a:rPr lang="en-US" altLang="zh-CN" i="1" dirty="0"/>
               <a:t>x</a:t>
             </a:r>
             <a:r>
-              <a:rPr sz="1200" baseline="-10416" dirty="0"/>
+              <a:rPr lang="en-US" altLang="zh-CN" sz="1200" baseline="-10416" dirty="0"/>
               <a:t>1</a:t>
             </a:r>
             <a:r>
-              <a:rPr sz="1100" dirty="0"/>
+              <a:rPr lang="en-US" altLang="zh-CN" dirty="0"/>
               <a:t>(</a:t>
             </a:r>
             <a:r>
-              <a:rPr sz="1100" i="1" dirty="0">
-                <a:latin typeface="Arial"/>
-                <a:cs typeface="Arial"/>
-              </a:rPr>
+              <a:rPr lang="en-US" altLang="zh-CN" i="1" dirty="0"/>
               <a:t>k</a:t>
             </a:r>
             <a:r>
-              <a:rPr sz="1200" i="1" baseline="-10416" dirty="0">
-                <a:latin typeface="Arial"/>
-                <a:cs typeface="Arial"/>
-              </a:rPr>
+              <a:rPr lang="en-US" altLang="zh-CN" sz="1200" i="1" baseline="-10416" dirty="0"/>
               <a:t>o</a:t>
             </a:r>
             <a:r>
-              <a:rPr sz="1100" dirty="0"/>
+              <a:rPr lang="en-US" altLang="zh-CN" dirty="0"/>
               <a:t>)</a:t>
             </a:r>
             <a:r>
-              <a:rPr sz="1100" i="1" dirty="0">
+              <a:rPr lang="en-US" altLang="zh-CN" i="1" dirty="0">
                 <a:latin typeface="Times New Roman"/>
                 <a:cs typeface="Times New Roman"/>
               </a:rPr>
               <a:t>,</a:t>
             </a:r>
             <a:r>
-              <a:rPr sz="1100" i="1" spc="-65" dirty="0">
+              <a:rPr lang="en-US" altLang="zh-CN" i="1" spc="-65" dirty="0">
                 <a:latin typeface="Times New Roman"/>
                 <a:cs typeface="Times New Roman"/>
               </a:rPr>
               <a:t> </a:t>
             </a:r>
             <a:r>
-              <a:rPr sz="1100" i="1" dirty="0">
-                <a:latin typeface="Arial"/>
-                <a:cs typeface="Arial"/>
-              </a:rPr>
+              <a:rPr lang="en-US" altLang="zh-CN" i="1" dirty="0"/>
               <a:t>x</a:t>
             </a:r>
             <a:r>
-              <a:rPr sz="1200" baseline="-10416" dirty="0"/>
+              <a:rPr lang="en-US" altLang="zh-CN" sz="1200" baseline="-10416" dirty="0"/>
               <a:t>2</a:t>
             </a:r>
             <a:r>
-              <a:rPr sz="1100" dirty="0"/>
+              <a:rPr lang="en-US" altLang="zh-CN" dirty="0"/>
               <a:t>(</a:t>
             </a:r>
             <a:r>
-              <a:rPr sz="1100" i="1" dirty="0">
-                <a:latin typeface="Arial"/>
-                <a:cs typeface="Arial"/>
-              </a:rPr>
+              <a:rPr lang="en-US" altLang="zh-CN" i="1" dirty="0"/>
               <a:t>k</a:t>
             </a:r>
             <a:r>
-              <a:rPr sz="1200" i="1" baseline="-10416" dirty="0">
-                <a:latin typeface="Arial"/>
-                <a:cs typeface="Arial"/>
-              </a:rPr>
+              <a:rPr lang="en-US" altLang="zh-CN" sz="1200" i="1" baseline="-10416" dirty="0"/>
               <a:t>o</a:t>
             </a:r>
             <a:r>
-              <a:rPr sz="1100" dirty="0"/>
+              <a:rPr lang="en-US" altLang="zh-CN" dirty="0"/>
               <a:t>)</a:t>
             </a:r>
             <a:r>
-              <a:rPr sz="1100" i="1" dirty="0">
+              <a:rPr lang="en-US" altLang="zh-CN" i="1" dirty="0">
                 <a:latin typeface="Times New Roman"/>
                 <a:cs typeface="Times New Roman"/>
               </a:rPr>
-              <a:t>,</a:t>
-            </a:r>
-            <a:r>
-              <a:rPr sz="1100" i="1" spc="-60" dirty="0">
+              <a:t>, </a:t>
+            </a:r>
+            <a:r>
+              <a:rPr lang="en-US" altLang="zh-CN" dirty="0">
+                <a:ea typeface="Cambria Math" panose="02040503050406030204" pitchFamily="18" charset="0"/>
+                <a:cs typeface="Times New Roman"/>
+              </a:rPr>
+              <a:t>⋯</a:t>
+            </a:r>
+            <a:r>
+              <a:rPr lang="en-US" altLang="zh-CN" i="1" dirty="0">
                 <a:latin typeface="Times New Roman"/>
                 <a:cs typeface="Times New Roman"/>
               </a:rPr>
-              <a:t> </a:t>
-            </a:r>
-            <a:r>
-              <a:rPr sz="1100" i="1" spc="-365" dirty="0">
-                <a:latin typeface="Hack"/>
-                <a:cs typeface="Hack"/>
-              </a:rPr>
-              <a:t>·</a:t>
-            </a:r>
-            <a:r>
-              <a:rPr sz="1100" i="1" spc="-455" dirty="0">
-                <a:latin typeface="Hack"/>
-                <a:cs typeface="Hack"/>
-              </a:rPr>
-              <a:t> </a:t>
-            </a:r>
-            <a:r>
-              <a:rPr sz="1100" i="1" spc="-365" dirty="0">
-                <a:latin typeface="Hack"/>
-                <a:cs typeface="Hack"/>
-              </a:rPr>
-              <a:t>·</a:t>
-            </a:r>
-            <a:r>
-              <a:rPr sz="1100" i="1" spc="-450" dirty="0">
-                <a:latin typeface="Hack"/>
-                <a:cs typeface="Hack"/>
-              </a:rPr>
-              <a:t> </a:t>
-            </a:r>
-            <a:r>
-              <a:rPr sz="1100" i="1" spc="-365" dirty="0">
-                <a:latin typeface="Hack"/>
-                <a:cs typeface="Hack"/>
-              </a:rPr>
-              <a:t>·</a:t>
-            </a:r>
-            <a:r>
-              <a:rPr sz="1100" i="1" spc="-235" dirty="0">
-                <a:latin typeface="Hack"/>
-                <a:cs typeface="Hack"/>
-              </a:rPr>
-              <a:t> </a:t>
-            </a:r>
-            <a:r>
-              <a:rPr sz="1100" i="1" dirty="0">
+              <a:t>,</a:t>
+            </a:r>
+            <a:r>
+              <a:rPr lang="en-US" altLang="zh-CN" i="1" spc="-60" dirty="0">
                 <a:latin typeface="Times New Roman"/>
                 <a:cs typeface="Times New Roman"/>
               </a:rPr>
-              <a:t>,</a:t>
-            </a:r>
-            <a:r>
-              <a:rPr sz="1100" i="1" spc="-60" dirty="0">
-                <a:latin typeface="Times New Roman"/>
-                <a:cs typeface="Times New Roman"/>
-              </a:rPr>
-              <a:t> </a:t>
-            </a:r>
-            <a:r>
-              <a:rPr sz="1100" i="1" spc="-10" dirty="0">
-                <a:latin typeface="Arial"/>
-                <a:cs typeface="Arial"/>
-              </a:rPr>
+              <a:t> </a:t>
+            </a:r>
+            <a:r>
+              <a:rPr lang="en-US" altLang="zh-CN" i="1" spc="-10" dirty="0" err="1"/>
               <a:t>x</a:t>
             </a:r>
             <a:r>
-              <a:rPr sz="1200" i="1" spc="-15" baseline="-10416" dirty="0">
-                <a:latin typeface="Arial"/>
-                <a:cs typeface="Arial"/>
-              </a:rPr>
+              <a:rPr lang="en-US" altLang="zh-CN" sz="1200" i="1" spc="-15" baseline="-10416" dirty="0" err="1"/>
               <a:t>n</a:t>
             </a:r>
             <a:r>
-              <a:rPr sz="1100" spc="-10" dirty="0"/>
+              <a:rPr lang="en-US" altLang="zh-CN" spc="-10" dirty="0"/>
               <a:t>(</a:t>
             </a:r>
             <a:r>
-              <a:rPr sz="1100" i="1" spc="-10" dirty="0">
-                <a:latin typeface="Arial"/>
-                <a:cs typeface="Arial"/>
-              </a:rPr>
+              <a:rPr lang="en-US" altLang="zh-CN" i="1" spc="-10" dirty="0"/>
               <a:t>k</a:t>
             </a:r>
             <a:r>
-              <a:rPr sz="1200" i="1" spc="-15" baseline="-10416" dirty="0">
-                <a:latin typeface="Arial"/>
-                <a:cs typeface="Arial"/>
-              </a:rPr>
+              <a:rPr lang="en-US" altLang="zh-CN" sz="1200" i="1" spc="-15" baseline="-10416" dirty="0"/>
               <a:t>o</a:t>
             </a:r>
             <a:r>
-              <a:rPr sz="1100" spc="-10" dirty="0"/>
+              <a:rPr lang="en-US" altLang="zh-CN" spc="-10" dirty="0"/>
               <a:t>)</a:t>
             </a:r>
-            <a:endParaRPr sz="1100">
-              <a:latin typeface="Arial"/>
-              <a:cs typeface="Arial"/>
-            </a:endParaRPr>
+            <a:endParaRPr lang="en-US" altLang="zh-CN" dirty="0"/>
           </a:p>
           <a:p>
             <a:pPr marL="38100" marR="30480">
@@ -15061,13 +15575,13 @@
               <a:rPr sz="1100" spc="-10" dirty="0"/>
               <a:t>inputs</a:t>
             </a:r>
-            <a:endParaRPr sz="1100">
+            <a:endParaRPr sz="1100" dirty="0">
               <a:latin typeface="Arial"/>
               <a:cs typeface="Arial"/>
             </a:endParaRPr>
           </a:p>
           <a:p>
-            <a:pPr marL="38100" marR="396240">
+            <a:pPr marL="38100" marR="396240" algn="l">
               <a:lnSpc>
                 <a:spcPct val="102600"/>
               </a:lnSpc>
@@ -15076,239 +15590,160 @@
               </a:spcBef>
             </a:pPr>
             <a:r>
-              <a:rPr spc="-50" dirty="0"/>
+              <a:rPr lang="en-US" altLang="zh-CN" spc="-50" dirty="0"/>
               <a:t>loosely</a:t>
             </a:r>
             <a:r>
-              <a:rPr spc="65" dirty="0"/>
-              <a:t> </a:t>
-            </a:r>
-            <a:r>
-              <a:rPr spc="-50" dirty="0"/>
+              <a:rPr lang="en-US" altLang="zh-CN" spc="65" dirty="0"/>
+              <a:t> </a:t>
+            </a:r>
+            <a:r>
+              <a:rPr lang="en-US" altLang="zh-CN" spc="-50" dirty="0"/>
               <a:t>speaking,</a:t>
             </a:r>
             <a:r>
-              <a:rPr spc="65" dirty="0"/>
-              <a:t> </a:t>
-            </a:r>
-            <a:r>
-              <a:rPr i="1" dirty="0">
-                <a:latin typeface="Arial"/>
-                <a:cs typeface="Arial"/>
-              </a:rPr>
+              <a:rPr lang="en-US" altLang="zh-CN" spc="65" dirty="0"/>
+              <a:t> </a:t>
+            </a:r>
+            <a:r>
+              <a:rPr lang="en-US" altLang="zh-CN" i="1" dirty="0"/>
               <a:t>x</a:t>
             </a:r>
             <a:r>
-              <a:rPr sz="1200" baseline="-10416" dirty="0"/>
+              <a:rPr lang="en-US" altLang="zh-CN" sz="1200" baseline="-10416" dirty="0"/>
               <a:t>1</a:t>
             </a:r>
             <a:r>
-              <a:rPr sz="1100" dirty="0"/>
+              <a:rPr lang="en-US" altLang="zh-CN" dirty="0"/>
               <a:t>(</a:t>
             </a:r>
             <a:r>
-              <a:rPr sz="1100" i="1" dirty="0">
-                <a:latin typeface="Arial"/>
-                <a:cs typeface="Arial"/>
-              </a:rPr>
+              <a:rPr lang="en-US" altLang="zh-CN" i="1" dirty="0"/>
               <a:t>k</a:t>
             </a:r>
             <a:r>
-              <a:rPr sz="1200" i="1" baseline="-10416" dirty="0">
-                <a:latin typeface="Arial"/>
-                <a:cs typeface="Arial"/>
-              </a:rPr>
+              <a:rPr lang="en-US" altLang="zh-CN" sz="1200" i="1" baseline="-10416" dirty="0"/>
               <a:t>o</a:t>
             </a:r>
             <a:r>
-              <a:rPr sz="1100" dirty="0"/>
+              <a:rPr lang="en-US" altLang="zh-CN" dirty="0"/>
               <a:t>)</a:t>
             </a:r>
             <a:r>
-              <a:rPr sz="1100" i="1" dirty="0">
+              <a:rPr lang="en-US" altLang="zh-CN" i="1" dirty="0">
                 <a:latin typeface="Times New Roman"/>
                 <a:cs typeface="Times New Roman"/>
               </a:rPr>
               <a:t>,</a:t>
             </a:r>
             <a:r>
-              <a:rPr sz="1100" i="1" spc="-90" dirty="0">
+              <a:rPr lang="en-US" altLang="zh-CN" i="1" spc="-65" dirty="0">
                 <a:latin typeface="Times New Roman"/>
                 <a:cs typeface="Times New Roman"/>
               </a:rPr>
               <a:t> </a:t>
             </a:r>
             <a:r>
-              <a:rPr sz="1100" i="1" dirty="0">
-                <a:latin typeface="Arial"/>
-                <a:cs typeface="Arial"/>
-              </a:rPr>
+              <a:rPr lang="en-US" altLang="zh-CN" i="1" dirty="0"/>
               <a:t>x</a:t>
             </a:r>
             <a:r>
-              <a:rPr sz="1200" baseline="-10416" dirty="0"/>
+              <a:rPr lang="en-US" altLang="zh-CN" sz="1200" baseline="-10416" dirty="0"/>
               <a:t>2</a:t>
             </a:r>
             <a:r>
-              <a:rPr sz="1100" dirty="0"/>
+              <a:rPr lang="en-US" altLang="zh-CN" dirty="0"/>
               <a:t>(</a:t>
             </a:r>
             <a:r>
-              <a:rPr sz="1100" i="1" dirty="0">
-                <a:latin typeface="Arial"/>
-                <a:cs typeface="Arial"/>
-              </a:rPr>
+              <a:rPr lang="en-US" altLang="zh-CN" i="1" dirty="0"/>
               <a:t>k</a:t>
             </a:r>
             <a:r>
-              <a:rPr sz="1200" i="1" baseline="-10416" dirty="0">
-                <a:latin typeface="Arial"/>
-                <a:cs typeface="Arial"/>
-              </a:rPr>
+              <a:rPr lang="en-US" altLang="zh-CN" sz="1200" i="1" baseline="-10416" dirty="0"/>
               <a:t>o</a:t>
             </a:r>
             <a:r>
-              <a:rPr sz="1100" dirty="0"/>
+              <a:rPr lang="en-US" altLang="zh-CN" dirty="0"/>
               <a:t>)</a:t>
             </a:r>
             <a:r>
-              <a:rPr sz="1100" i="1" dirty="0">
+              <a:rPr lang="en-US" altLang="zh-CN" i="1" dirty="0">
                 <a:latin typeface="Times New Roman"/>
                 <a:cs typeface="Times New Roman"/>
               </a:rPr>
-              <a:t>,</a:t>
-            </a:r>
-            <a:r>
-              <a:rPr sz="1100" i="1" spc="-90" dirty="0">
+              <a:t>, </a:t>
+            </a:r>
+            <a:r>
+              <a:rPr lang="en-US" altLang="zh-CN" dirty="0">
+                <a:ea typeface="Cambria Math" panose="02040503050406030204" pitchFamily="18" charset="0"/>
+                <a:cs typeface="Times New Roman"/>
+              </a:rPr>
+              <a:t>⋯</a:t>
+            </a:r>
+            <a:r>
+              <a:rPr lang="en-US" altLang="zh-CN" i="1" dirty="0">
                 <a:latin typeface="Times New Roman"/>
                 <a:cs typeface="Times New Roman"/>
               </a:rPr>
-              <a:t> </a:t>
-            </a:r>
-            <a:r>
-              <a:rPr sz="1100" i="1" spc="-365" dirty="0">
-                <a:latin typeface="Hack"/>
-                <a:cs typeface="Hack"/>
-              </a:rPr>
-              <a:t>·</a:t>
-            </a:r>
-            <a:r>
-              <a:rPr sz="1100" i="1" spc="-480" dirty="0">
-                <a:latin typeface="Hack"/>
-                <a:cs typeface="Hack"/>
-              </a:rPr>
-              <a:t> </a:t>
-            </a:r>
-            <a:r>
-              <a:rPr sz="1100" i="1" spc="-365" dirty="0">
-                <a:latin typeface="Hack"/>
-                <a:cs typeface="Hack"/>
-              </a:rPr>
-              <a:t>·</a:t>
-            </a:r>
-            <a:r>
-              <a:rPr sz="1100" i="1" spc="-480" dirty="0">
-                <a:latin typeface="Hack"/>
-                <a:cs typeface="Hack"/>
-              </a:rPr>
-              <a:t> </a:t>
-            </a:r>
-            <a:r>
-              <a:rPr sz="1100" i="1" spc="-365" dirty="0">
-                <a:latin typeface="Hack"/>
-                <a:cs typeface="Hack"/>
-              </a:rPr>
-              <a:t>·</a:t>
-            </a:r>
-            <a:r>
-              <a:rPr sz="1100" i="1" spc="-285" dirty="0">
-                <a:latin typeface="Hack"/>
-                <a:cs typeface="Hack"/>
-              </a:rPr>
-              <a:t> </a:t>
-            </a:r>
-            <a:r>
-              <a:rPr sz="1100" i="1" dirty="0">
+              <a:t>,</a:t>
+            </a:r>
+            <a:r>
+              <a:rPr lang="en-US" altLang="zh-CN" i="1" spc="-60" dirty="0">
                 <a:latin typeface="Times New Roman"/>
                 <a:cs typeface="Times New Roman"/>
               </a:rPr>
-              <a:t>,</a:t>
-            </a:r>
-            <a:r>
-              <a:rPr sz="1100" i="1" spc="-90" dirty="0">
-                <a:latin typeface="Times New Roman"/>
-                <a:cs typeface="Times New Roman"/>
-              </a:rPr>
-              <a:t> </a:t>
-            </a:r>
-            <a:r>
-              <a:rPr sz="1100" i="1" dirty="0">
-                <a:latin typeface="Arial"/>
-                <a:cs typeface="Arial"/>
-              </a:rPr>
+              <a:t> </a:t>
+            </a:r>
+            <a:r>
+              <a:rPr lang="en-US" altLang="zh-CN" i="1" spc="-10" dirty="0" err="1"/>
               <a:t>x</a:t>
             </a:r>
             <a:r>
-              <a:rPr sz="1200" i="1" baseline="-10416" dirty="0">
-                <a:latin typeface="Arial"/>
-                <a:cs typeface="Arial"/>
-              </a:rPr>
+              <a:rPr lang="en-US" altLang="zh-CN" sz="1200" i="1" spc="-15" baseline="-10416" dirty="0" err="1"/>
               <a:t>n</a:t>
             </a:r>
             <a:r>
-              <a:rPr sz="1100" dirty="0"/>
+              <a:rPr lang="en-US" altLang="zh-CN" spc="-10" dirty="0"/>
               <a:t>(</a:t>
             </a:r>
             <a:r>
-              <a:rPr sz="1100" i="1" dirty="0">
-                <a:latin typeface="Arial"/>
-                <a:cs typeface="Arial"/>
-              </a:rPr>
+              <a:rPr lang="en-US" altLang="zh-CN" i="1" spc="-10" dirty="0"/>
               <a:t>k</a:t>
             </a:r>
             <a:r>
-              <a:rPr sz="1200" i="1" baseline="-10416" dirty="0">
-                <a:latin typeface="Arial"/>
-                <a:cs typeface="Arial"/>
-              </a:rPr>
+              <a:rPr lang="en-US" altLang="zh-CN" sz="1200" i="1" spc="-15" baseline="-10416" dirty="0"/>
               <a:t>o</a:t>
             </a:r>
             <a:r>
-              <a:rPr sz="1100" dirty="0"/>
-              <a:t>)</a:t>
-            </a:r>
-            <a:r>
-              <a:rPr sz="1100" spc="65" dirty="0"/>
-              <a:t> </a:t>
-            </a:r>
-            <a:r>
-              <a:rPr sz="1100" spc="-65" dirty="0"/>
+              <a:rPr lang="en-US" altLang="zh-CN" spc="-10" dirty="0"/>
+              <a:t>) </a:t>
+            </a:r>
+            <a:r>
+              <a:rPr lang="en-US" altLang="zh-CN" spc="-65" dirty="0"/>
               <a:t>defines</a:t>
             </a:r>
             <a:r>
-              <a:rPr sz="1100" spc="65" dirty="0"/>
-              <a:t> </a:t>
-            </a:r>
-            <a:r>
-              <a:rPr sz="1100" dirty="0"/>
+              <a:rPr lang="en-US" altLang="zh-CN" spc="65" dirty="0"/>
+              <a:t> </a:t>
+            </a:r>
+            <a:r>
+              <a:rPr lang="en-US" altLang="zh-CN" dirty="0"/>
               <a:t>the</a:t>
             </a:r>
             <a:r>
-              <a:rPr sz="1100" spc="70" dirty="0"/>
-              <a:t> </a:t>
-            </a:r>
-            <a:r>
-              <a:rPr sz="1100" spc="-40" dirty="0"/>
+              <a:rPr lang="en-US" altLang="zh-CN" spc="70" dirty="0"/>
+              <a:t> </a:t>
+            </a:r>
+            <a:r>
+              <a:rPr lang="en-US" altLang="zh-CN" spc="-40" dirty="0"/>
               <a:t>system’s </a:t>
             </a:r>
             <a:r>
-              <a:rPr sz="1100" spc="-10" dirty="0"/>
+              <a:rPr lang="en-US" altLang="zh-CN" spc="-10" dirty="0"/>
               <a:t>memory</a:t>
             </a:r>
-            <a:endParaRPr sz="1100">
-              <a:latin typeface="Arial"/>
-              <a:cs typeface="Arial"/>
-            </a:endParaRPr>
+            <a:endParaRPr lang="en-US" altLang="zh-CN" dirty="0"/>
           </a:p>
         </p:txBody>
       </p:sp>
@@ -23529,14 +23964,14 @@
           </a:p>
         </p:txBody>
       </p:sp>
-      <mc:AlternateContent xmlns:mc="http://schemas.openxmlformats.org/markup-compatibility/2006" xmlns:a14="http://schemas.microsoft.com/office/drawing/2010/main">
-        <mc:Choice Requires="a14">
+      <mc:AlternateContent xmlns:mc="http://schemas.openxmlformats.org/markup-compatibility/2006">
+        <mc:Choice xmlns:a14="http://schemas.microsoft.com/office/drawing/2010/main" Requires="a14">
           <p:sp>
             <p:nvSpPr>
-              <p:cNvPr id="34" name="Content Placeholder 2">
+              <p:cNvPr id="17" name="Content Placeholder 2">
                 <a:extLst>
                   <a:ext uri="{FF2B5EF4-FFF2-40B4-BE49-F238E27FC236}">
-                    <a16:creationId xmlns:a16="http://schemas.microsoft.com/office/drawing/2014/main" id="{6EC54684-1EB0-3B70-2E90-241B1326D938}"/>
+                    <a16:creationId xmlns:a16="http://schemas.microsoft.com/office/drawing/2014/main" id="{D56D51E7-CFC8-CA47-5518-8BC54B73662B}"/>
                   </a:ext>
                 </a:extLst>
               </p:cNvPr>
@@ -23548,7 +23983,7 @@
             <p:spPr>
               <a:xfrm>
                 <a:off x="247650" y="2035175"/>
-                <a:ext cx="4150995" cy="763479"/>
+                <a:ext cx="4150995" cy="712311"/>
               </a:xfrm>
               <a:prstGeom prst="rect">
                 <a:avLst/>
@@ -23636,6 +24071,9 @@
                     <m:oMath xmlns:m="http://schemas.openxmlformats.org/officeDocument/2006/math">
                       <m:r>
                         <a:rPr lang="ar-AE" smtClean="0">
+                          <a:solidFill>
+                            <a:schemeClr val="tx1"/>
+                          </a:solidFill>
                           <a:latin typeface="Cambria Math" panose="02040503050406030204" pitchFamily="18" charset="0"/>
                         </a:rPr>
                         <m:t>𝑥</m:t>
@@ -23644,6 +24082,9 @@
                         <m:dPr>
                           <m:ctrlPr>
                             <a:rPr lang="ar-AE" i="1">
+                              <a:solidFill>
+                                <a:schemeClr val="tx1"/>
+                              </a:solidFill>
                               <a:latin typeface="Cambria Math" panose="02040503050406030204" pitchFamily="18" charset="0"/>
                             </a:rPr>
                           </m:ctrlPr>
@@ -23651,6 +24092,9 @@
                         <m:e>
                           <m:r>
                             <a:rPr lang="ar-AE">
+                              <a:solidFill>
+                                <a:schemeClr val="tx1"/>
+                              </a:solidFill>
                               <a:latin typeface="Cambria Math" panose="02040503050406030204" pitchFamily="18" charset="0"/>
                             </a:rPr>
                             <m:t>𝑡</m:t>
@@ -23659,6 +24103,9 @@
                       </m:d>
                       <m:r>
                         <a:rPr lang="ar-AE">
+                          <a:solidFill>
+                            <a:schemeClr val="tx1"/>
+                          </a:solidFill>
                           <a:latin typeface="Cambria Math" panose="02040503050406030204" pitchFamily="18" charset="0"/>
                         </a:rPr>
                         <m:t>=</m:t>
@@ -23669,6 +24116,9 @@
                           <m:endChr m:val="]"/>
                           <m:ctrlPr>
                             <a:rPr lang="ar-AE" i="1">
+                              <a:solidFill>
+                                <a:schemeClr val="tx1"/>
+                              </a:solidFill>
                               <a:latin typeface="Cambria Math" panose="02040503050406030204" pitchFamily="18" charset="0"/>
                             </a:rPr>
                           </m:ctrlPr>
@@ -23687,6 +24137,9 @@
                               </m:mcs>
                               <m:ctrlPr>
                                 <a:rPr lang="ar-AE" i="1">
+                                  <a:solidFill>
+                                    <a:schemeClr val="tx1"/>
+                                  </a:solidFill>
                                   <a:latin typeface="Cambria Math" panose="02040503050406030204" pitchFamily="18" charset="0"/>
                                 </a:rPr>
                               </m:ctrlPr>
@@ -23697,6 +24150,9 @@
                                   <m:limUppPr>
                                     <m:ctrlPr>
                                       <a:rPr lang="ar-AE" i="1">
+                                        <a:solidFill>
+                                          <a:schemeClr val="tx1"/>
+                                        </a:solidFill>
                                         <a:latin typeface="Cambria Math" panose="02040503050406030204" pitchFamily="18" charset="0"/>
                                       </a:rPr>
                                     </m:ctrlPr>
@@ -23709,6 +24165,9 @@
                                         <m:vertJc m:val="bot"/>
                                         <m:ctrlPr>
                                           <a:rPr lang="ar-AE" i="1">
+                                            <a:solidFill>
+                                              <a:schemeClr val="tx1"/>
+                                            </a:solidFill>
                                             <a:latin typeface="Cambria Math" panose="02040503050406030204" pitchFamily="18" charset="0"/>
                                           </a:rPr>
                                         </m:ctrlPr>
@@ -23716,6 +24175,9 @@
                                       <m:e>
                                         <m:r>
                                           <a:rPr lang="ar-AE">
+                                            <a:solidFill>
+                                              <a:schemeClr val="tx1"/>
+                                            </a:solidFill>
                                             <a:latin typeface="Cambria Math" panose="02040503050406030204" pitchFamily="18" charset="0"/>
                                           </a:rPr>
                                           <m:t>𝑦</m:t>
@@ -23724,6 +24186,9 @@
                                           <m:dPr>
                                             <m:ctrlPr>
                                               <a:rPr lang="ar-AE" i="1">
+                                                <a:solidFill>
+                                                  <a:schemeClr val="tx1"/>
+                                                </a:solidFill>
                                                 <a:latin typeface="Cambria Math" panose="02040503050406030204" pitchFamily="18" charset="0"/>
                                               </a:rPr>
                                             </m:ctrlPr>
@@ -23731,6 +24196,9 @@
                                           <m:e>
                                             <m:r>
                                               <a:rPr lang="ar-AE">
+                                                <a:solidFill>
+                                                  <a:schemeClr val="tx1"/>
+                                                </a:solidFill>
                                                 <a:latin typeface="Cambria Math" panose="02040503050406030204" pitchFamily="18" charset="0"/>
                                               </a:rPr>
                                               <m:t>𝑡</m:t>
@@ -23745,21 +24213,33 @@
                                       <m:rPr>
                                         <m:nor/>
                                       </m:rPr>
-                                      <a:rPr lang="en-US"/>
+                                      <a:rPr lang="en-US">
+                                        <a:solidFill>
+                                          <a:schemeClr val="tx1"/>
+                                        </a:solidFill>
+                                      </a:rPr>
                                       <m:t>mass</m:t>
                                     </m:r>
                                     <m:r>
                                       <m:rPr>
                                         <m:nor/>
                                       </m:rPr>
-                                      <a:rPr lang="en-US"/>
+                                      <a:rPr lang="en-US">
+                                        <a:solidFill>
+                                          <a:schemeClr val="tx1"/>
+                                        </a:solidFill>
+                                      </a:rPr>
                                       <m:t> </m:t>
                                     </m:r>
                                     <m:r>
                                       <m:rPr>
                                         <m:nor/>
                                       </m:rPr>
-                                      <a:rPr lang="en-US"/>
+                                      <a:rPr lang="en-US">
+                                        <a:solidFill>
+                                          <a:schemeClr val="tx1"/>
+                                        </a:solidFill>
+                                      </a:rPr>
                                       <m:t>position</m:t>
                                     </m:r>
                                   </m:lim>
@@ -23772,22 +24252,32 @@
                                   <m:limLowPr>
                                     <m:ctrlPr>
                                       <a:rPr lang="ar-AE" i="1">
+                                        <a:solidFill>
+                                          <a:schemeClr val="tx1"/>
+                                        </a:solidFill>
                                         <a:latin typeface="Cambria Math" panose="02040503050406030204" pitchFamily="18" charset="0"/>
                                       </a:rPr>
                                     </m:ctrlPr>
                                   </m:limLowPr>
                                   <m:e>
-                                    <m:limLow>
-                                      <m:limLowPr>
+                                    <m:groupChr>
+                                      <m:groupChrPr>
+                                        <m:chr m:val="⏟"/>
                                         <m:ctrlPr>
-                                          <a:rPr lang="ar-AE" i="1">
+                                          <a:rPr lang="en-US" altLang="zh-CN" i="1" smtClean="0">
+                                            <a:solidFill>
+                                              <a:schemeClr val="tx1"/>
+                                            </a:solidFill>
                                             <a:latin typeface="Cambria Math" panose="02040503050406030204" pitchFamily="18" charset="0"/>
                                           </a:rPr>
                                         </m:ctrlPr>
-                                      </m:limLowPr>
+                                      </m:groupChrPr>
                                       <m:e>
                                         <m:r>
-                                          <a:rPr lang="ar-AE">
+                                          <a:rPr lang="ar-AE" altLang="zh-CN">
+                                            <a:solidFill>
+                                              <a:schemeClr val="tx1"/>
+                                            </a:solidFill>
                                             <a:latin typeface="Cambria Math" panose="02040503050406030204" pitchFamily="18" charset="0"/>
                                           </a:rPr>
                                           <m:t>𝑣</m:t>
@@ -23795,14 +24285,20 @@
                                         <m:d>
                                           <m:dPr>
                                             <m:ctrlPr>
-                                              <a:rPr lang="ar-AE" i="1">
+                                              <a:rPr lang="ar-AE" altLang="zh-CN" i="1">
+                                                <a:solidFill>
+                                                  <a:schemeClr val="tx1"/>
+                                                </a:solidFill>
                                                 <a:latin typeface="Cambria Math" panose="02040503050406030204" pitchFamily="18" charset="0"/>
                                               </a:rPr>
                                             </m:ctrlPr>
                                           </m:dPr>
                                           <m:e>
                                             <m:r>
-                                              <a:rPr lang="ar-AE">
+                                              <a:rPr lang="ar-AE" altLang="zh-CN">
+                                                <a:solidFill>
+                                                  <a:schemeClr val="tx1"/>
+                                                </a:solidFill>
                                                 <a:latin typeface="Cambria Math" panose="02040503050406030204" pitchFamily="18" charset="0"/>
                                               </a:rPr>
                                               <m:t>𝑡</m:t>
@@ -23810,36 +24306,40 @@
                                           </m:e>
                                         </m:d>
                                       </m:e>
-                                      <m:lim>
-                                        <m:r>
-                                          <a:rPr lang="en-US">
-                                            <a:latin typeface="Cambria Math" panose="02040503050406030204" pitchFamily="18" charset="0"/>
-                                          </a:rPr>
-                                          <m:t>⏟</m:t>
-                                        </m:r>
-                                      </m:lim>
-                                    </m:limLow>
+                                    </m:groupChr>
                                   </m:e>
                                   <m:lim>
                                     <m:r>
                                       <m:rPr>
                                         <m:nor/>
                                       </m:rPr>
-                                      <a:rPr lang="en-US"/>
+                                      <a:rPr lang="en-US">
+                                        <a:solidFill>
+                                          <a:schemeClr val="tx1"/>
+                                        </a:solidFill>
+                                      </a:rPr>
                                       <m:t>mass</m:t>
                                     </m:r>
                                     <m:r>
                                       <m:rPr>
                                         <m:nor/>
                                       </m:rPr>
-                                      <a:rPr lang="en-US"/>
+                                      <a:rPr lang="en-US">
+                                        <a:solidFill>
+                                          <a:schemeClr val="tx1"/>
+                                        </a:solidFill>
+                                      </a:rPr>
                                       <m:t> </m:t>
                                     </m:r>
                                     <m:r>
                                       <m:rPr>
                                         <m:nor/>
                                       </m:rPr>
-                                      <a:rPr lang="en-US"/>
+                                      <a:rPr lang="en-US">
+                                        <a:solidFill>
+                                          <a:schemeClr val="tx1"/>
+                                        </a:solidFill>
+                                      </a:rPr>
                                       <m:t>velocity</m:t>
                                     </m:r>
                                   </m:lim>
@@ -23851,6 +24351,9 @@
                       </m:d>
                       <m:r>
                         <a:rPr lang="ar-AE">
+                          <a:solidFill>
+                            <a:schemeClr val="tx1"/>
+                          </a:solidFill>
                           <a:latin typeface="Cambria Math" panose="02040503050406030204" pitchFamily="18" charset="0"/>
                         </a:rPr>
                         <m:t>∈</m:t>
@@ -23859,6 +24362,9 @@
                         <m:sSupPr>
                           <m:ctrlPr>
                             <a:rPr lang="ar-AE" i="1">
+                              <a:solidFill>
+                                <a:schemeClr val="tx1"/>
+                              </a:solidFill>
                               <a:latin typeface="Cambria Math" panose="02040503050406030204" pitchFamily="18" charset="0"/>
                             </a:rPr>
                           </m:ctrlPr>
@@ -23866,6 +24372,9 @@
                         <m:e>
                           <m:r>
                             <a:rPr lang="ar-AE">
+                              <a:solidFill>
+                                <a:schemeClr val="tx1"/>
+                              </a:solidFill>
                               <a:latin typeface="Cambria Math" panose="02040503050406030204" pitchFamily="18" charset="0"/>
                             </a:rPr>
                             <m:t>ℝ</m:t>
@@ -23874,6 +24383,9 @@
                         <m:sup>
                           <m:r>
                             <a:rPr lang="ar-AE">
+                              <a:solidFill>
+                                <a:schemeClr val="tx1"/>
+                              </a:solidFill>
                               <a:latin typeface="Cambria Math" panose="02040503050406030204" pitchFamily="18" charset="0"/>
                             </a:rPr>
                             <m:t>2</m:t>
@@ -23883,18 +24395,22 @@
                     </m:oMath>
                   </m:oMathPara>
                 </a14:m>
-                <a:endParaRPr lang="ar-AE" dirty="0"/>
+                <a:endParaRPr lang="ar-AE" dirty="0">
+                  <a:solidFill>
+                    <a:schemeClr val="tx1"/>
+                  </a:solidFill>
+                </a:endParaRPr>
               </a:p>
             </p:txBody>
           </p:sp>
         </mc:Choice>
-        <mc:Fallback xmlns="">
+        <mc:Fallback>
           <p:sp>
             <p:nvSpPr>
-              <p:cNvPr id="34" name="Content Placeholder 2">
+              <p:cNvPr id="17" name="Content Placeholder 2">
                 <a:extLst>
                   <a:ext uri="{FF2B5EF4-FFF2-40B4-BE49-F238E27FC236}">
-                    <a16:creationId xmlns:a16="http://schemas.microsoft.com/office/drawing/2014/main" id="{6EC54684-1EB0-3B70-2E90-241B1326D938}"/>
+                    <a16:creationId xmlns:a16="http://schemas.microsoft.com/office/drawing/2014/main" id="{D56D51E7-CFC8-CA47-5518-8BC54B73662B}"/>
                   </a:ext>
                 </a:extLst>
               </p:cNvPr>
@@ -23906,7 +24422,7 @@
             <p:spPr>
               <a:xfrm>
                 <a:off x="247650" y="2035175"/>
-                <a:ext cx="4150995" cy="763479"/>
+                <a:ext cx="4150995" cy="712311"/>
               </a:xfrm>
               <a:prstGeom prst="rect">
                 <a:avLst/>
@@ -23914,7 +24430,7 @@
               <a:blipFill>
                 <a:blip r:embed="rId4"/>
                 <a:stretch>
-                  <a:fillRect t="-6557" b="-9836"/>
+                  <a:fillRect/>
                 </a:stretch>
               </a:blipFill>
             </p:spPr>
@@ -23923,7 +24439,7 @@
               <a:lstStyle/>
               <a:p>
                 <a:r>
-                  <a:rPr lang="en-US">
+                  <a:rPr lang="zh-CN" altLang="en-US">
                     <a:noFill/>
                   </a:rPr>
                   <a:t> </a:t>

--- a/lecture notes/from Modeling to Continuous-time LQ/powerpoint_handouts (work in progress)/06-State-Space Dynamic System Models (imcmp-handout-light) - pub.pptx
+++ b/lecture notes/from Modeling to Continuous-time LQ/powerpoint_handouts (work in progress)/06-State-Space Dynamic System Models (imcmp-handout-light) - pub.pptx
@@ -42,6 +42,232 @@
     </p:ext>
   </p:extLst>
 </p:presentation>
+</file>
+
+<file path=ppt/revisionInfo.xml><?xml version="1.0" encoding="utf-8"?>
+<p1510:revInfo xmlns:a="http://schemas.openxmlformats.org/drawingml/2006/main" xmlns:r="http://schemas.openxmlformats.org/officeDocument/2006/relationships" xmlns:p1510="http://schemas.microsoft.com/office/powerpoint/2015/10/main">
+  <p1510:revLst>
+    <p1510:client id="{3C8EB9E8-C2DD-4E65-95C9-0F6512B966F1}" v="17" dt="2025-09-19T22:15:06.602"/>
+  </p1510:revLst>
+</p1510:revInfo>
+</file>
+
+<file path=ppt/changesInfos/changesInfo1.xml><?xml version="1.0" encoding="utf-8"?>
+<pc:chgInfo xmlns:a="http://schemas.openxmlformats.org/drawingml/2006/main" xmlns:r="http://schemas.openxmlformats.org/officeDocument/2006/relationships" xmlns:ac="http://schemas.microsoft.com/office/drawing/2013/main/command" xmlns:pc="http://schemas.microsoft.com/office/powerpoint/2013/main/command">
+  <pc:docChgLst>
+    <pc:chgData name="Shuan Cheng" userId="b14087c0-bac9-44dd-b3f8-5d50e1ee75e5" providerId="ADAL" clId="{75A9BF88-81BC-4677-82BB-DF96F3D360A6}"/>
+    <pc:docChg chg="undo redo custSel modSld">
+      <pc:chgData name="Shuan Cheng" userId="b14087c0-bac9-44dd-b3f8-5d50e1ee75e5" providerId="ADAL" clId="{75A9BF88-81BC-4677-82BB-DF96F3D360A6}" dt="2025-09-19T22:15:15.107" v="20" actId="1035"/>
+      <pc:docMkLst>
+        <pc:docMk/>
+      </pc:docMkLst>
+      <pc:sldChg chg="modSp">
+        <pc:chgData name="Shuan Cheng" userId="b14087c0-bac9-44dd-b3f8-5d50e1ee75e5" providerId="ADAL" clId="{75A9BF88-81BC-4677-82BB-DF96F3D360A6}" dt="2025-09-18T21:37:15.139" v="1"/>
+        <pc:sldMkLst>
+          <pc:docMk/>
+          <pc:sldMk cId="0" sldId="261"/>
+        </pc:sldMkLst>
+        <pc:spChg chg="mod">
+          <ac:chgData name="Shuan Cheng" userId="b14087c0-bac9-44dd-b3f8-5d50e1ee75e5" providerId="ADAL" clId="{75A9BF88-81BC-4677-82BB-DF96F3D360A6}" dt="2025-09-18T21:37:15.139" v="1"/>
+          <ac:spMkLst>
+            <pc:docMk/>
+            <pc:sldMk cId="0" sldId="261"/>
+            <ac:spMk id="19" creationId="{00000000-0000-0000-0000-000000000000}"/>
+          </ac:spMkLst>
+        </pc:spChg>
+      </pc:sldChg>
+      <pc:sldChg chg="modSp mod">
+        <pc:chgData name="Shuan Cheng" userId="b14087c0-bac9-44dd-b3f8-5d50e1ee75e5" providerId="ADAL" clId="{75A9BF88-81BC-4677-82BB-DF96F3D360A6}" dt="2025-09-18T21:43:19.276" v="7" actId="1076"/>
+        <pc:sldMkLst>
+          <pc:docMk/>
+          <pc:sldMk cId="0" sldId="263"/>
+        </pc:sldMkLst>
+        <pc:spChg chg="mod">
+          <ac:chgData name="Shuan Cheng" userId="b14087c0-bac9-44dd-b3f8-5d50e1ee75e5" providerId="ADAL" clId="{75A9BF88-81BC-4677-82BB-DF96F3D360A6}" dt="2025-09-18T21:43:19.276" v="7" actId="1076"/>
+          <ac:spMkLst>
+            <pc:docMk/>
+            <pc:sldMk cId="0" sldId="263"/>
+            <ac:spMk id="21" creationId="{00000000-0000-0000-0000-000000000000}"/>
+          </ac:spMkLst>
+        </pc:spChg>
+      </pc:sldChg>
+      <pc:sldChg chg="addSp delSp modSp mod">
+        <pc:chgData name="Shuan Cheng" userId="b14087c0-bac9-44dd-b3f8-5d50e1ee75e5" providerId="ADAL" clId="{75A9BF88-81BC-4677-82BB-DF96F3D360A6}" dt="2025-09-18T21:45:14.374" v="10" actId="207"/>
+        <pc:sldMkLst>
+          <pc:docMk/>
+          <pc:sldMk cId="0" sldId="264"/>
+        </pc:sldMkLst>
+        <pc:spChg chg="add mod">
+          <ac:chgData name="Shuan Cheng" userId="b14087c0-bac9-44dd-b3f8-5d50e1ee75e5" providerId="ADAL" clId="{75A9BF88-81BC-4677-82BB-DF96F3D360A6}" dt="2025-09-18T21:45:14.374" v="10" actId="207"/>
+          <ac:spMkLst>
+            <pc:docMk/>
+            <pc:sldMk cId="0" sldId="264"/>
+            <ac:spMk id="17" creationId="{D56D51E7-CFC8-CA47-5518-8BC54B73662B}"/>
+          </ac:spMkLst>
+        </pc:spChg>
+        <pc:spChg chg="del">
+          <ac:chgData name="Shuan Cheng" userId="b14087c0-bac9-44dd-b3f8-5d50e1ee75e5" providerId="ADAL" clId="{75A9BF88-81BC-4677-82BB-DF96F3D360A6}" dt="2025-09-18T21:45:11.086" v="8" actId="478"/>
+          <ac:spMkLst>
+            <pc:docMk/>
+            <pc:sldMk cId="0" sldId="264"/>
+            <ac:spMk id="34" creationId="{6EC54684-1EB0-3B70-2E90-241B1326D938}"/>
+          </ac:spMkLst>
+        </pc:spChg>
+      </pc:sldChg>
+      <pc:sldChg chg="addSp delSp modSp mod">
+        <pc:chgData name="Shuan Cheng" userId="b14087c0-bac9-44dd-b3f8-5d50e1ee75e5" providerId="ADAL" clId="{75A9BF88-81BC-4677-82BB-DF96F3D360A6}" dt="2025-09-19T22:15:15.107" v="20" actId="1035"/>
+        <pc:sldMkLst>
+          <pc:docMk/>
+          <pc:sldMk cId="0" sldId="265"/>
+        </pc:sldMkLst>
+        <pc:spChg chg="mod">
+          <ac:chgData name="Shuan Cheng" userId="b14087c0-bac9-44dd-b3f8-5d50e1ee75e5" providerId="ADAL" clId="{75A9BF88-81BC-4677-82BB-DF96F3D360A6}" dt="2025-09-19T22:15:15.107" v="20" actId="1035"/>
+          <ac:spMkLst>
+            <pc:docMk/>
+            <pc:sldMk cId="0" sldId="265"/>
+            <ac:spMk id="3" creationId="{00000000-0000-0000-0000-000000000000}"/>
+          </ac:spMkLst>
+        </pc:spChg>
+        <pc:spChg chg="mod">
+          <ac:chgData name="Shuan Cheng" userId="b14087c0-bac9-44dd-b3f8-5d50e1ee75e5" providerId="ADAL" clId="{75A9BF88-81BC-4677-82BB-DF96F3D360A6}" dt="2025-09-19T22:15:15.107" v="20" actId="1035"/>
+          <ac:spMkLst>
+            <pc:docMk/>
+            <pc:sldMk cId="0" sldId="265"/>
+            <ac:spMk id="4" creationId="{00000000-0000-0000-0000-000000000000}"/>
+          </ac:spMkLst>
+        </pc:spChg>
+        <pc:spChg chg="mod">
+          <ac:chgData name="Shuan Cheng" userId="b14087c0-bac9-44dd-b3f8-5d50e1ee75e5" providerId="ADAL" clId="{75A9BF88-81BC-4677-82BB-DF96F3D360A6}" dt="2025-09-19T22:15:15.107" v="20" actId="1035"/>
+          <ac:spMkLst>
+            <pc:docMk/>
+            <pc:sldMk cId="0" sldId="265"/>
+            <ac:spMk id="5" creationId="{00000000-0000-0000-0000-000000000000}"/>
+          </ac:spMkLst>
+        </pc:spChg>
+        <pc:spChg chg="mod">
+          <ac:chgData name="Shuan Cheng" userId="b14087c0-bac9-44dd-b3f8-5d50e1ee75e5" providerId="ADAL" clId="{75A9BF88-81BC-4677-82BB-DF96F3D360A6}" dt="2025-09-19T22:15:15.107" v="20" actId="1035"/>
+          <ac:spMkLst>
+            <pc:docMk/>
+            <pc:sldMk cId="0" sldId="265"/>
+            <ac:spMk id="10" creationId="{00000000-0000-0000-0000-000000000000}"/>
+          </ac:spMkLst>
+        </pc:spChg>
+        <pc:spChg chg="mod">
+          <ac:chgData name="Shuan Cheng" userId="b14087c0-bac9-44dd-b3f8-5d50e1ee75e5" providerId="ADAL" clId="{75A9BF88-81BC-4677-82BB-DF96F3D360A6}" dt="2025-09-19T22:15:15.107" v="20" actId="1035"/>
+          <ac:spMkLst>
+            <pc:docMk/>
+            <pc:sldMk cId="0" sldId="265"/>
+            <ac:spMk id="11" creationId="{00000000-0000-0000-0000-000000000000}"/>
+          </ac:spMkLst>
+        </pc:spChg>
+        <pc:spChg chg="mod">
+          <ac:chgData name="Shuan Cheng" userId="b14087c0-bac9-44dd-b3f8-5d50e1ee75e5" providerId="ADAL" clId="{75A9BF88-81BC-4677-82BB-DF96F3D360A6}" dt="2025-09-19T22:15:15.107" v="20" actId="1035"/>
+          <ac:spMkLst>
+            <pc:docMk/>
+            <pc:sldMk cId="0" sldId="265"/>
+            <ac:spMk id="12" creationId="{00000000-0000-0000-0000-000000000000}"/>
+          </ac:spMkLst>
+        </pc:spChg>
+        <pc:spChg chg="mod">
+          <ac:chgData name="Shuan Cheng" userId="b14087c0-bac9-44dd-b3f8-5d50e1ee75e5" providerId="ADAL" clId="{75A9BF88-81BC-4677-82BB-DF96F3D360A6}" dt="2025-09-19T22:15:15.107" v="20" actId="1035"/>
+          <ac:spMkLst>
+            <pc:docMk/>
+            <pc:sldMk cId="0" sldId="265"/>
+            <ac:spMk id="16" creationId="{00000000-0000-0000-0000-000000000000}"/>
+          </ac:spMkLst>
+        </pc:spChg>
+        <pc:spChg chg="add mod">
+          <ac:chgData name="Shuan Cheng" userId="b14087c0-bac9-44dd-b3f8-5d50e1ee75e5" providerId="ADAL" clId="{75A9BF88-81BC-4677-82BB-DF96F3D360A6}" dt="2025-09-19T22:15:06.602" v="18"/>
+          <ac:spMkLst>
+            <pc:docMk/>
+            <pc:sldMk cId="0" sldId="265"/>
+            <ac:spMk id="17" creationId="{082AA718-9051-5854-5E66-E7F96977F9D9}"/>
+          </ac:spMkLst>
+        </pc:spChg>
+        <pc:spChg chg="add del mod">
+          <ac:chgData name="Shuan Cheng" userId="b14087c0-bac9-44dd-b3f8-5d50e1ee75e5" providerId="ADAL" clId="{75A9BF88-81BC-4677-82BB-DF96F3D360A6}" dt="2025-09-18T21:50:12.116" v="14" actId="478"/>
+          <ac:spMkLst>
+            <pc:docMk/>
+            <pc:sldMk cId="0" sldId="265"/>
+            <ac:spMk id="17" creationId="{F2E26EEA-7727-6E69-BA8A-E29C05975DC9}"/>
+          </ac:spMkLst>
+        </pc:spChg>
+        <pc:spChg chg="add del mod">
+          <ac:chgData name="Shuan Cheng" userId="b14087c0-bac9-44dd-b3f8-5d50e1ee75e5" providerId="ADAL" clId="{75A9BF88-81BC-4677-82BB-DF96F3D360A6}" dt="2025-09-19T22:15:06.210" v="17" actId="478"/>
+          <ac:spMkLst>
+            <pc:docMk/>
+            <pc:sldMk cId="0" sldId="265"/>
+            <ac:spMk id="18" creationId="{A2B49859-67FA-5E48-4208-E6C7975B7EDB}"/>
+          </ac:spMkLst>
+        </pc:spChg>
+        <pc:spChg chg="add mod">
+          <ac:chgData name="Shuan Cheng" userId="b14087c0-bac9-44dd-b3f8-5d50e1ee75e5" providerId="ADAL" clId="{75A9BF88-81BC-4677-82BB-DF96F3D360A6}" dt="2025-09-19T22:15:06.602" v="18"/>
+          <ac:spMkLst>
+            <pc:docMk/>
+            <pc:sldMk cId="0" sldId="265"/>
+            <ac:spMk id="19" creationId="{112751AF-4B10-C56C-693E-47AD7ADFC4FC}"/>
+          </ac:spMkLst>
+        </pc:spChg>
+        <pc:spChg chg="add mod">
+          <ac:chgData name="Shuan Cheng" userId="b14087c0-bac9-44dd-b3f8-5d50e1ee75e5" providerId="ADAL" clId="{75A9BF88-81BC-4677-82BB-DF96F3D360A6}" dt="2025-09-19T22:15:06.602" v="18"/>
+          <ac:spMkLst>
+            <pc:docMk/>
+            <pc:sldMk cId="0" sldId="265"/>
+            <ac:spMk id="20" creationId="{BED8A218-7151-9ECB-AC21-DF69B4B2A5E3}"/>
+          </ac:spMkLst>
+        </pc:spChg>
+        <pc:spChg chg="add mod">
+          <ac:chgData name="Shuan Cheng" userId="b14087c0-bac9-44dd-b3f8-5d50e1ee75e5" providerId="ADAL" clId="{75A9BF88-81BC-4677-82BB-DF96F3D360A6}" dt="2025-09-19T22:15:06.602" v="18"/>
+          <ac:spMkLst>
+            <pc:docMk/>
+            <pc:sldMk cId="0" sldId="265"/>
+            <ac:spMk id="21" creationId="{B9BF7A6D-14C0-36F3-EB9C-B4CA4D4DEF5F}"/>
+          </ac:spMkLst>
+        </pc:spChg>
+        <pc:spChg chg="add mod">
+          <ac:chgData name="Shuan Cheng" userId="b14087c0-bac9-44dd-b3f8-5d50e1ee75e5" providerId="ADAL" clId="{75A9BF88-81BC-4677-82BB-DF96F3D360A6}" dt="2025-09-19T22:15:06.602" v="18"/>
+          <ac:spMkLst>
+            <pc:docMk/>
+            <pc:sldMk cId="0" sldId="265"/>
+            <ac:spMk id="22" creationId="{D20A0615-3EB0-9A00-1629-A12509C42849}"/>
+          </ac:spMkLst>
+        </pc:spChg>
+        <pc:spChg chg="add mod">
+          <ac:chgData name="Shuan Cheng" userId="b14087c0-bac9-44dd-b3f8-5d50e1ee75e5" providerId="ADAL" clId="{75A9BF88-81BC-4677-82BB-DF96F3D360A6}" dt="2025-09-19T22:15:06.602" v="18"/>
+          <ac:spMkLst>
+            <pc:docMk/>
+            <pc:sldMk cId="0" sldId="265"/>
+            <ac:spMk id="23" creationId="{B5B2645C-8132-82D3-6736-404AE9307A67}"/>
+          </ac:spMkLst>
+        </pc:spChg>
+        <pc:spChg chg="del">
+          <ac:chgData name="Shuan Cheng" userId="b14087c0-bac9-44dd-b3f8-5d50e1ee75e5" providerId="ADAL" clId="{75A9BF88-81BC-4677-82BB-DF96F3D360A6}" dt="2025-09-18T21:48:48.304" v="11" actId="478"/>
+          <ac:spMkLst>
+            <pc:docMk/>
+            <pc:sldMk cId="0" sldId="265"/>
+            <ac:spMk id="54" creationId="{A423792C-274B-3468-3300-71CB8572EFCB}"/>
+          </ac:spMkLst>
+        </pc:spChg>
+        <pc:grpChg chg="mod">
+          <ac:chgData name="Shuan Cheng" userId="b14087c0-bac9-44dd-b3f8-5d50e1ee75e5" providerId="ADAL" clId="{75A9BF88-81BC-4677-82BB-DF96F3D360A6}" dt="2025-09-19T22:15:15.107" v="20" actId="1035"/>
+          <ac:grpSpMkLst>
+            <pc:docMk/>
+            <pc:sldMk cId="0" sldId="265"/>
+            <ac:grpSpMk id="6" creationId="{00000000-0000-0000-0000-000000000000}"/>
+          </ac:grpSpMkLst>
+        </pc:grpChg>
+        <pc:grpChg chg="mod">
+          <ac:chgData name="Shuan Cheng" userId="b14087c0-bac9-44dd-b3f8-5d50e1ee75e5" providerId="ADAL" clId="{75A9BF88-81BC-4677-82BB-DF96F3D360A6}" dt="2025-09-19T22:15:15.107" v="20" actId="1035"/>
+          <ac:grpSpMkLst>
+            <pc:docMk/>
+            <pc:sldMk cId="0" sldId="265"/>
+            <ac:grpSpMk id="13" creationId="{00000000-0000-0000-0000-000000000000}"/>
+          </ac:grpSpMkLst>
+        </pc:grpChg>
+      </pc:sldChg>
+    </pc:docChg>
+  </pc:docChgLst>
+</pc:chgInfo>
 </file>
 
 <file path=ppt/slideLayouts/slideLayout1.xml><?xml version="1.0" encoding="utf-8"?>
@@ -250,7 +476,7 @@
           <a:p>
             <a:fld id="{1D8BD707-D9CF-40AE-B4C6-C98DA3205C09}" type="datetimeFigureOut">
               <a:rPr lang="en-US"/>
-              <a:t>8/11/25</a:t>
+              <a:t>9/19/2025</a:t>
             </a:fld>
             <a:endParaRPr lang="en-US"/>
           </a:p>
@@ -506,7 +732,7 @@
           <a:p>
             <a:fld id="{1D8BD707-D9CF-40AE-B4C6-C98DA3205C09}" type="datetimeFigureOut">
               <a:rPr lang="en-US"/>
-              <a:t>8/11/25</a:t>
+              <a:t>9/19/2025</a:t>
             </a:fld>
             <a:endParaRPr lang="en-US"/>
           </a:p>
@@ -799,7 +1025,7 @@
           <a:p>
             <a:fld id="{1D8BD707-D9CF-40AE-B4C6-C98DA3205C09}" type="datetimeFigureOut">
               <a:rPr lang="en-US"/>
-              <a:t>8/11/25</a:t>
+              <a:t>9/19/2025</a:t>
             </a:fld>
             <a:endParaRPr lang="en-US"/>
           </a:p>
@@ -1026,7 +1252,7 @@
           <a:p>
             <a:fld id="{1D8BD707-D9CF-40AE-B4C6-C98DA3205C09}" type="datetimeFigureOut">
               <a:rPr lang="en-US"/>
-              <a:t>8/11/25</a:t>
+              <a:t>9/19/2025</a:t>
             </a:fld>
             <a:endParaRPr lang="en-US"/>
           </a:p>
@@ -1232,7 +1458,7 @@
           <a:p>
             <a:fld id="{1D8BD707-D9CF-40AE-B4C6-C98DA3205C09}" type="datetimeFigureOut">
               <a:rPr lang="en-US"/>
-              <a:t>8/11/25</a:t>
+              <a:t>9/19/2025</a:t>
             </a:fld>
             <a:endParaRPr lang="en-US"/>
           </a:p>
@@ -1586,7 +1812,7 @@
           <a:p>
             <a:fld id="{1D8BD707-D9CF-40AE-B4C6-C98DA3205C09}" type="datetimeFigureOut">
               <a:rPr lang="en-US"/>
-              <a:t>8/11/25</a:t>
+              <a:t>9/19/2025</a:t>
             </a:fld>
             <a:endParaRPr lang="en-US"/>
           </a:p>
@@ -2352,7 +2578,7 @@
         </p:nvSpPr>
         <p:spPr>
           <a:xfrm>
-            <a:off x="2068434" y="851499"/>
+            <a:off x="2068434" y="705565"/>
             <a:ext cx="540385" cy="720090"/>
           </a:xfrm>
           <a:custGeom>
@@ -2404,7 +2630,7 @@
         </p:nvSpPr>
         <p:spPr>
           <a:xfrm>
-            <a:off x="1937410" y="580909"/>
+            <a:off x="1937410" y="434975"/>
             <a:ext cx="802005" cy="191770"/>
           </a:xfrm>
           <a:prstGeom prst="rect">
@@ -2482,7 +2708,7 @@
         </p:nvSpPr>
         <p:spPr>
           <a:xfrm>
-            <a:off x="2270734" y="1568004"/>
+            <a:off x="2270734" y="1422070"/>
             <a:ext cx="135890" cy="191770"/>
           </a:xfrm>
           <a:prstGeom prst="rect">
@@ -2525,7 +2751,7 @@
         </p:nvGrpSpPr>
         <p:grpSpPr>
           <a:xfrm>
-            <a:off x="1204423" y="666426"/>
+            <a:off x="1204423" y="520492"/>
             <a:ext cx="866775" cy="1090295"/>
             <a:chOff x="1204423" y="666426"/>
             <a:chExt cx="866775" cy="1090295"/>
@@ -3318,7 +3544,7 @@
         </p:nvSpPr>
         <p:spPr>
           <a:xfrm>
-            <a:off x="1638973" y="681328"/>
+            <a:off x="1638973" y="535394"/>
             <a:ext cx="93345" cy="191770"/>
           </a:xfrm>
           <a:prstGeom prst="rect">
@@ -3361,7 +3587,7 @@
         </p:nvSpPr>
         <p:spPr>
           <a:xfrm>
-            <a:off x="1314956" y="1322549"/>
+            <a:off x="1314956" y="1176615"/>
             <a:ext cx="751205" cy="200025"/>
           </a:xfrm>
           <a:custGeom>
@@ -3436,7 +3662,7 @@
         </p:nvSpPr>
         <p:spPr>
           <a:xfrm>
-            <a:off x="1638973" y="1534577"/>
+            <a:off x="1638973" y="1388643"/>
             <a:ext cx="97155" cy="191770"/>
           </a:xfrm>
           <a:prstGeom prst="rect">
@@ -3479,7 +3705,7 @@
         </p:nvGrpSpPr>
         <p:grpSpPr>
           <a:xfrm>
-            <a:off x="2610972" y="1185186"/>
+            <a:off x="2610972" y="1039252"/>
             <a:ext cx="360045" cy="52705"/>
             <a:chOff x="2610972" y="1185186"/>
             <a:chExt cx="360045" cy="52705"/>
@@ -3586,7 +3812,7 @@
         </p:nvSpPr>
         <p:spPr>
           <a:xfrm>
-            <a:off x="3009519" y="1107362"/>
+            <a:off x="3009519" y="961428"/>
             <a:ext cx="360680" cy="191770"/>
           </a:xfrm>
           <a:prstGeom prst="rect">
@@ -3927,10 +4153,10 @@
         <mc:Choice xmlns:a14="http://schemas.microsoft.com/office/drawing/2010/main" Requires="a14">
           <p:sp>
             <p:nvSpPr>
-              <p:cNvPr id="54" name="Content Placeholder 2">
+              <p:cNvPr id="17" name="Content Placeholder 2">
                 <a:extLst>
                   <a:ext uri="{FF2B5EF4-FFF2-40B4-BE49-F238E27FC236}">
-                    <a16:creationId xmlns:a16="http://schemas.microsoft.com/office/drawing/2014/main" id="{A423792C-274B-3468-3300-71CB8572EFCB}"/>
+                    <a16:creationId xmlns:a16="http://schemas.microsoft.com/office/drawing/2014/main" id="{082AA718-9051-5854-5E66-E7F96977F9D9}"/>
                   </a:ext>
                 </a:extLst>
               </p:cNvPr>
@@ -3941,12 +4167,15 @@
             </p:nvSpPr>
             <p:spPr>
               <a:xfrm>
-                <a:off x="-46456" y="1882775"/>
-                <a:ext cx="4713706" cy="828047"/>
+                <a:off x="-46456" y="1806575"/>
+                <a:ext cx="4713706" cy="1564980"/>
               </a:xfrm>
               <a:prstGeom prst="rect">
                 <a:avLst/>
               </a:prstGeom>
+              <a:ln>
+                <a:noFill/>
+              </a:ln>
             </p:spPr>
             <p:txBody>
               <a:bodyPr wrap="square" lIns="0" tIns="0" rIns="0" bIns="0">
@@ -4021,7 +4250,11 @@
                 </a:lvl9pPr>
               </a:lstStyle>
               <a:p>
-                <a:pPr/>
+                <a:pPr>
+                  <a:spcAft>
+                    <a:spcPts val="700"/>
+                  </a:spcAft>
+                </a:pPr>
                 <a14:m>
                   <m:oMathPara xmlns:m="http://schemas.openxmlformats.org/officeDocument/2006/math">
                     <m:oMathParaPr>
@@ -4041,6 +4274,9 @@
                           </m:mcs>
                           <m:ctrlPr>
                             <a:rPr lang="ar-AE" i="1" smtClean="0">
+                              <a:solidFill>
+                                <a:schemeClr val="tx1"/>
+                              </a:solidFill>
                               <a:latin typeface="Cambria Math" panose="02040503050406030204" pitchFamily="18" charset="0"/>
                             </a:rPr>
                           </m:ctrlPr>
@@ -4051,6 +4287,9 @@
                               <m:fPr>
                                 <m:ctrlPr>
                                   <a:rPr lang="ar-AE" i="1">
+                                    <a:solidFill>
+                                      <a:schemeClr val="tx1"/>
+                                    </a:solidFill>
                                     <a:latin typeface="Cambria Math" panose="02040503050406030204" pitchFamily="18" charset="0"/>
                                   </a:rPr>
                                 </m:ctrlPr>
@@ -4058,6 +4297,9 @@
                               <m:num>
                                 <m:r>
                                   <a:rPr lang="ar-AE">
+                                    <a:solidFill>
+                                      <a:schemeClr val="tx1"/>
+                                    </a:solidFill>
                                     <a:latin typeface="Cambria Math" panose="02040503050406030204" pitchFamily="18" charset="0"/>
                                   </a:rPr>
                                   <m:t>𝑑</m:t>
@@ -4066,6 +4308,9 @@
                               <m:den>
                                 <m:r>
                                   <a:rPr lang="ar-AE">
+                                    <a:solidFill>
+                                      <a:schemeClr val="tx1"/>
+                                    </a:solidFill>
                                     <a:latin typeface="Cambria Math" panose="02040503050406030204" pitchFamily="18" charset="0"/>
                                   </a:rPr>
                                   <m:t>𝑑𝑡</m:t>
@@ -4077,7 +4322,10 @@
                                 <m:begChr m:val="["/>
                                 <m:endChr m:val="]"/>
                                 <m:ctrlPr>
-                                  <a:rPr lang="ar-AE" i="1">
+                                  <a:rPr lang="ar-AE" altLang="zh-CN" i="1">
+                                    <a:solidFill>
+                                      <a:schemeClr val="tx1"/>
+                                    </a:solidFill>
                                     <a:latin typeface="Cambria Math" panose="02040503050406030204" pitchFamily="18" charset="0"/>
                                   </a:rPr>
                                 </m:ctrlPr>
@@ -4095,7 +4343,10 @@
                                       </m:mc>
                                     </m:mcs>
                                     <m:ctrlPr>
-                                      <a:rPr lang="ar-AE" i="1">
+                                      <a:rPr lang="ar-AE" altLang="zh-CN" i="1">
+                                        <a:solidFill>
+                                          <a:schemeClr val="tx1"/>
+                                        </a:solidFill>
                                         <a:latin typeface="Cambria Math" panose="02040503050406030204" pitchFamily="18" charset="0"/>
                                       </a:rPr>
                                     </m:ctrlPr>
@@ -4103,7 +4354,10 @@
                                   <m:mr>
                                     <m:e>
                                       <m:r>
-                                        <a:rPr lang="ar-AE">
+                                        <a:rPr lang="ar-AE" altLang="zh-CN">
+                                          <a:solidFill>
+                                            <a:schemeClr val="tx1"/>
+                                          </a:solidFill>
                                           <a:latin typeface="Cambria Math" panose="02040503050406030204" pitchFamily="18" charset="0"/>
                                         </a:rPr>
                                         <m:t>𝑦</m:t>
@@ -4111,14 +4365,20 @@
                                       <m:d>
                                         <m:dPr>
                                           <m:ctrlPr>
-                                            <a:rPr lang="ar-AE" i="1">
+                                            <a:rPr lang="ar-AE" altLang="zh-CN" i="1">
+                                              <a:solidFill>
+                                                <a:schemeClr val="tx1"/>
+                                              </a:solidFill>
                                               <a:latin typeface="Cambria Math" panose="02040503050406030204" pitchFamily="18" charset="0"/>
                                             </a:rPr>
                                           </m:ctrlPr>
                                         </m:dPr>
                                         <m:e>
                                           <m:r>
-                                            <a:rPr lang="ar-AE">
+                                            <a:rPr lang="ar-AE" altLang="zh-CN">
+                                              <a:solidFill>
+                                                <a:schemeClr val="tx1"/>
+                                              </a:solidFill>
                                               <a:latin typeface="Cambria Math" panose="02040503050406030204" pitchFamily="18" charset="0"/>
                                             </a:rPr>
                                             <m:t>𝑡</m:t>
@@ -4130,7 +4390,10 @@
                                   <m:mr>
                                     <m:e>
                                       <m:r>
-                                        <a:rPr lang="ar-AE">
+                                        <a:rPr lang="ar-AE" altLang="zh-CN">
+                                          <a:solidFill>
+                                            <a:schemeClr val="tx1"/>
+                                          </a:solidFill>
                                           <a:latin typeface="Cambria Math" panose="02040503050406030204" pitchFamily="18" charset="0"/>
                                         </a:rPr>
                                         <m:t>𝑣</m:t>
@@ -4138,14 +4401,20 @@
                                       <m:d>
                                         <m:dPr>
                                           <m:ctrlPr>
-                                            <a:rPr lang="ar-AE" i="1">
+                                            <a:rPr lang="ar-AE" altLang="zh-CN" i="1">
+                                              <a:solidFill>
+                                                <a:schemeClr val="tx1"/>
+                                              </a:solidFill>
                                               <a:latin typeface="Cambria Math" panose="02040503050406030204" pitchFamily="18" charset="0"/>
                                             </a:rPr>
                                           </m:ctrlPr>
                                         </m:dPr>
                                         <m:e>
                                           <m:r>
-                                            <a:rPr lang="ar-AE">
+                                            <a:rPr lang="ar-AE" altLang="zh-CN">
+                                              <a:solidFill>
+                                                <a:schemeClr val="tx1"/>
+                                              </a:solidFill>
                                               <a:latin typeface="Cambria Math" panose="02040503050406030204" pitchFamily="18" charset="0"/>
                                             </a:rPr>
                                             <m:t>𝑡</m:t>
@@ -4161,6 +4430,9 @@
                           <m:e>
                             <m:r>
                               <a:rPr lang="ar-AE">
+                                <a:solidFill>
+                                  <a:schemeClr val="tx1"/>
+                                </a:solidFill>
                                 <a:latin typeface="Cambria Math" panose="02040503050406030204" pitchFamily="18" charset="0"/>
                               </a:rPr>
                               <m:t>=</m:t>
@@ -4170,7 +4442,10 @@
                                 <m:begChr m:val="["/>
                                 <m:endChr m:val="]"/>
                                 <m:ctrlPr>
-                                  <a:rPr lang="ar-AE" i="1">
+                                  <a:rPr lang="ar-AE" altLang="zh-CN" i="1">
+                                    <a:solidFill>
+                                      <a:schemeClr val="tx1"/>
+                                    </a:solidFill>
                                     <a:latin typeface="Cambria Math" panose="02040503050406030204" pitchFamily="18" charset="0"/>
                                   </a:rPr>
                                 </m:ctrlPr>
@@ -4188,7 +4463,10 @@
                                       </m:mc>
                                     </m:mcs>
                                     <m:ctrlPr>
-                                      <a:rPr lang="ar-AE" i="1">
+                                      <a:rPr lang="ar-AE" altLang="zh-CN" i="1">
+                                        <a:solidFill>
+                                          <a:schemeClr val="tx1"/>
+                                        </a:solidFill>
                                         <a:latin typeface="Cambria Math" panose="02040503050406030204" pitchFamily="18" charset="0"/>
                                       </a:rPr>
                                     </m:ctrlPr>
@@ -4196,7 +4474,10 @@
                                   <m:mr>
                                     <m:e>
                                       <m:r>
-                                        <a:rPr lang="ar-AE">
+                                        <a:rPr lang="ar-AE" altLang="zh-CN">
+                                          <a:solidFill>
+                                            <a:schemeClr val="tx1"/>
+                                          </a:solidFill>
                                           <a:latin typeface="Cambria Math" panose="02040503050406030204" pitchFamily="18" charset="0"/>
                                         </a:rPr>
                                         <m:t>0</m:t>
@@ -4204,7 +4485,10 @@
                                     </m:e>
                                     <m:e>
                                       <m:r>
-                                        <a:rPr lang="ar-AE">
+                                        <a:rPr lang="ar-AE" altLang="zh-CN">
+                                          <a:solidFill>
+                                            <a:schemeClr val="tx1"/>
+                                          </a:solidFill>
                                           <a:latin typeface="Cambria Math" panose="02040503050406030204" pitchFamily="18" charset="0"/>
                                         </a:rPr>
                                         <m:t>1</m:t>
@@ -4214,7 +4498,10 @@
                                   <m:mr>
                                     <m:e>
                                       <m:r>
-                                        <a:rPr lang="ar-AE">
+                                        <a:rPr lang="ar-AE" altLang="zh-CN">
+                                          <a:solidFill>
+                                            <a:schemeClr val="tx1"/>
+                                          </a:solidFill>
                                           <a:latin typeface="Cambria Math" panose="02040503050406030204" pitchFamily="18" charset="0"/>
                                         </a:rPr>
                                         <m:t>−</m:t>
@@ -4222,14 +4509,20 @@
                                       <m:f>
                                         <m:fPr>
                                           <m:ctrlPr>
-                                            <a:rPr lang="ar-AE" i="1">
+                                            <a:rPr lang="ar-AE" altLang="zh-CN" i="1">
+                                              <a:solidFill>
+                                                <a:schemeClr val="tx1"/>
+                                              </a:solidFill>
                                               <a:latin typeface="Cambria Math" panose="02040503050406030204" pitchFamily="18" charset="0"/>
                                             </a:rPr>
                                           </m:ctrlPr>
                                         </m:fPr>
                                         <m:num>
                                           <m:r>
-                                            <a:rPr lang="ar-AE">
+                                            <a:rPr lang="ar-AE" altLang="zh-CN">
+                                              <a:solidFill>
+                                                <a:schemeClr val="tx1"/>
+                                              </a:solidFill>
                                               <a:latin typeface="Cambria Math" panose="02040503050406030204" pitchFamily="18" charset="0"/>
                                             </a:rPr>
                                             <m:t>𝑘</m:t>
@@ -4237,7 +4530,10 @@
                                         </m:num>
                                         <m:den>
                                           <m:r>
-                                            <a:rPr lang="ar-AE">
+                                            <a:rPr lang="ar-AE" altLang="zh-CN">
+                                              <a:solidFill>
+                                                <a:schemeClr val="tx1"/>
+                                              </a:solidFill>
                                               <a:latin typeface="Cambria Math" panose="02040503050406030204" pitchFamily="18" charset="0"/>
                                             </a:rPr>
                                             <m:t>𝑚</m:t>
@@ -4247,7 +4543,10 @@
                                     </m:e>
                                     <m:e>
                                       <m:r>
-                                        <a:rPr lang="ar-AE">
+                                        <a:rPr lang="ar-AE" altLang="zh-CN">
+                                          <a:solidFill>
+                                            <a:schemeClr val="tx1"/>
+                                          </a:solidFill>
                                           <a:latin typeface="Cambria Math" panose="02040503050406030204" pitchFamily="18" charset="0"/>
                                         </a:rPr>
                                         <m:t>−</m:t>
@@ -4255,14 +4554,20 @@
                                       <m:f>
                                         <m:fPr>
                                           <m:ctrlPr>
-                                            <a:rPr lang="ar-AE" i="1">
+                                            <a:rPr lang="ar-AE" altLang="zh-CN" i="1">
+                                              <a:solidFill>
+                                                <a:schemeClr val="tx1"/>
+                                              </a:solidFill>
                                               <a:latin typeface="Cambria Math" panose="02040503050406030204" pitchFamily="18" charset="0"/>
                                             </a:rPr>
                                           </m:ctrlPr>
                                         </m:fPr>
                                         <m:num>
                                           <m:r>
-                                            <a:rPr lang="ar-AE">
+                                            <a:rPr lang="ar-AE" altLang="zh-CN">
+                                              <a:solidFill>
+                                                <a:schemeClr val="tx1"/>
+                                              </a:solidFill>
                                               <a:latin typeface="Cambria Math" panose="02040503050406030204" pitchFamily="18" charset="0"/>
                                             </a:rPr>
                                             <m:t>𝑏</m:t>
@@ -4270,7 +4575,10 @@
                                         </m:num>
                                         <m:den>
                                           <m:r>
-                                            <a:rPr lang="ar-AE">
+                                            <a:rPr lang="ar-AE" altLang="zh-CN">
+                                              <a:solidFill>
+                                                <a:schemeClr val="tx1"/>
+                                              </a:solidFill>
                                               <a:latin typeface="Cambria Math" panose="02040503050406030204" pitchFamily="18" charset="0"/>
                                             </a:rPr>
                                             <m:t>𝑚</m:t>
@@ -4287,7 +4595,10 @@
                                 <m:begChr m:val="["/>
                                 <m:endChr m:val="]"/>
                                 <m:ctrlPr>
-                                  <a:rPr lang="ar-AE" i="1">
+                                  <a:rPr lang="ar-AE" altLang="zh-CN" i="1">
+                                    <a:solidFill>
+                                      <a:schemeClr val="tx1"/>
+                                    </a:solidFill>
                                     <a:latin typeface="Cambria Math" panose="02040503050406030204" pitchFamily="18" charset="0"/>
                                   </a:rPr>
                                 </m:ctrlPr>
@@ -4305,7 +4616,10 @@
                                       </m:mc>
                                     </m:mcs>
                                     <m:ctrlPr>
-                                      <a:rPr lang="ar-AE" i="1">
+                                      <a:rPr lang="ar-AE" altLang="zh-CN" i="1">
+                                        <a:solidFill>
+                                          <a:schemeClr val="tx1"/>
+                                        </a:solidFill>
                                         <a:latin typeface="Cambria Math" panose="02040503050406030204" pitchFamily="18" charset="0"/>
                                       </a:rPr>
                                     </m:ctrlPr>
@@ -4313,7 +4627,10 @@
                                   <m:mr>
                                     <m:e>
                                       <m:r>
-                                        <a:rPr lang="ar-AE">
+                                        <a:rPr lang="ar-AE" altLang="zh-CN">
+                                          <a:solidFill>
+                                            <a:schemeClr val="tx1"/>
+                                          </a:solidFill>
                                           <a:latin typeface="Cambria Math" panose="02040503050406030204" pitchFamily="18" charset="0"/>
                                         </a:rPr>
                                         <m:t>𝑦</m:t>
@@ -4321,14 +4638,20 @@
                                       <m:d>
                                         <m:dPr>
                                           <m:ctrlPr>
-                                            <a:rPr lang="ar-AE" i="1">
+                                            <a:rPr lang="ar-AE" altLang="zh-CN" i="1">
+                                              <a:solidFill>
+                                                <a:schemeClr val="tx1"/>
+                                              </a:solidFill>
                                               <a:latin typeface="Cambria Math" panose="02040503050406030204" pitchFamily="18" charset="0"/>
                                             </a:rPr>
                                           </m:ctrlPr>
                                         </m:dPr>
                                         <m:e>
                                           <m:r>
-                                            <a:rPr lang="ar-AE">
+                                            <a:rPr lang="ar-AE" altLang="zh-CN">
+                                              <a:solidFill>
+                                                <a:schemeClr val="tx1"/>
+                                              </a:solidFill>
                                               <a:latin typeface="Cambria Math" panose="02040503050406030204" pitchFamily="18" charset="0"/>
                                             </a:rPr>
                                             <m:t>𝑡</m:t>
@@ -4340,7 +4663,10 @@
                                   <m:mr>
                                     <m:e>
                                       <m:r>
-                                        <a:rPr lang="ar-AE">
+                                        <a:rPr lang="ar-AE" altLang="zh-CN">
+                                          <a:solidFill>
+                                            <a:schemeClr val="tx1"/>
+                                          </a:solidFill>
                                           <a:latin typeface="Cambria Math" panose="02040503050406030204" pitchFamily="18" charset="0"/>
                                         </a:rPr>
                                         <m:t>𝑣</m:t>
@@ -4348,14 +4674,20 @@
                                       <m:d>
                                         <m:dPr>
                                           <m:ctrlPr>
-                                            <a:rPr lang="ar-AE" i="1">
+                                            <a:rPr lang="ar-AE" altLang="zh-CN" i="1">
+                                              <a:solidFill>
+                                                <a:schemeClr val="tx1"/>
+                                              </a:solidFill>
                                               <a:latin typeface="Cambria Math" panose="02040503050406030204" pitchFamily="18" charset="0"/>
                                             </a:rPr>
                                           </m:ctrlPr>
                                         </m:dPr>
                                         <m:e>
                                           <m:r>
-                                            <a:rPr lang="ar-AE">
+                                            <a:rPr lang="ar-AE" altLang="zh-CN">
+                                              <a:solidFill>
+                                                <a:schemeClr val="tx1"/>
+                                              </a:solidFill>
                                               <a:latin typeface="Cambria Math" panose="02040503050406030204" pitchFamily="18" charset="0"/>
                                             </a:rPr>
                                             <m:t>𝑡</m:t>
@@ -4369,6 +4701,9 @@
                             </m:d>
                             <m:r>
                               <a:rPr lang="ar-AE">
+                                <a:solidFill>
+                                  <a:schemeClr val="tx1"/>
+                                </a:solidFill>
                                 <a:latin typeface="Cambria Math" panose="02040503050406030204" pitchFamily="18" charset="0"/>
                               </a:rPr>
                               <m:t>+</m:t>
@@ -4378,7 +4713,10 @@
                                 <m:begChr m:val="["/>
                                 <m:endChr m:val="]"/>
                                 <m:ctrlPr>
-                                  <a:rPr lang="ar-AE" i="1">
+                                  <a:rPr lang="ar-AE" altLang="zh-CN" i="1">
+                                    <a:solidFill>
+                                      <a:schemeClr val="tx1"/>
+                                    </a:solidFill>
                                     <a:latin typeface="Cambria Math" panose="02040503050406030204" pitchFamily="18" charset="0"/>
                                   </a:rPr>
                                 </m:ctrlPr>
@@ -4396,7 +4734,10 @@
                                       </m:mc>
                                     </m:mcs>
                                     <m:ctrlPr>
-                                      <a:rPr lang="ar-AE" i="1">
+                                      <a:rPr lang="ar-AE" altLang="zh-CN" i="1">
+                                        <a:solidFill>
+                                          <a:schemeClr val="tx1"/>
+                                        </a:solidFill>
                                         <a:latin typeface="Cambria Math" panose="02040503050406030204" pitchFamily="18" charset="0"/>
                                       </a:rPr>
                                     </m:ctrlPr>
@@ -4404,7 +4745,10 @@
                                   <m:mr>
                                     <m:e>
                                       <m:r>
-                                        <a:rPr lang="ar-AE">
+                                        <a:rPr lang="ar-AE" altLang="zh-CN">
+                                          <a:solidFill>
+                                            <a:schemeClr val="tx1"/>
+                                          </a:solidFill>
                                           <a:latin typeface="Cambria Math" panose="02040503050406030204" pitchFamily="18" charset="0"/>
                                         </a:rPr>
                                         <m:t>0</m:t>
@@ -4416,14 +4760,20 @@
                                       <m:f>
                                         <m:fPr>
                                           <m:ctrlPr>
-                                            <a:rPr lang="ar-AE" i="1">
+                                            <a:rPr lang="ar-AE" altLang="zh-CN" i="1">
+                                              <a:solidFill>
+                                                <a:schemeClr val="tx1"/>
+                                              </a:solidFill>
                                               <a:latin typeface="Cambria Math" panose="02040503050406030204" pitchFamily="18" charset="0"/>
                                             </a:rPr>
                                           </m:ctrlPr>
                                         </m:fPr>
                                         <m:num>
                                           <m:r>
-                                            <a:rPr lang="ar-AE">
+                                            <a:rPr lang="ar-AE" altLang="zh-CN">
+                                              <a:solidFill>
+                                                <a:schemeClr val="tx1"/>
+                                              </a:solidFill>
                                               <a:latin typeface="Cambria Math" panose="02040503050406030204" pitchFamily="18" charset="0"/>
                                             </a:rPr>
                                             <m:t>1</m:t>
@@ -4431,7 +4781,10 @@
                                         </m:num>
                                         <m:den>
                                           <m:r>
-                                            <a:rPr lang="ar-AE">
+                                            <a:rPr lang="ar-AE" altLang="zh-CN">
+                                              <a:solidFill>
+                                                <a:schemeClr val="tx1"/>
+                                              </a:solidFill>
                                               <a:latin typeface="Cambria Math" panose="02040503050406030204" pitchFamily="18" charset="0"/>
                                             </a:rPr>
                                             <m:t>𝑚</m:t>
@@ -4445,6 +4798,9 @@
                             </m:d>
                             <m:r>
                               <a:rPr lang="ar-AE">
+                                <a:solidFill>
+                                  <a:schemeClr val="tx1"/>
+                                </a:solidFill>
                                 <a:latin typeface="Cambria Math" panose="02040503050406030204" pitchFamily="18" charset="0"/>
                               </a:rPr>
                               <m:t>𝑢</m:t>
@@ -4453,6 +4809,9 @@
                               <m:dPr>
                                 <m:ctrlPr>
                                   <a:rPr lang="ar-AE" i="1">
+                                    <a:solidFill>
+                                      <a:schemeClr val="tx1"/>
+                                    </a:solidFill>
                                     <a:latin typeface="Cambria Math" panose="02040503050406030204" pitchFamily="18" charset="0"/>
                                   </a:rPr>
                                 </m:ctrlPr>
@@ -4460,6 +4819,9 @@
                               <m:e>
                                 <m:r>
                                   <a:rPr lang="ar-AE">
+                                    <a:solidFill>
+                                      <a:schemeClr val="tx1"/>
+                                    </a:solidFill>
                                     <a:latin typeface="Cambria Math" panose="02040503050406030204" pitchFamily="18" charset="0"/>
                                   </a:rPr>
                                   <m:t>𝑡</m:t>
@@ -4469,198 +4831,480 @@
                           </m:e>
                         </m:mr>
                         <m:mr>
-                          <m:e>
-                            <m:r>
-                              <a:rPr lang="ar-AE">
-                                <a:latin typeface="Cambria Math" panose="02040503050406030204" pitchFamily="18" charset="0"/>
-                              </a:rPr>
-                              <m:t>𝑦</m:t>
-                            </m:r>
-                            <m:d>
-                              <m:dPr>
-                                <m:ctrlPr>
-                                  <a:rPr lang="ar-AE" i="1">
+                          <m:e/>
+                          <m:e/>
+                        </m:mr>
+                      </m:m>
+                    </m:oMath>
+                  </m:oMathPara>
+                </a14:m>
+                <a:endParaRPr lang="en-US" i="1" dirty="0">
+                  <a:solidFill>
+                    <a:schemeClr val="tx1"/>
+                  </a:solidFill>
+                  <a:latin typeface="Cambria Math" panose="02040503050406030204" pitchFamily="18" charset="0"/>
+                </a:endParaRPr>
+              </a:p>
+              <a:p>
+                <a:pPr>
+                  <a:spcAft>
+                    <a:spcPts val="700"/>
+                  </a:spcAft>
+                </a:pPr>
+                <a14:m>
+                  <m:oMathPara xmlns:m="http://schemas.openxmlformats.org/officeDocument/2006/math">
+                    <m:oMathParaPr>
+                      <m:jc m:val="left"/>
+                    </m:oMathParaPr>
+                    <m:oMath xmlns:m="http://schemas.openxmlformats.org/officeDocument/2006/math">
+                      <m:r>
+                        <a:rPr lang="en-US" altLang="zh-CN" sz="800" b="0" i="1" smtClean="0">
+                          <a:solidFill>
+                            <a:schemeClr val="tx1"/>
+                          </a:solidFill>
+                          <a:latin typeface="Cambria Math" panose="02040503050406030204" pitchFamily="18" charset="0"/>
+                        </a:rPr>
+                        <m:t>                                                          </m:t>
+                      </m:r>
+                      <m:r>
+                        <a:rPr lang="en-US" altLang="zh-CN" sz="800" i="1">
+                          <a:solidFill>
+                            <a:schemeClr val="tx1"/>
+                          </a:solidFill>
+                          <a:latin typeface="Cambria Math" panose="02040503050406030204" pitchFamily="18" charset="0"/>
+                        </a:rPr>
+                        <m:t> </m:t>
+                      </m:r>
+                      <m:r>
+                        <a:rPr lang="en-US" altLang="zh-CN" sz="800" b="0" i="1" smtClean="0">
+                          <a:solidFill>
+                            <a:schemeClr val="tx1"/>
+                          </a:solidFill>
+                          <a:latin typeface="Cambria Math" panose="02040503050406030204" pitchFamily="18" charset="0"/>
+                        </a:rPr>
+                        <m:t>𝑥</m:t>
+                      </m:r>
+                      <m:d>
+                        <m:dPr>
+                          <m:ctrlPr>
+                            <a:rPr lang="en-US" altLang="zh-CN" sz="800" i="1">
+                              <a:solidFill>
+                                <a:schemeClr val="tx1"/>
+                              </a:solidFill>
+                              <a:latin typeface="Cambria Math" panose="02040503050406030204" pitchFamily="18" charset="0"/>
+                            </a:rPr>
+                          </m:ctrlPr>
+                        </m:dPr>
+                        <m:e>
+                          <m:r>
+                            <a:rPr lang="en-US" altLang="zh-CN" sz="800" i="1">
+                              <a:solidFill>
+                                <a:schemeClr val="tx1"/>
+                              </a:solidFill>
+                              <a:latin typeface="Cambria Math" panose="02040503050406030204" pitchFamily="18" charset="0"/>
+                            </a:rPr>
+                            <m:t>𝑡</m:t>
+                          </m:r>
+                        </m:e>
+                      </m:d>
+                      <m:r>
+                        <a:rPr lang="en-US" altLang="zh-CN" sz="800" b="0" i="1" smtClean="0">
+                          <a:solidFill>
+                            <a:schemeClr val="tx1"/>
+                          </a:solidFill>
+                          <a:latin typeface="Cambria Math" panose="02040503050406030204" pitchFamily="18" charset="0"/>
+                        </a:rPr>
+                        <m:t>                                </m:t>
+                      </m:r>
+                      <m:r>
+                        <a:rPr lang="en-US" altLang="zh-CN" sz="800" b="0" i="1" smtClean="0">
+                          <a:solidFill>
+                            <a:schemeClr val="tx1"/>
+                          </a:solidFill>
+                          <a:latin typeface="Cambria Math" panose="02040503050406030204" pitchFamily="18" charset="0"/>
+                        </a:rPr>
+                        <m:t>𝐴</m:t>
+                      </m:r>
+                      <m:r>
+                        <a:rPr lang="en-US" altLang="zh-CN" sz="800" b="0" i="1" smtClean="0">
+                          <a:solidFill>
+                            <a:schemeClr val="tx1"/>
+                          </a:solidFill>
+                          <a:latin typeface="Cambria Math" panose="02040503050406030204" pitchFamily="18" charset="0"/>
+                        </a:rPr>
+                        <m:t>                     </m:t>
+                      </m:r>
+                      <m:r>
+                        <a:rPr lang="en-US" altLang="zh-CN" sz="800" b="0" i="1" smtClean="0">
+                          <a:solidFill>
+                            <a:schemeClr val="tx1"/>
+                          </a:solidFill>
+                          <a:latin typeface="Cambria Math" panose="02040503050406030204" pitchFamily="18" charset="0"/>
+                        </a:rPr>
+                        <m:t>𝑥</m:t>
+                      </m:r>
+                      <m:d>
+                        <m:dPr>
+                          <m:ctrlPr>
+                            <a:rPr lang="en-US" altLang="zh-CN" sz="800" b="0" i="1" smtClean="0">
+                              <a:solidFill>
+                                <a:schemeClr val="tx1"/>
+                              </a:solidFill>
+                              <a:latin typeface="Cambria Math" panose="02040503050406030204" pitchFamily="18" charset="0"/>
+                            </a:rPr>
+                          </m:ctrlPr>
+                        </m:dPr>
+                        <m:e>
+                          <m:r>
+                            <a:rPr lang="en-US" altLang="zh-CN" sz="800" b="0" i="1" smtClean="0">
+                              <a:solidFill>
+                                <a:schemeClr val="tx1"/>
+                              </a:solidFill>
+                              <a:latin typeface="Cambria Math" panose="02040503050406030204" pitchFamily="18" charset="0"/>
+                            </a:rPr>
+                            <m:t>𝑡</m:t>
+                          </m:r>
+                        </m:e>
+                      </m:d>
+                      <m:r>
+                        <a:rPr lang="en-US" altLang="zh-CN" sz="800" b="0" i="1" smtClean="0">
+                          <a:solidFill>
+                            <a:schemeClr val="tx1"/>
+                          </a:solidFill>
+                          <a:latin typeface="Cambria Math" panose="02040503050406030204" pitchFamily="18" charset="0"/>
+                        </a:rPr>
+                        <m:t>              </m:t>
+                      </m:r>
+                      <m:r>
+                        <a:rPr lang="en-US" altLang="zh-CN" sz="800" b="0" i="1" smtClean="0">
+                          <a:solidFill>
+                            <a:schemeClr val="tx1"/>
+                          </a:solidFill>
+                          <a:latin typeface="Cambria Math" panose="02040503050406030204" pitchFamily="18" charset="0"/>
+                        </a:rPr>
+                        <m:t>𝐵</m:t>
+                      </m:r>
+                    </m:oMath>
+                  </m:oMathPara>
+                </a14:m>
+                <a:endParaRPr lang="en-US" i="1" dirty="0">
+                  <a:solidFill>
+                    <a:schemeClr val="tx1"/>
+                  </a:solidFill>
+                  <a:latin typeface="Cambria Math" panose="02040503050406030204" pitchFamily="18" charset="0"/>
+                </a:endParaRPr>
+              </a:p>
+              <a:p>
+                <a:pPr>
+                  <a:spcAft>
+                    <a:spcPts val="700"/>
+                  </a:spcAft>
+                </a:pPr>
+                <a14:m>
+                  <m:oMathPara xmlns:m="http://schemas.openxmlformats.org/officeDocument/2006/math">
+                    <m:oMathParaPr>
+                      <m:jc m:val="left"/>
+                    </m:oMathParaPr>
+                    <m:oMath xmlns:m="http://schemas.openxmlformats.org/officeDocument/2006/math">
+                      <m:r>
+                        <a:rPr lang="en-US" altLang="zh-CN" b="0" i="0" smtClean="0">
+                          <a:solidFill>
+                            <a:schemeClr val="tx1"/>
+                          </a:solidFill>
+                          <a:latin typeface="Cambria Math" panose="02040503050406030204" pitchFamily="18" charset="0"/>
+                        </a:rPr>
+                        <m:t>                                        </m:t>
+                      </m:r>
+                      <m:r>
+                        <a:rPr lang="ar-AE" altLang="zh-CN">
+                          <a:solidFill>
+                            <a:schemeClr val="tx1"/>
+                          </a:solidFill>
+                          <a:latin typeface="Cambria Math" panose="02040503050406030204" pitchFamily="18" charset="0"/>
+                        </a:rPr>
+                        <m:t>𝑦</m:t>
+                      </m:r>
+                      <m:d>
+                        <m:dPr>
+                          <m:ctrlPr>
+                            <a:rPr lang="ar-AE" altLang="zh-CN" i="1">
+                              <a:solidFill>
+                                <a:schemeClr val="tx1"/>
+                              </a:solidFill>
+                              <a:latin typeface="Cambria Math" panose="02040503050406030204" pitchFamily="18" charset="0"/>
+                            </a:rPr>
+                          </m:ctrlPr>
+                        </m:dPr>
+                        <m:e>
+                          <m:r>
+                            <a:rPr lang="ar-AE" altLang="zh-CN">
+                              <a:solidFill>
+                                <a:schemeClr val="tx1"/>
+                              </a:solidFill>
+                              <a:latin typeface="Cambria Math" panose="02040503050406030204" pitchFamily="18" charset="0"/>
+                            </a:rPr>
+                            <m:t>𝑡</m:t>
+                          </m:r>
+                        </m:e>
+                      </m:d>
+                      <m:r>
+                        <a:rPr lang="en-US" altLang="zh-CN" b="0" i="0" smtClean="0">
+                          <a:solidFill>
+                            <a:schemeClr val="tx1"/>
+                          </a:solidFill>
+                          <a:latin typeface="Cambria Math" panose="02040503050406030204" pitchFamily="18" charset="0"/>
+                        </a:rPr>
+                        <m:t>       </m:t>
+                      </m:r>
+                      <m:r>
+                        <a:rPr lang="ar-AE" smtClean="0">
+                          <a:solidFill>
+                            <a:schemeClr val="tx1"/>
+                          </a:solidFill>
+                          <a:latin typeface="Cambria Math" panose="02040503050406030204" pitchFamily="18" charset="0"/>
+                        </a:rPr>
+                        <m:t>=</m:t>
+                      </m:r>
+                      <m:d>
+                        <m:dPr>
+                          <m:begChr m:val="["/>
+                          <m:endChr m:val="]"/>
+                          <m:ctrlPr>
+                            <a:rPr lang="ar-AE" altLang="zh-CN" i="1">
+                              <a:solidFill>
+                                <a:schemeClr val="tx1"/>
+                              </a:solidFill>
+                              <a:latin typeface="Cambria Math" panose="02040503050406030204" pitchFamily="18" charset="0"/>
+                            </a:rPr>
+                          </m:ctrlPr>
+                        </m:dPr>
+                        <m:e>
+                          <m:m>
+                            <m:mPr>
+                              <m:plcHide m:val="on"/>
+                              <m:mcs>
+                                <m:mc>
+                                  <m:mcPr>
+                                    <m:count m:val="2"/>
+                                    <m:mcJc m:val="center"/>
+                                  </m:mcPr>
+                                </m:mc>
+                              </m:mcs>
+                              <m:ctrlPr>
+                                <a:rPr lang="ar-AE" altLang="zh-CN" i="1">
+                                  <a:solidFill>
+                                    <a:schemeClr val="tx1"/>
+                                  </a:solidFill>
+                                  <a:latin typeface="Cambria Math" panose="02040503050406030204" pitchFamily="18" charset="0"/>
+                                </a:rPr>
+                              </m:ctrlPr>
+                            </m:mPr>
+                            <m:mr>
+                              <m:e>
+                                <m:r>
+                                  <a:rPr lang="ar-AE" altLang="zh-CN">
+                                    <a:solidFill>
+                                      <a:schemeClr val="tx1"/>
+                                    </a:solidFill>
                                     <a:latin typeface="Cambria Math" panose="02040503050406030204" pitchFamily="18" charset="0"/>
                                   </a:rPr>
-                                </m:ctrlPr>
-                              </m:dPr>
+                                  <m:t>1</m:t>
+                                </m:r>
+                              </m:e>
                               <m:e>
                                 <m:r>
-                                  <a:rPr lang="ar-AE">
+                                  <a:rPr lang="ar-AE" altLang="zh-CN">
+                                    <a:solidFill>
+                                      <a:schemeClr val="tx1"/>
+                                    </a:solidFill>
                                     <a:latin typeface="Cambria Math" panose="02040503050406030204" pitchFamily="18" charset="0"/>
                                   </a:rPr>
-                                  <m:t>𝑡</m:t>
+                                  <m:t>0</m:t>
                                 </m:r>
                               </m:e>
-                            </m:d>
-                          </m:e>
-                          <m:e>
-                            <m:r>
-                              <a:rPr lang="ar-AE">
-                                <a:latin typeface="Cambria Math" panose="02040503050406030204" pitchFamily="18" charset="0"/>
-                              </a:rPr>
-                              <m:t>=</m:t>
-                            </m:r>
-                            <m:limLow>
-                              <m:limLowPr>
-                                <m:ctrlPr>
-                                  <a:rPr lang="ar-AE" i="1">
+                            </m:mr>
+                          </m:m>
+                        </m:e>
+                      </m:d>
+                      <m:d>
+                        <m:dPr>
+                          <m:begChr m:val="["/>
+                          <m:endChr m:val="]"/>
+                          <m:ctrlPr>
+                            <a:rPr lang="ar-AE" altLang="zh-CN" i="1">
+                              <a:solidFill>
+                                <a:schemeClr val="tx1"/>
+                              </a:solidFill>
+                              <a:latin typeface="Cambria Math" panose="02040503050406030204" pitchFamily="18" charset="0"/>
+                            </a:rPr>
+                          </m:ctrlPr>
+                        </m:dPr>
+                        <m:e>
+                          <m:m>
+                            <m:mPr>
+                              <m:plcHide m:val="on"/>
+                              <m:mcs>
+                                <m:mc>
+                                  <m:mcPr>
+                                    <m:count m:val="1"/>
+                                    <m:mcJc m:val="center"/>
+                                  </m:mcPr>
+                                </m:mc>
+                              </m:mcs>
+                              <m:ctrlPr>
+                                <a:rPr lang="ar-AE" altLang="zh-CN" i="1">
+                                  <a:solidFill>
+                                    <a:schemeClr val="tx1"/>
+                                  </a:solidFill>
+                                  <a:latin typeface="Cambria Math" panose="02040503050406030204" pitchFamily="18" charset="0"/>
+                                </a:rPr>
+                              </m:ctrlPr>
+                            </m:mPr>
+                            <m:mr>
+                              <m:e>
+                                <m:r>
+                                  <a:rPr lang="ar-AE" altLang="zh-CN">
+                                    <a:solidFill>
+                                      <a:schemeClr val="tx1"/>
+                                    </a:solidFill>
                                     <a:latin typeface="Cambria Math" panose="02040503050406030204" pitchFamily="18" charset="0"/>
                                   </a:rPr>
-                                </m:ctrlPr>
-                              </m:limLowPr>
-                              <m:e>
+                                  <m:t>𝑦</m:t>
+                                </m:r>
                                 <m:d>
                                   <m:dPr>
-                                    <m:begChr m:val="["/>
-                                    <m:endChr m:val="]"/>
                                     <m:ctrlPr>
-                                      <a:rPr lang="ar-AE" i="1">
+                                      <a:rPr lang="ar-AE" altLang="zh-CN" i="1">
+                                        <a:solidFill>
+                                          <a:schemeClr val="tx1"/>
+                                        </a:solidFill>
                                         <a:latin typeface="Cambria Math" panose="02040503050406030204" pitchFamily="18" charset="0"/>
                                       </a:rPr>
                                     </m:ctrlPr>
                                   </m:dPr>
                                   <m:e>
-                                    <m:m>
-                                      <m:mPr>
-                                        <m:plcHide m:val="on"/>
-                                        <m:mcs>
-                                          <m:mc>
-                                            <m:mcPr>
-                                              <m:count m:val="2"/>
-                                              <m:mcJc m:val="center"/>
-                                            </m:mcPr>
-                                          </m:mc>
-                                        </m:mcs>
-                                        <m:ctrlPr>
-                                          <a:rPr lang="ar-AE" i="1">
-                                            <a:latin typeface="Cambria Math" panose="02040503050406030204" pitchFamily="18" charset="0"/>
-                                          </a:rPr>
-                                        </m:ctrlPr>
-                                      </m:mPr>
-                                      <m:mr>
-                                        <m:e>
-                                          <m:r>
-                                            <a:rPr lang="ar-AE">
-                                              <a:latin typeface="Cambria Math" panose="02040503050406030204" pitchFamily="18" charset="0"/>
-                                            </a:rPr>
-                                            <m:t>1</m:t>
-                                          </m:r>
-                                        </m:e>
-                                        <m:e>
-                                          <m:r>
-                                            <a:rPr lang="ar-AE">
-                                              <a:latin typeface="Cambria Math" panose="02040503050406030204" pitchFamily="18" charset="0"/>
-                                            </a:rPr>
-                                            <m:t>0</m:t>
-                                          </m:r>
-                                        </m:e>
-                                      </m:mr>
-                                    </m:m>
+                                    <m:r>
+                                      <a:rPr lang="ar-AE" altLang="zh-CN">
+                                        <a:solidFill>
+                                          <a:schemeClr val="tx1"/>
+                                        </a:solidFill>
+                                        <a:latin typeface="Cambria Math" panose="02040503050406030204" pitchFamily="18" charset="0"/>
+                                      </a:rPr>
+                                      <m:t>𝑡</m:t>
+                                    </m:r>
                                   </m:e>
                                 </m:d>
                               </m:e>
-                              <m:lim>
+                            </m:mr>
+                            <m:mr>
+                              <m:e>
                                 <m:r>
-                                  <a:rPr lang="en-US">
+                                  <a:rPr lang="ar-AE" altLang="zh-CN">
+                                    <a:solidFill>
+                                      <a:schemeClr val="tx1"/>
+                                    </a:solidFill>
                                     <a:latin typeface="Cambria Math" panose="02040503050406030204" pitchFamily="18" charset="0"/>
                                   </a:rPr>
-                                  <m:t>⏟</m:t>
+                                  <m:t>𝑣</m:t>
                                 </m:r>
-                              </m:lim>
-                            </m:limLow>
-                            <m:d>
-                              <m:dPr>
-                                <m:begChr m:val="["/>
-                                <m:endChr m:val="]"/>
-                                <m:ctrlPr>
-                                  <a:rPr lang="ar-AE" i="1">
-                                    <a:latin typeface="Cambria Math" panose="02040503050406030204" pitchFamily="18" charset="0"/>
-                                  </a:rPr>
-                                </m:ctrlPr>
-                              </m:dPr>
-                              <m:e>
-                                <m:m>
-                                  <m:mPr>
-                                    <m:plcHide m:val="on"/>
-                                    <m:mcs>
-                                      <m:mc>
-                                        <m:mcPr>
-                                          <m:count m:val="1"/>
-                                          <m:mcJc m:val="center"/>
-                                        </m:mcPr>
-                                      </m:mc>
-                                    </m:mcs>
+                                <m:d>
+                                  <m:dPr>
                                     <m:ctrlPr>
-                                      <a:rPr lang="ar-AE" i="1">
+                                      <a:rPr lang="ar-AE" altLang="zh-CN" i="1">
+                                        <a:solidFill>
+                                          <a:schemeClr val="tx1"/>
+                                        </a:solidFill>
                                         <a:latin typeface="Cambria Math" panose="02040503050406030204" pitchFamily="18" charset="0"/>
                                       </a:rPr>
                                     </m:ctrlPr>
-                                  </m:mPr>
-                                  <m:mr>
-                                    <m:e>
-                                      <m:r>
-                                        <a:rPr lang="ar-AE">
-                                          <a:latin typeface="Cambria Math" panose="02040503050406030204" pitchFamily="18" charset="0"/>
-                                        </a:rPr>
-                                        <m:t>𝑦</m:t>
-                                      </m:r>
-                                      <m:d>
-                                        <m:dPr>
-                                          <m:ctrlPr>
-                                            <a:rPr lang="ar-AE" i="1">
-                                              <a:latin typeface="Cambria Math" panose="02040503050406030204" pitchFamily="18" charset="0"/>
-                                            </a:rPr>
-                                          </m:ctrlPr>
-                                        </m:dPr>
-                                        <m:e>
-                                          <m:r>
-                                            <a:rPr lang="ar-AE">
-                                              <a:latin typeface="Cambria Math" panose="02040503050406030204" pitchFamily="18" charset="0"/>
-                                            </a:rPr>
-                                            <m:t>𝑡</m:t>
-                                          </m:r>
-                                        </m:e>
-                                      </m:d>
-                                    </m:e>
-                                  </m:mr>
-                                  <m:mr>
-                                    <m:e>
-                                      <m:r>
-                                        <a:rPr lang="ar-AE">
-                                          <a:latin typeface="Cambria Math" panose="02040503050406030204" pitchFamily="18" charset="0"/>
-                                        </a:rPr>
-                                        <m:t>𝑣</m:t>
-                                      </m:r>
-                                      <m:d>
-                                        <m:dPr>
-                                          <m:ctrlPr>
-                                            <a:rPr lang="ar-AE" i="1">
-                                              <a:latin typeface="Cambria Math" panose="02040503050406030204" pitchFamily="18" charset="0"/>
-                                            </a:rPr>
-                                          </m:ctrlPr>
-                                        </m:dPr>
-                                        <m:e>
-                                          <m:r>
-                                            <a:rPr lang="ar-AE">
-                                              <a:latin typeface="Cambria Math" panose="02040503050406030204" pitchFamily="18" charset="0"/>
-                                            </a:rPr>
-                                            <m:t>𝑡</m:t>
-                                          </m:r>
-                                        </m:e>
-                                      </m:d>
-                                    </m:e>
-                                  </m:mr>
-                                </m:m>
+                                  </m:dPr>
+                                  <m:e>
+                                    <m:r>
+                                      <a:rPr lang="ar-AE" altLang="zh-CN">
+                                        <a:solidFill>
+                                          <a:schemeClr val="tx1"/>
+                                        </a:solidFill>
+                                        <a:latin typeface="Cambria Math" panose="02040503050406030204" pitchFamily="18" charset="0"/>
+                                      </a:rPr>
+                                      <m:t>𝑡</m:t>
+                                    </m:r>
+                                  </m:e>
+                                </m:d>
                               </m:e>
-                            </m:d>
-                          </m:e>
-                        </m:mr>
-                      </m:m>
+                            </m:mr>
+                          </m:m>
+                        </m:e>
+                      </m:d>
                     </m:oMath>
                   </m:oMathPara>
                 </a14:m>
-                <a:endParaRPr lang="ar-AE" dirty="0"/>
+                <a:endParaRPr lang="en-US" dirty="0">
+                  <a:solidFill>
+                    <a:schemeClr val="tx1"/>
+                  </a:solidFill>
+                </a:endParaRPr>
+              </a:p>
+              <a:p>
+                <a:pPr>
+                  <a:spcAft>
+                    <a:spcPts val="700"/>
+                  </a:spcAft>
+                </a:pPr>
+                <a14:m>
+                  <m:oMathPara xmlns:m="http://schemas.openxmlformats.org/officeDocument/2006/math">
+                    <m:oMathParaPr>
+                      <m:jc m:val="left"/>
+                    </m:oMathParaPr>
+                    <m:oMath xmlns:m="http://schemas.openxmlformats.org/officeDocument/2006/math">
+                      <m:r>
+                        <a:rPr lang="en-US" altLang="zh-CN" sz="800" b="0" i="1" smtClean="0">
+                          <a:solidFill>
+                            <a:schemeClr val="tx1"/>
+                          </a:solidFill>
+                          <a:latin typeface="Cambria Math" panose="02040503050406030204" pitchFamily="18" charset="0"/>
+                        </a:rPr>
+                        <m:t>                                                                                                           </m:t>
+                      </m:r>
+                      <m:r>
+                        <a:rPr lang="en-US" altLang="zh-CN" sz="800" i="1">
+                          <a:solidFill>
+                            <a:schemeClr val="tx1"/>
+                          </a:solidFill>
+                          <a:latin typeface="Cambria Math" panose="02040503050406030204" pitchFamily="18" charset="0"/>
+                        </a:rPr>
+                        <m:t>𝑥</m:t>
+                      </m:r>
+                      <m:d>
+                        <m:dPr>
+                          <m:ctrlPr>
+                            <a:rPr lang="en-US" altLang="zh-CN" sz="800" i="1">
+                              <a:solidFill>
+                                <a:schemeClr val="tx1"/>
+                              </a:solidFill>
+                              <a:latin typeface="Cambria Math" panose="02040503050406030204" pitchFamily="18" charset="0"/>
+                            </a:rPr>
+                          </m:ctrlPr>
+                        </m:dPr>
+                        <m:e>
+                          <m:r>
+                            <a:rPr lang="en-US" altLang="zh-CN" sz="800" i="1">
+                              <a:solidFill>
+                                <a:schemeClr val="tx1"/>
+                              </a:solidFill>
+                              <a:latin typeface="Cambria Math" panose="02040503050406030204" pitchFamily="18" charset="0"/>
+                            </a:rPr>
+                            <m:t>𝑡</m:t>
+                          </m:r>
+                        </m:e>
+                      </m:d>
+                    </m:oMath>
+                  </m:oMathPara>
+                </a14:m>
+                <a:endParaRPr lang="ar-AE" sz="800" dirty="0">
+                  <a:solidFill>
+                    <a:schemeClr val="tx1"/>
+                  </a:solidFill>
+                </a:endParaRPr>
               </a:p>
             </p:txBody>
           </p:sp>
@@ -4668,10 +5312,10 @@
         <mc:Fallback>
           <p:sp>
             <p:nvSpPr>
-              <p:cNvPr id="54" name="Content Placeholder 2">
+              <p:cNvPr id="17" name="Content Placeholder 2">
                 <a:extLst>
                   <a:ext uri="{FF2B5EF4-FFF2-40B4-BE49-F238E27FC236}">
-                    <a16:creationId xmlns:a16="http://schemas.microsoft.com/office/drawing/2014/main" id="{A423792C-274B-3468-3300-71CB8572EFCB}"/>
+                    <a16:creationId xmlns:a16="http://schemas.microsoft.com/office/drawing/2014/main" id="{082AA718-9051-5854-5E66-E7F96977F9D9}"/>
                   </a:ext>
                 </a:extLst>
               </p:cNvPr>
@@ -4682,8 +5326,8 @@
             </p:nvSpPr>
             <p:spPr>
               <a:xfrm>
-                <a:off x="-46456" y="1882775"/>
-                <a:ext cx="4713706" cy="828047"/>
+                <a:off x="-46456" y="1806575"/>
+                <a:ext cx="4713706" cy="1564980"/>
               </a:xfrm>
               <a:prstGeom prst="rect">
                 <a:avLst/>
@@ -4691,16 +5335,19 @@
               <a:blipFill>
                 <a:blip r:embed="rId4"/>
                 <a:stretch>
-                  <a:fillRect t="-1515" b="-1515"/>
+                  <a:fillRect l="-129"/>
                 </a:stretch>
               </a:blipFill>
+              <a:ln>
+                <a:noFill/>
+              </a:ln>
             </p:spPr>
             <p:txBody>
               <a:bodyPr/>
               <a:lstStyle/>
               <a:p>
                 <a:r>
-                  <a:rPr lang="en-US">
+                  <a:rPr lang="zh-CN" altLang="en-US">
                     <a:noFill/>
                   </a:rPr>
                   <a:t> </a:t>
@@ -4710,6 +5357,266 @@
           </p:sp>
         </mc:Fallback>
       </mc:AlternateContent>
+      <p:sp>
+        <p:nvSpPr>
+          <p:cNvPr id="19" name="右大括号 18">
+            <a:extLst>
+              <a:ext uri="{FF2B5EF4-FFF2-40B4-BE49-F238E27FC236}">
+                <a16:creationId xmlns:a16="http://schemas.microsoft.com/office/drawing/2014/main" id="{112751AF-4B10-C56C-693E-47AD7ADFC4FC}"/>
+              </a:ext>
+            </a:extLst>
+          </p:cNvPr>
+          <p:cNvSpPr/>
+          <p:nvPr/>
+        </p:nvSpPr>
+        <p:spPr>
+          <a:xfrm rot="5400000">
+            <a:off x="1329690" y="2248535"/>
+            <a:ext cx="45719" cy="381000"/>
+          </a:xfrm>
+          <a:prstGeom prst="rightBrace">
+            <a:avLst>
+              <a:gd name="adj1" fmla="val 45830"/>
+              <a:gd name="adj2" fmla="val 50000"/>
+            </a:avLst>
+          </a:prstGeom>
+          <a:ln>
+            <a:solidFill>
+              <a:schemeClr val="tx1"/>
+            </a:solidFill>
+          </a:ln>
+        </p:spPr>
+        <p:style>
+          <a:lnRef idx="1">
+            <a:schemeClr val="dk1"/>
+          </a:lnRef>
+          <a:fillRef idx="0">
+            <a:schemeClr val="dk1"/>
+          </a:fillRef>
+          <a:effectRef idx="0">
+            <a:schemeClr val="dk1"/>
+          </a:effectRef>
+          <a:fontRef idx="minor">
+            <a:schemeClr val="tx1"/>
+          </a:fontRef>
+        </p:style>
+        <p:txBody>
+          <a:bodyPr rtlCol="0" anchor="ctr"/>
+          <a:lstStyle/>
+          <a:p>
+            <a:pPr algn="ctr"/>
+            <a:endParaRPr lang="zh-CN" altLang="en-US"/>
+          </a:p>
+        </p:txBody>
+      </p:sp>
+      <p:sp>
+        <p:nvSpPr>
+          <p:cNvPr id="20" name="右大括号 19">
+            <a:extLst>
+              <a:ext uri="{FF2B5EF4-FFF2-40B4-BE49-F238E27FC236}">
+                <a16:creationId xmlns:a16="http://schemas.microsoft.com/office/drawing/2014/main" id="{BED8A218-7151-9ECB-AC21-DF69B4B2A5E3}"/>
+              </a:ext>
+            </a:extLst>
+          </p:cNvPr>
+          <p:cNvSpPr/>
+          <p:nvPr/>
+        </p:nvSpPr>
+        <p:spPr>
+          <a:xfrm rot="5400000">
+            <a:off x="2167890" y="2096136"/>
+            <a:ext cx="45719" cy="685799"/>
+          </a:xfrm>
+          <a:prstGeom prst="rightBrace">
+            <a:avLst>
+              <a:gd name="adj1" fmla="val 45830"/>
+              <a:gd name="adj2" fmla="val 50000"/>
+            </a:avLst>
+          </a:prstGeom>
+          <a:ln>
+            <a:solidFill>
+              <a:schemeClr val="tx1"/>
+            </a:solidFill>
+          </a:ln>
+        </p:spPr>
+        <p:style>
+          <a:lnRef idx="1">
+            <a:schemeClr val="dk1"/>
+          </a:lnRef>
+          <a:fillRef idx="0">
+            <a:schemeClr val="dk1"/>
+          </a:fillRef>
+          <a:effectRef idx="0">
+            <a:schemeClr val="dk1"/>
+          </a:effectRef>
+          <a:fontRef idx="minor">
+            <a:schemeClr val="tx1"/>
+          </a:fontRef>
+        </p:style>
+        <p:txBody>
+          <a:bodyPr rtlCol="0" anchor="ctr"/>
+          <a:lstStyle/>
+          <a:p>
+            <a:pPr algn="ctr"/>
+            <a:endParaRPr lang="zh-CN" altLang="en-US"/>
+          </a:p>
+        </p:txBody>
+      </p:sp>
+      <p:sp>
+        <p:nvSpPr>
+          <p:cNvPr id="21" name="右大括号 20">
+            <a:extLst>
+              <a:ext uri="{FF2B5EF4-FFF2-40B4-BE49-F238E27FC236}">
+                <a16:creationId xmlns:a16="http://schemas.microsoft.com/office/drawing/2014/main" id="{B9BF7A6D-14C0-36F3-EB9C-B4CA4D4DEF5F}"/>
+              </a:ext>
+            </a:extLst>
+          </p:cNvPr>
+          <p:cNvSpPr/>
+          <p:nvPr/>
+        </p:nvSpPr>
+        <p:spPr>
+          <a:xfrm rot="5400000">
+            <a:off x="2751943" y="2248536"/>
+            <a:ext cx="45719" cy="381000"/>
+          </a:xfrm>
+          <a:prstGeom prst="rightBrace">
+            <a:avLst>
+              <a:gd name="adj1" fmla="val 45830"/>
+              <a:gd name="adj2" fmla="val 50000"/>
+            </a:avLst>
+          </a:prstGeom>
+          <a:ln>
+            <a:solidFill>
+              <a:schemeClr val="tx1"/>
+            </a:solidFill>
+          </a:ln>
+        </p:spPr>
+        <p:style>
+          <a:lnRef idx="1">
+            <a:schemeClr val="dk1"/>
+          </a:lnRef>
+          <a:fillRef idx="0">
+            <a:schemeClr val="dk1"/>
+          </a:fillRef>
+          <a:effectRef idx="0">
+            <a:schemeClr val="dk1"/>
+          </a:effectRef>
+          <a:fontRef idx="minor">
+            <a:schemeClr val="tx1"/>
+          </a:fontRef>
+        </p:style>
+        <p:txBody>
+          <a:bodyPr rtlCol="0" anchor="ctr"/>
+          <a:lstStyle/>
+          <a:p>
+            <a:pPr algn="ctr"/>
+            <a:endParaRPr lang="zh-CN" altLang="en-US"/>
+          </a:p>
+        </p:txBody>
+      </p:sp>
+      <p:sp>
+        <p:nvSpPr>
+          <p:cNvPr id="22" name="右大括号 21">
+            <a:extLst>
+              <a:ext uri="{FF2B5EF4-FFF2-40B4-BE49-F238E27FC236}">
+                <a16:creationId xmlns:a16="http://schemas.microsoft.com/office/drawing/2014/main" id="{D20A0615-3EB0-9A00-1629-A12509C42849}"/>
+              </a:ext>
+            </a:extLst>
+          </p:cNvPr>
+          <p:cNvSpPr/>
+          <p:nvPr/>
+        </p:nvSpPr>
+        <p:spPr>
+          <a:xfrm rot="5400000">
+            <a:off x="3208274" y="2324735"/>
+            <a:ext cx="45720" cy="228600"/>
+          </a:xfrm>
+          <a:prstGeom prst="rightBrace">
+            <a:avLst>
+              <a:gd name="adj1" fmla="val 45830"/>
+              <a:gd name="adj2" fmla="val 50000"/>
+            </a:avLst>
+          </a:prstGeom>
+          <a:ln>
+            <a:solidFill>
+              <a:schemeClr val="tx1"/>
+            </a:solidFill>
+          </a:ln>
+        </p:spPr>
+        <p:style>
+          <a:lnRef idx="1">
+            <a:schemeClr val="dk1"/>
+          </a:lnRef>
+          <a:fillRef idx="0">
+            <a:schemeClr val="dk1"/>
+          </a:fillRef>
+          <a:effectRef idx="0">
+            <a:schemeClr val="dk1"/>
+          </a:effectRef>
+          <a:fontRef idx="minor">
+            <a:schemeClr val="tx1"/>
+          </a:fontRef>
+        </p:style>
+        <p:txBody>
+          <a:bodyPr rtlCol="0" anchor="ctr"/>
+          <a:lstStyle/>
+          <a:p>
+            <a:pPr algn="ctr"/>
+            <a:endParaRPr lang="zh-CN" altLang="en-US"/>
+          </a:p>
+        </p:txBody>
+      </p:sp>
+      <p:sp>
+        <p:nvSpPr>
+          <p:cNvPr id="23" name="右大括号 22">
+            <a:extLst>
+              <a:ext uri="{FF2B5EF4-FFF2-40B4-BE49-F238E27FC236}">
+                <a16:creationId xmlns:a16="http://schemas.microsoft.com/office/drawing/2014/main" id="{B5B2645C-8132-82D3-6736-404AE9307A67}"/>
+              </a:ext>
+            </a:extLst>
+          </p:cNvPr>
+          <p:cNvSpPr/>
+          <p:nvPr/>
+        </p:nvSpPr>
+        <p:spPr>
+          <a:xfrm rot="5400000">
+            <a:off x="2383764" y="2923092"/>
+            <a:ext cx="45719" cy="381000"/>
+          </a:xfrm>
+          <a:prstGeom prst="rightBrace">
+            <a:avLst>
+              <a:gd name="adj1" fmla="val 45830"/>
+              <a:gd name="adj2" fmla="val 50000"/>
+            </a:avLst>
+          </a:prstGeom>
+          <a:ln>
+            <a:solidFill>
+              <a:schemeClr val="tx1"/>
+            </a:solidFill>
+          </a:ln>
+        </p:spPr>
+        <p:style>
+          <a:lnRef idx="1">
+            <a:schemeClr val="dk1"/>
+          </a:lnRef>
+          <a:fillRef idx="0">
+            <a:schemeClr val="dk1"/>
+          </a:fillRef>
+          <a:effectRef idx="0">
+            <a:schemeClr val="dk1"/>
+          </a:effectRef>
+          <a:fontRef idx="minor">
+            <a:schemeClr val="tx1"/>
+          </a:fontRef>
+        </p:style>
+        <p:txBody>
+          <a:bodyPr rtlCol="0" anchor="ctr"/>
+          <a:lstStyle/>
+          <a:p>
+            <a:pPr algn="ctr"/>
+            <a:endParaRPr lang="zh-CN" altLang="en-US"/>
+          </a:p>
+        </p:txBody>
+      </p:sp>
     </p:spTree>
   </p:cSld>
   <p:clrMapOvr>
@@ -14686,7 +15593,7 @@
               <a:rPr sz="1100" spc="-10" dirty="0"/>
               <a:t>variables,</a:t>
             </a:r>
-            <a:endParaRPr sz="1100">
+            <a:endParaRPr sz="1100" dirty="0">
               <a:latin typeface="Arial"/>
               <a:cs typeface="Arial"/>
             </a:endParaRPr>
@@ -14701,195 +15608,120 @@
               </a:spcBef>
             </a:pPr>
             <a:r>
-              <a:rPr i="1" dirty="0">
-                <a:latin typeface="Arial"/>
-                <a:cs typeface="Arial"/>
-              </a:rPr>
+              <a:rPr lang="en-US" altLang="zh-CN" i="1" dirty="0"/>
               <a:t>x</a:t>
             </a:r>
             <a:r>
-              <a:rPr sz="1200" baseline="-10416" dirty="0"/>
+              <a:rPr lang="en-US" altLang="zh-CN" sz="1200" baseline="-10416" dirty="0"/>
               <a:t>1</a:t>
             </a:r>
             <a:r>
-              <a:rPr sz="1100" dirty="0"/>
+              <a:rPr lang="en-US" altLang="zh-CN" dirty="0"/>
               <a:t>(</a:t>
             </a:r>
             <a:r>
-              <a:rPr sz="1100" i="1" dirty="0">
-                <a:latin typeface="Arial"/>
-                <a:cs typeface="Arial"/>
-              </a:rPr>
+              <a:rPr lang="en-US" altLang="zh-CN" i="1" dirty="0"/>
               <a:t>k</a:t>
             </a:r>
             <a:r>
-              <a:rPr sz="1200" i="1" baseline="-10416" dirty="0">
-                <a:latin typeface="Arial"/>
-                <a:cs typeface="Arial"/>
-              </a:rPr>
+              <a:rPr lang="en-US" altLang="zh-CN" sz="1200" i="1" baseline="-10416" dirty="0"/>
               <a:t>o</a:t>
             </a:r>
             <a:r>
-              <a:rPr sz="1100" dirty="0"/>
+              <a:rPr lang="en-US" altLang="zh-CN" dirty="0"/>
               <a:t>)</a:t>
             </a:r>
             <a:r>
-              <a:rPr sz="1100" i="1" dirty="0">
+              <a:rPr lang="en-US" altLang="zh-CN" i="1" dirty="0">
                 <a:latin typeface="Times New Roman"/>
                 <a:cs typeface="Times New Roman"/>
               </a:rPr>
               <a:t>,</a:t>
             </a:r>
             <a:r>
-              <a:rPr sz="1100" i="1" spc="-65" dirty="0">
+              <a:rPr lang="en-US" altLang="zh-CN" i="1" spc="-65" dirty="0">
                 <a:latin typeface="Times New Roman"/>
                 <a:cs typeface="Times New Roman"/>
               </a:rPr>
               <a:t> </a:t>
             </a:r>
             <a:r>
-              <a:rPr sz="1100" i="1" dirty="0">
-                <a:latin typeface="Arial"/>
-                <a:cs typeface="Arial"/>
-              </a:rPr>
+              <a:rPr lang="en-US" altLang="zh-CN" i="1" dirty="0"/>
               <a:t>x</a:t>
             </a:r>
             <a:r>
-              <a:rPr sz="1200" baseline="-10416" dirty="0"/>
+              <a:rPr lang="en-US" altLang="zh-CN" sz="1200" baseline="-10416" dirty="0"/>
               <a:t>2</a:t>
             </a:r>
             <a:r>
-              <a:rPr sz="1100" dirty="0"/>
+              <a:rPr lang="en-US" altLang="zh-CN" dirty="0"/>
               <a:t>(</a:t>
             </a:r>
             <a:r>
-              <a:rPr sz="1100" i="1" dirty="0">
-                <a:latin typeface="Arial"/>
-                <a:cs typeface="Arial"/>
-              </a:rPr>
+              <a:rPr lang="en-US" altLang="zh-CN" i="1" dirty="0"/>
               <a:t>k</a:t>
             </a:r>
             <a:r>
-              <a:rPr sz="1200" i="1" baseline="-10416" dirty="0">
-                <a:latin typeface="Arial"/>
-                <a:cs typeface="Arial"/>
-              </a:rPr>
+              <a:rPr lang="en-US" altLang="zh-CN" sz="1200" i="1" baseline="-10416" dirty="0"/>
               <a:t>o</a:t>
             </a:r>
             <a:r>
-              <a:rPr sz="1100" dirty="0"/>
+              <a:rPr lang="en-US" altLang="zh-CN" dirty="0"/>
               <a:t>)</a:t>
             </a:r>
             <a:r>
-              <a:rPr sz="1100" i="1" dirty="0">
+              <a:rPr lang="en-US" altLang="zh-CN" i="1" dirty="0">
                 <a:latin typeface="Times New Roman"/>
                 <a:cs typeface="Times New Roman"/>
               </a:rPr>
-              <a:t>,</a:t>
-            </a:r>
-            <a:r>
-              <a:rPr sz="1100" i="1" spc="-60" dirty="0">
+              <a:t>, </a:t>
+            </a:r>
+            <a:r>
+              <a:rPr lang="en-US" altLang="zh-CN" dirty="0">
+                <a:ea typeface="Cambria Math" panose="02040503050406030204" pitchFamily="18" charset="0"/>
+                <a:cs typeface="Times New Roman"/>
+              </a:rPr>
+              <a:t>⋯</a:t>
+            </a:r>
+            <a:r>
+              <a:rPr lang="en-US" altLang="zh-CN" i="1" dirty="0">
                 <a:latin typeface="Times New Roman"/>
                 <a:cs typeface="Times New Roman"/>
               </a:rPr>
-              <a:t> </a:t>
-            </a:r>
-            <a:r>
-              <a:rPr sz="1100" i="1" spc="-365" dirty="0">
-                <a:latin typeface="Hack"/>
-                <a:cs typeface="Hack"/>
-              </a:rPr>
-              <a:t>·</a:t>
-            </a:r>
-            <a:r>
-              <a:rPr sz="1100" i="1" spc="-455" dirty="0">
-                <a:latin typeface="Hack"/>
-                <a:cs typeface="Hack"/>
-              </a:rPr>
-              <a:t> </a:t>
-            </a:r>
-            <a:r>
-              <a:rPr sz="1100" i="1" spc="-365" dirty="0">
-                <a:latin typeface="Hack"/>
-                <a:cs typeface="Hack"/>
-              </a:rPr>
-              <a:t>·</a:t>
-            </a:r>
-            <a:r>
-              <a:rPr sz="1100" i="1" spc="-450" dirty="0">
-                <a:latin typeface="Hack"/>
-                <a:cs typeface="Hack"/>
-              </a:rPr>
-              <a:t> </a:t>
-            </a:r>
-            <a:r>
-              <a:rPr sz="1100" i="1" spc="-365" dirty="0">
-                <a:latin typeface="Hack"/>
-                <a:cs typeface="Hack"/>
-              </a:rPr>
-              <a:t>·</a:t>
-            </a:r>
-            <a:r>
-              <a:rPr sz="1100" i="1" spc="-235" dirty="0">
-                <a:latin typeface="Hack"/>
-                <a:cs typeface="Hack"/>
-              </a:rPr>
-              <a:t> </a:t>
-            </a:r>
-            <a:r>
-              <a:rPr sz="1100" i="1" dirty="0">
+              <a:t>,</a:t>
+            </a:r>
+            <a:r>
+              <a:rPr lang="en-US" altLang="zh-CN" i="1" spc="-60" dirty="0">
                 <a:latin typeface="Times New Roman"/>
                 <a:cs typeface="Times New Roman"/>
               </a:rPr>
-              <a:t>,</a:t>
-            </a:r>
-            <a:r>
-              <a:rPr sz="1100" i="1" spc="-60" dirty="0">
-                <a:latin typeface="Times New Roman"/>
-                <a:cs typeface="Times New Roman"/>
-              </a:rPr>
-              <a:t> </a:t>
-            </a:r>
-            <a:r>
-              <a:rPr sz="1100" i="1" spc="-10" dirty="0">
-                <a:latin typeface="Arial"/>
-                <a:cs typeface="Arial"/>
-              </a:rPr>
+              <a:t> </a:t>
+            </a:r>
+            <a:r>
+              <a:rPr lang="en-US" altLang="zh-CN" i="1" spc="-10" dirty="0" err="1"/>
               <a:t>x</a:t>
             </a:r>
             <a:r>
-              <a:rPr sz="1200" i="1" spc="-15" baseline="-10416" dirty="0">
-                <a:latin typeface="Arial"/>
-                <a:cs typeface="Arial"/>
-              </a:rPr>
+              <a:rPr lang="en-US" altLang="zh-CN" sz="1200" i="1" spc="-15" baseline="-10416" dirty="0" err="1"/>
               <a:t>n</a:t>
             </a:r>
             <a:r>
-              <a:rPr sz="1100" spc="-10" dirty="0"/>
+              <a:rPr lang="en-US" altLang="zh-CN" spc="-10" dirty="0"/>
               <a:t>(</a:t>
             </a:r>
             <a:r>
-              <a:rPr sz="1100" i="1" spc="-10" dirty="0">
-                <a:latin typeface="Arial"/>
-                <a:cs typeface="Arial"/>
-              </a:rPr>
+              <a:rPr lang="en-US" altLang="zh-CN" i="1" spc="-10" dirty="0"/>
               <a:t>k</a:t>
             </a:r>
             <a:r>
-              <a:rPr sz="1200" i="1" spc="-15" baseline="-10416" dirty="0">
-                <a:latin typeface="Arial"/>
-                <a:cs typeface="Arial"/>
-              </a:rPr>
+              <a:rPr lang="en-US" altLang="zh-CN" sz="1200" i="1" spc="-15" baseline="-10416" dirty="0"/>
               <a:t>o</a:t>
             </a:r>
             <a:r>
-              <a:rPr sz="1100" spc="-10" dirty="0"/>
+              <a:rPr lang="en-US" altLang="zh-CN" spc="-10" dirty="0"/>
               <a:t>)</a:t>
             </a:r>
-            <a:endParaRPr sz="1100">
-              <a:latin typeface="Arial"/>
-              <a:cs typeface="Arial"/>
-            </a:endParaRPr>
+            <a:endParaRPr lang="en-US" altLang="zh-CN" dirty="0"/>
           </a:p>
           <a:p>
             <a:pPr marL="38100" marR="30480">
@@ -15061,13 +15893,13 @@
               <a:rPr sz="1100" spc="-10" dirty="0"/>
               <a:t>inputs</a:t>
             </a:r>
-            <a:endParaRPr sz="1100">
+            <a:endParaRPr sz="1100" dirty="0">
               <a:latin typeface="Arial"/>
               <a:cs typeface="Arial"/>
             </a:endParaRPr>
           </a:p>
           <a:p>
-            <a:pPr marL="38100" marR="396240">
+            <a:pPr marL="38100" marR="396240" algn="l">
               <a:lnSpc>
                 <a:spcPct val="102600"/>
               </a:lnSpc>
@@ -15076,239 +15908,160 @@
               </a:spcBef>
             </a:pPr>
             <a:r>
-              <a:rPr spc="-50" dirty="0"/>
+              <a:rPr lang="en-US" altLang="zh-CN" spc="-50" dirty="0"/>
               <a:t>loosely</a:t>
             </a:r>
             <a:r>
-              <a:rPr spc="65" dirty="0"/>
-              <a:t> </a:t>
-            </a:r>
-            <a:r>
-              <a:rPr spc="-50" dirty="0"/>
+              <a:rPr lang="en-US" altLang="zh-CN" spc="65" dirty="0"/>
+              <a:t> </a:t>
+            </a:r>
+            <a:r>
+              <a:rPr lang="en-US" altLang="zh-CN" spc="-50" dirty="0"/>
               <a:t>speaking,</a:t>
             </a:r>
             <a:r>
-              <a:rPr spc="65" dirty="0"/>
-              <a:t> </a:t>
-            </a:r>
-            <a:r>
-              <a:rPr i="1" dirty="0">
-                <a:latin typeface="Arial"/>
-                <a:cs typeface="Arial"/>
-              </a:rPr>
+              <a:rPr lang="en-US" altLang="zh-CN" spc="65" dirty="0"/>
+              <a:t> </a:t>
+            </a:r>
+            <a:r>
+              <a:rPr lang="en-US" altLang="zh-CN" i="1" dirty="0"/>
               <a:t>x</a:t>
             </a:r>
             <a:r>
-              <a:rPr sz="1200" baseline="-10416" dirty="0"/>
+              <a:rPr lang="en-US" altLang="zh-CN" sz="1200" baseline="-10416" dirty="0"/>
               <a:t>1</a:t>
             </a:r>
             <a:r>
-              <a:rPr sz="1100" dirty="0"/>
+              <a:rPr lang="en-US" altLang="zh-CN" dirty="0"/>
               <a:t>(</a:t>
             </a:r>
             <a:r>
-              <a:rPr sz="1100" i="1" dirty="0">
-                <a:latin typeface="Arial"/>
-                <a:cs typeface="Arial"/>
-              </a:rPr>
+              <a:rPr lang="en-US" altLang="zh-CN" i="1" dirty="0"/>
               <a:t>k</a:t>
             </a:r>
             <a:r>
-              <a:rPr sz="1200" i="1" baseline="-10416" dirty="0">
-                <a:latin typeface="Arial"/>
-                <a:cs typeface="Arial"/>
-              </a:rPr>
+              <a:rPr lang="en-US" altLang="zh-CN" sz="1200" i="1" baseline="-10416" dirty="0"/>
               <a:t>o</a:t>
             </a:r>
             <a:r>
-              <a:rPr sz="1100" dirty="0"/>
+              <a:rPr lang="en-US" altLang="zh-CN" dirty="0"/>
               <a:t>)</a:t>
             </a:r>
             <a:r>
-              <a:rPr sz="1100" i="1" dirty="0">
+              <a:rPr lang="en-US" altLang="zh-CN" i="1" dirty="0">
                 <a:latin typeface="Times New Roman"/>
                 <a:cs typeface="Times New Roman"/>
               </a:rPr>
               <a:t>,</a:t>
             </a:r>
             <a:r>
-              <a:rPr sz="1100" i="1" spc="-90" dirty="0">
+              <a:rPr lang="en-US" altLang="zh-CN" i="1" spc="-65" dirty="0">
                 <a:latin typeface="Times New Roman"/>
                 <a:cs typeface="Times New Roman"/>
               </a:rPr>
               <a:t> </a:t>
             </a:r>
             <a:r>
-              <a:rPr sz="1100" i="1" dirty="0">
-                <a:latin typeface="Arial"/>
-                <a:cs typeface="Arial"/>
-              </a:rPr>
+              <a:rPr lang="en-US" altLang="zh-CN" i="1" dirty="0"/>
               <a:t>x</a:t>
             </a:r>
             <a:r>
-              <a:rPr sz="1200" baseline="-10416" dirty="0"/>
+              <a:rPr lang="en-US" altLang="zh-CN" sz="1200" baseline="-10416" dirty="0"/>
               <a:t>2</a:t>
             </a:r>
             <a:r>
-              <a:rPr sz="1100" dirty="0"/>
+              <a:rPr lang="en-US" altLang="zh-CN" dirty="0"/>
               <a:t>(</a:t>
             </a:r>
             <a:r>
-              <a:rPr sz="1100" i="1" dirty="0">
-                <a:latin typeface="Arial"/>
-                <a:cs typeface="Arial"/>
-              </a:rPr>
+              <a:rPr lang="en-US" altLang="zh-CN" i="1" dirty="0"/>
               <a:t>k</a:t>
             </a:r>
             <a:r>
-              <a:rPr sz="1200" i="1" baseline="-10416" dirty="0">
-                <a:latin typeface="Arial"/>
-                <a:cs typeface="Arial"/>
-              </a:rPr>
+              <a:rPr lang="en-US" altLang="zh-CN" sz="1200" i="1" baseline="-10416" dirty="0"/>
               <a:t>o</a:t>
             </a:r>
             <a:r>
-              <a:rPr sz="1100" dirty="0"/>
+              <a:rPr lang="en-US" altLang="zh-CN" dirty="0"/>
               <a:t>)</a:t>
             </a:r>
             <a:r>
-              <a:rPr sz="1100" i="1" dirty="0">
+              <a:rPr lang="en-US" altLang="zh-CN" i="1" dirty="0">
                 <a:latin typeface="Times New Roman"/>
                 <a:cs typeface="Times New Roman"/>
               </a:rPr>
-              <a:t>,</a:t>
-            </a:r>
-            <a:r>
-              <a:rPr sz="1100" i="1" spc="-90" dirty="0">
+              <a:t>, </a:t>
+            </a:r>
+            <a:r>
+              <a:rPr lang="en-US" altLang="zh-CN" dirty="0">
+                <a:ea typeface="Cambria Math" panose="02040503050406030204" pitchFamily="18" charset="0"/>
+                <a:cs typeface="Times New Roman"/>
+              </a:rPr>
+              <a:t>⋯</a:t>
+            </a:r>
+            <a:r>
+              <a:rPr lang="en-US" altLang="zh-CN" i="1" dirty="0">
                 <a:latin typeface="Times New Roman"/>
                 <a:cs typeface="Times New Roman"/>
               </a:rPr>
-              <a:t> </a:t>
-            </a:r>
-            <a:r>
-              <a:rPr sz="1100" i="1" spc="-365" dirty="0">
-                <a:latin typeface="Hack"/>
-                <a:cs typeface="Hack"/>
-              </a:rPr>
-              <a:t>·</a:t>
-            </a:r>
-            <a:r>
-              <a:rPr sz="1100" i="1" spc="-480" dirty="0">
-                <a:latin typeface="Hack"/>
-                <a:cs typeface="Hack"/>
-              </a:rPr>
-              <a:t> </a:t>
-            </a:r>
-            <a:r>
-              <a:rPr sz="1100" i="1" spc="-365" dirty="0">
-                <a:latin typeface="Hack"/>
-                <a:cs typeface="Hack"/>
-              </a:rPr>
-              <a:t>·</a:t>
-            </a:r>
-            <a:r>
-              <a:rPr sz="1100" i="1" spc="-480" dirty="0">
-                <a:latin typeface="Hack"/>
-                <a:cs typeface="Hack"/>
-              </a:rPr>
-              <a:t> </a:t>
-            </a:r>
-            <a:r>
-              <a:rPr sz="1100" i="1" spc="-365" dirty="0">
-                <a:latin typeface="Hack"/>
-                <a:cs typeface="Hack"/>
-              </a:rPr>
-              <a:t>·</a:t>
-            </a:r>
-            <a:r>
-              <a:rPr sz="1100" i="1" spc="-285" dirty="0">
-                <a:latin typeface="Hack"/>
-                <a:cs typeface="Hack"/>
-              </a:rPr>
-              <a:t> </a:t>
-            </a:r>
-            <a:r>
-              <a:rPr sz="1100" i="1" dirty="0">
+              <a:t>,</a:t>
+            </a:r>
+            <a:r>
+              <a:rPr lang="en-US" altLang="zh-CN" i="1" spc="-60" dirty="0">
                 <a:latin typeface="Times New Roman"/>
                 <a:cs typeface="Times New Roman"/>
               </a:rPr>
-              <a:t>,</a:t>
-            </a:r>
-            <a:r>
-              <a:rPr sz="1100" i="1" spc="-90" dirty="0">
-                <a:latin typeface="Times New Roman"/>
-                <a:cs typeface="Times New Roman"/>
-              </a:rPr>
-              <a:t> </a:t>
-            </a:r>
-            <a:r>
-              <a:rPr sz="1100" i="1" dirty="0">
-                <a:latin typeface="Arial"/>
-                <a:cs typeface="Arial"/>
-              </a:rPr>
+              <a:t> </a:t>
+            </a:r>
+            <a:r>
+              <a:rPr lang="en-US" altLang="zh-CN" i="1" spc="-10" dirty="0" err="1"/>
               <a:t>x</a:t>
             </a:r>
             <a:r>
-              <a:rPr sz="1200" i="1" baseline="-10416" dirty="0">
-                <a:latin typeface="Arial"/>
-                <a:cs typeface="Arial"/>
-              </a:rPr>
+              <a:rPr lang="en-US" altLang="zh-CN" sz="1200" i="1" spc="-15" baseline="-10416" dirty="0" err="1"/>
               <a:t>n</a:t>
             </a:r>
             <a:r>
-              <a:rPr sz="1100" dirty="0"/>
+              <a:rPr lang="en-US" altLang="zh-CN" spc="-10" dirty="0"/>
               <a:t>(</a:t>
             </a:r>
             <a:r>
-              <a:rPr sz="1100" i="1" dirty="0">
-                <a:latin typeface="Arial"/>
-                <a:cs typeface="Arial"/>
-              </a:rPr>
+              <a:rPr lang="en-US" altLang="zh-CN" i="1" spc="-10" dirty="0"/>
               <a:t>k</a:t>
             </a:r>
             <a:r>
-              <a:rPr sz="1200" i="1" baseline="-10416" dirty="0">
-                <a:latin typeface="Arial"/>
-                <a:cs typeface="Arial"/>
-              </a:rPr>
+              <a:rPr lang="en-US" altLang="zh-CN" sz="1200" i="1" spc="-15" baseline="-10416" dirty="0"/>
               <a:t>o</a:t>
             </a:r>
             <a:r>
-              <a:rPr sz="1100" dirty="0"/>
-              <a:t>)</a:t>
-            </a:r>
-            <a:r>
-              <a:rPr sz="1100" spc="65" dirty="0"/>
-              <a:t> </a:t>
-            </a:r>
-            <a:r>
-              <a:rPr sz="1100" spc="-65" dirty="0"/>
+              <a:rPr lang="en-US" altLang="zh-CN" spc="-10" dirty="0"/>
+              <a:t>) </a:t>
+            </a:r>
+            <a:r>
+              <a:rPr lang="en-US" altLang="zh-CN" spc="-65" dirty="0"/>
               <a:t>defines</a:t>
             </a:r>
             <a:r>
-              <a:rPr sz="1100" spc="65" dirty="0"/>
-              <a:t> </a:t>
-            </a:r>
-            <a:r>
-              <a:rPr sz="1100" dirty="0"/>
+              <a:rPr lang="en-US" altLang="zh-CN" spc="65" dirty="0"/>
+              <a:t> </a:t>
+            </a:r>
+            <a:r>
+              <a:rPr lang="en-US" altLang="zh-CN" dirty="0"/>
               <a:t>the</a:t>
             </a:r>
             <a:r>
-              <a:rPr sz="1100" spc="70" dirty="0"/>
-              <a:t> </a:t>
-            </a:r>
-            <a:r>
-              <a:rPr sz="1100" spc="-40" dirty="0"/>
+              <a:rPr lang="en-US" altLang="zh-CN" spc="70" dirty="0"/>
+              <a:t> </a:t>
+            </a:r>
+            <a:r>
+              <a:rPr lang="en-US" altLang="zh-CN" spc="-40" dirty="0"/>
               <a:t>system’s </a:t>
             </a:r>
             <a:r>
-              <a:rPr sz="1100" spc="-10" dirty="0"/>
+              <a:rPr lang="en-US" altLang="zh-CN" spc="-10" dirty="0"/>
               <a:t>memory</a:t>
             </a:r>
-            <a:endParaRPr sz="1100">
-              <a:latin typeface="Arial"/>
-              <a:cs typeface="Arial"/>
-            </a:endParaRPr>
+            <a:endParaRPr lang="en-US" altLang="zh-CN" dirty="0"/>
           </a:p>
         </p:txBody>
       </p:sp>
@@ -23533,10 +24286,10 @@
         <mc:Choice Requires="a14">
           <p:sp>
             <p:nvSpPr>
-              <p:cNvPr id="34" name="Content Placeholder 2">
+              <p:cNvPr id="17" name="Content Placeholder 2">
                 <a:extLst>
                   <a:ext uri="{FF2B5EF4-FFF2-40B4-BE49-F238E27FC236}">
-                    <a16:creationId xmlns:a16="http://schemas.microsoft.com/office/drawing/2014/main" id="{6EC54684-1EB0-3B70-2E90-241B1326D938}"/>
+                    <a16:creationId xmlns:a16="http://schemas.microsoft.com/office/drawing/2014/main" id="{D56D51E7-CFC8-CA47-5518-8BC54B73662B}"/>
                   </a:ext>
                 </a:extLst>
               </p:cNvPr>
@@ -23548,7 +24301,7 @@
             <p:spPr>
               <a:xfrm>
                 <a:off x="247650" y="2035175"/>
-                <a:ext cx="4150995" cy="763479"/>
+                <a:ext cx="4150995" cy="712311"/>
               </a:xfrm>
               <a:prstGeom prst="rect">
                 <a:avLst/>
@@ -23636,6 +24389,9 @@
                     <m:oMath xmlns:m="http://schemas.openxmlformats.org/officeDocument/2006/math">
                       <m:r>
                         <a:rPr lang="ar-AE" smtClean="0">
+                          <a:solidFill>
+                            <a:schemeClr val="tx1"/>
+                          </a:solidFill>
                           <a:latin typeface="Cambria Math" panose="02040503050406030204" pitchFamily="18" charset="0"/>
                         </a:rPr>
                         <m:t>𝑥</m:t>
@@ -23644,6 +24400,9 @@
                         <m:dPr>
                           <m:ctrlPr>
                             <a:rPr lang="ar-AE" i="1">
+                              <a:solidFill>
+                                <a:schemeClr val="tx1"/>
+                              </a:solidFill>
                               <a:latin typeface="Cambria Math" panose="02040503050406030204" pitchFamily="18" charset="0"/>
                             </a:rPr>
                           </m:ctrlPr>
@@ -23651,6 +24410,9 @@
                         <m:e>
                           <m:r>
                             <a:rPr lang="ar-AE">
+                              <a:solidFill>
+                                <a:schemeClr val="tx1"/>
+                              </a:solidFill>
                               <a:latin typeface="Cambria Math" panose="02040503050406030204" pitchFamily="18" charset="0"/>
                             </a:rPr>
                             <m:t>𝑡</m:t>
@@ -23659,6 +24421,9 @@
                       </m:d>
                       <m:r>
                         <a:rPr lang="ar-AE">
+                          <a:solidFill>
+                            <a:schemeClr val="tx1"/>
+                          </a:solidFill>
                           <a:latin typeface="Cambria Math" panose="02040503050406030204" pitchFamily="18" charset="0"/>
                         </a:rPr>
                         <m:t>=</m:t>
@@ -23669,6 +24434,9 @@
                           <m:endChr m:val="]"/>
                           <m:ctrlPr>
                             <a:rPr lang="ar-AE" i="1">
+                              <a:solidFill>
+                                <a:schemeClr val="tx1"/>
+                              </a:solidFill>
                               <a:latin typeface="Cambria Math" panose="02040503050406030204" pitchFamily="18" charset="0"/>
                             </a:rPr>
                           </m:ctrlPr>
@@ -23687,6 +24455,9 @@
                               </m:mcs>
                               <m:ctrlPr>
                                 <a:rPr lang="ar-AE" i="1">
+                                  <a:solidFill>
+                                    <a:schemeClr val="tx1"/>
+                                  </a:solidFill>
                                   <a:latin typeface="Cambria Math" panose="02040503050406030204" pitchFamily="18" charset="0"/>
                                 </a:rPr>
                               </m:ctrlPr>
@@ -23697,6 +24468,9 @@
                                   <m:limUppPr>
                                     <m:ctrlPr>
                                       <a:rPr lang="ar-AE" i="1">
+                                        <a:solidFill>
+                                          <a:schemeClr val="tx1"/>
+                                        </a:solidFill>
                                         <a:latin typeface="Cambria Math" panose="02040503050406030204" pitchFamily="18" charset="0"/>
                                       </a:rPr>
                                     </m:ctrlPr>
@@ -23709,6 +24483,9 @@
                                         <m:vertJc m:val="bot"/>
                                         <m:ctrlPr>
                                           <a:rPr lang="ar-AE" i="1">
+                                            <a:solidFill>
+                                              <a:schemeClr val="tx1"/>
+                                            </a:solidFill>
                                             <a:latin typeface="Cambria Math" panose="02040503050406030204" pitchFamily="18" charset="0"/>
                                           </a:rPr>
                                         </m:ctrlPr>
@@ -23716,6 +24493,9 @@
                                       <m:e>
                                         <m:r>
                                           <a:rPr lang="ar-AE">
+                                            <a:solidFill>
+                                              <a:schemeClr val="tx1"/>
+                                            </a:solidFill>
                                             <a:latin typeface="Cambria Math" panose="02040503050406030204" pitchFamily="18" charset="0"/>
                                           </a:rPr>
                                           <m:t>𝑦</m:t>
@@ -23724,6 +24504,9 @@
                                           <m:dPr>
                                             <m:ctrlPr>
                                               <a:rPr lang="ar-AE" i="1">
+                                                <a:solidFill>
+                                                  <a:schemeClr val="tx1"/>
+                                                </a:solidFill>
                                                 <a:latin typeface="Cambria Math" panose="02040503050406030204" pitchFamily="18" charset="0"/>
                                               </a:rPr>
                                             </m:ctrlPr>
@@ -23731,6 +24514,9 @@
                                           <m:e>
                                             <m:r>
                                               <a:rPr lang="ar-AE">
+                                                <a:solidFill>
+                                                  <a:schemeClr val="tx1"/>
+                                                </a:solidFill>
                                                 <a:latin typeface="Cambria Math" panose="02040503050406030204" pitchFamily="18" charset="0"/>
                                               </a:rPr>
                                               <m:t>𝑡</m:t>
@@ -23745,21 +24531,33 @@
                                       <m:rPr>
                                         <m:nor/>
                                       </m:rPr>
-                                      <a:rPr lang="en-US"/>
+                                      <a:rPr lang="en-US">
+                                        <a:solidFill>
+                                          <a:schemeClr val="tx1"/>
+                                        </a:solidFill>
+                                      </a:rPr>
                                       <m:t>mass</m:t>
                                     </m:r>
                                     <m:r>
                                       <m:rPr>
                                         <m:nor/>
                                       </m:rPr>
-                                      <a:rPr lang="en-US"/>
+                                      <a:rPr lang="en-US">
+                                        <a:solidFill>
+                                          <a:schemeClr val="tx1"/>
+                                        </a:solidFill>
+                                      </a:rPr>
                                       <m:t> </m:t>
                                     </m:r>
                                     <m:r>
                                       <m:rPr>
                                         <m:nor/>
                                       </m:rPr>
-                                      <a:rPr lang="en-US"/>
+                                      <a:rPr lang="en-US">
+                                        <a:solidFill>
+                                          <a:schemeClr val="tx1"/>
+                                        </a:solidFill>
+                                      </a:rPr>
                                       <m:t>position</m:t>
                                     </m:r>
                                   </m:lim>
@@ -23772,22 +24570,32 @@
                                   <m:limLowPr>
                                     <m:ctrlPr>
                                       <a:rPr lang="ar-AE" i="1">
+                                        <a:solidFill>
+                                          <a:schemeClr val="tx1"/>
+                                        </a:solidFill>
                                         <a:latin typeface="Cambria Math" panose="02040503050406030204" pitchFamily="18" charset="0"/>
                                       </a:rPr>
                                     </m:ctrlPr>
                                   </m:limLowPr>
                                   <m:e>
-                                    <m:limLow>
-                                      <m:limLowPr>
+                                    <m:groupChr>
+                                      <m:groupChrPr>
+                                        <m:chr m:val="⏟"/>
                                         <m:ctrlPr>
-                                          <a:rPr lang="ar-AE" i="1">
+                                          <a:rPr lang="en-US" altLang="zh-CN" i="1" smtClean="0">
+                                            <a:solidFill>
+                                              <a:schemeClr val="tx1"/>
+                                            </a:solidFill>
                                             <a:latin typeface="Cambria Math" panose="02040503050406030204" pitchFamily="18" charset="0"/>
                                           </a:rPr>
                                         </m:ctrlPr>
-                                      </m:limLowPr>
+                                      </m:groupChrPr>
                                       <m:e>
                                         <m:r>
-                                          <a:rPr lang="ar-AE">
+                                          <a:rPr lang="ar-AE" altLang="zh-CN">
+                                            <a:solidFill>
+                                              <a:schemeClr val="tx1"/>
+                                            </a:solidFill>
                                             <a:latin typeface="Cambria Math" panose="02040503050406030204" pitchFamily="18" charset="0"/>
                                           </a:rPr>
                                           <m:t>𝑣</m:t>
@@ -23795,14 +24603,20 @@
                                         <m:d>
                                           <m:dPr>
                                             <m:ctrlPr>
-                                              <a:rPr lang="ar-AE" i="1">
+                                              <a:rPr lang="ar-AE" altLang="zh-CN" i="1">
+                                                <a:solidFill>
+                                                  <a:schemeClr val="tx1"/>
+                                                </a:solidFill>
                                                 <a:latin typeface="Cambria Math" panose="02040503050406030204" pitchFamily="18" charset="0"/>
                                               </a:rPr>
                                             </m:ctrlPr>
                                           </m:dPr>
                                           <m:e>
                                             <m:r>
-                                              <a:rPr lang="ar-AE">
+                                              <a:rPr lang="ar-AE" altLang="zh-CN">
+                                                <a:solidFill>
+                                                  <a:schemeClr val="tx1"/>
+                                                </a:solidFill>
                                                 <a:latin typeface="Cambria Math" panose="02040503050406030204" pitchFamily="18" charset="0"/>
                                               </a:rPr>
                                               <m:t>𝑡</m:t>
@@ -23810,36 +24624,40 @@
                                           </m:e>
                                         </m:d>
                                       </m:e>
-                                      <m:lim>
-                                        <m:r>
-                                          <a:rPr lang="en-US">
-                                            <a:latin typeface="Cambria Math" panose="02040503050406030204" pitchFamily="18" charset="0"/>
-                                          </a:rPr>
-                                          <m:t>⏟</m:t>
-                                        </m:r>
-                                      </m:lim>
-                                    </m:limLow>
+                                    </m:groupChr>
                                   </m:e>
                                   <m:lim>
                                     <m:r>
                                       <m:rPr>
                                         <m:nor/>
                                       </m:rPr>
-                                      <a:rPr lang="en-US"/>
+                                      <a:rPr lang="en-US">
+                                        <a:solidFill>
+                                          <a:schemeClr val="tx1"/>
+                                        </a:solidFill>
+                                      </a:rPr>
                                       <m:t>mass</m:t>
                                     </m:r>
                                     <m:r>
                                       <m:rPr>
                                         <m:nor/>
                                       </m:rPr>
-                                      <a:rPr lang="en-US"/>
+                                      <a:rPr lang="en-US">
+                                        <a:solidFill>
+                                          <a:schemeClr val="tx1"/>
+                                        </a:solidFill>
+                                      </a:rPr>
                                       <m:t> </m:t>
                                     </m:r>
                                     <m:r>
                                       <m:rPr>
                                         <m:nor/>
                                       </m:rPr>
-                                      <a:rPr lang="en-US"/>
+                                      <a:rPr lang="en-US">
+                                        <a:solidFill>
+                                          <a:schemeClr val="tx1"/>
+                                        </a:solidFill>
+                                      </a:rPr>
                                       <m:t>velocity</m:t>
                                     </m:r>
                                   </m:lim>
@@ -23851,6 +24669,9 @@
                       </m:d>
                       <m:r>
                         <a:rPr lang="ar-AE">
+                          <a:solidFill>
+                            <a:schemeClr val="tx1"/>
+                          </a:solidFill>
                           <a:latin typeface="Cambria Math" panose="02040503050406030204" pitchFamily="18" charset="0"/>
                         </a:rPr>
                         <m:t>∈</m:t>
@@ -23859,6 +24680,9 @@
                         <m:sSupPr>
                           <m:ctrlPr>
                             <a:rPr lang="ar-AE" i="1">
+                              <a:solidFill>
+                                <a:schemeClr val="tx1"/>
+                              </a:solidFill>
                               <a:latin typeface="Cambria Math" panose="02040503050406030204" pitchFamily="18" charset="0"/>
                             </a:rPr>
                           </m:ctrlPr>
@@ -23866,6 +24690,9 @@
                         <m:e>
                           <m:r>
                             <a:rPr lang="ar-AE">
+                              <a:solidFill>
+                                <a:schemeClr val="tx1"/>
+                              </a:solidFill>
                               <a:latin typeface="Cambria Math" panose="02040503050406030204" pitchFamily="18" charset="0"/>
                             </a:rPr>
                             <m:t>ℝ</m:t>
@@ -23874,6 +24701,9 @@
                         <m:sup>
                           <m:r>
                             <a:rPr lang="ar-AE">
+                              <a:solidFill>
+                                <a:schemeClr val="tx1"/>
+                              </a:solidFill>
                               <a:latin typeface="Cambria Math" panose="02040503050406030204" pitchFamily="18" charset="0"/>
                             </a:rPr>
                             <m:t>2</m:t>
@@ -23883,7 +24713,11 @@
                     </m:oMath>
                   </m:oMathPara>
                 </a14:m>
-                <a:endParaRPr lang="ar-AE" dirty="0"/>
+                <a:endParaRPr lang="ar-AE" dirty="0">
+                  <a:solidFill>
+                    <a:schemeClr val="tx1"/>
+                  </a:solidFill>
+                </a:endParaRPr>
               </a:p>
             </p:txBody>
           </p:sp>
@@ -23891,10 +24725,10 @@
         <mc:Fallback xmlns="">
           <p:sp>
             <p:nvSpPr>
-              <p:cNvPr id="34" name="Content Placeholder 2">
+              <p:cNvPr id="17" name="Content Placeholder 2">
                 <a:extLst>
                   <a:ext uri="{FF2B5EF4-FFF2-40B4-BE49-F238E27FC236}">
-                    <a16:creationId xmlns:a16="http://schemas.microsoft.com/office/drawing/2014/main" id="{6EC54684-1EB0-3B70-2E90-241B1326D938}"/>
+                    <a16:creationId xmlns:a16="http://schemas.microsoft.com/office/drawing/2014/main" id="{D56D51E7-CFC8-CA47-5518-8BC54B73662B}"/>
                   </a:ext>
                 </a:extLst>
               </p:cNvPr>
@@ -23906,7 +24740,7 @@
             <p:spPr>
               <a:xfrm>
                 <a:off x="247650" y="2035175"/>
-                <a:ext cx="4150995" cy="763479"/>
+                <a:ext cx="4150995" cy="712311"/>
               </a:xfrm>
               <a:prstGeom prst="rect">
                 <a:avLst/>
@@ -23914,7 +24748,7 @@
               <a:blipFill>
                 <a:blip r:embed="rId4"/>
                 <a:stretch>
-                  <a:fillRect t="-6557" b="-9836"/>
+                  <a:fillRect/>
                 </a:stretch>
               </a:blipFill>
             </p:spPr>
@@ -23923,7 +24757,7 @@
               <a:lstStyle/>
               <a:p>
                 <a:r>
-                  <a:rPr lang="en-US">
+                  <a:rPr lang="zh-CN" altLang="en-US">
                     <a:noFill/>
                   </a:rPr>
                   <a:t> </a:t>

--- a/lecture notes/from Modeling to Continuous-time LQ/powerpoint_handouts (work in progress)/06-State-Space Dynamic System Models (imcmp-handout-light) - pub.pptx
+++ b/lecture notes/from Modeling to Continuous-time LQ/powerpoint_handouts (work in progress)/06-State-Space Dynamic System Models (imcmp-handout-light) - pub.pptx
@@ -476,7 +476,7 @@
           <a:p>
             <a:fld id="{1D8BD707-D9CF-40AE-B4C6-C98DA3205C09}" type="datetimeFigureOut">
               <a:rPr lang="en-US"/>
-              <a:t>9/19/2025</a:t>
+              <a:t>9/19/25</a:t>
             </a:fld>
             <a:endParaRPr lang="en-US"/>
           </a:p>
@@ -732,7 +732,7 @@
           <a:p>
             <a:fld id="{1D8BD707-D9CF-40AE-B4C6-C98DA3205C09}" type="datetimeFigureOut">
               <a:rPr lang="en-US"/>
-              <a:t>9/19/2025</a:t>
+              <a:t>9/19/25</a:t>
             </a:fld>
             <a:endParaRPr lang="en-US"/>
           </a:p>
@@ -1025,7 +1025,7 @@
           <a:p>
             <a:fld id="{1D8BD707-D9CF-40AE-B4C6-C98DA3205C09}" type="datetimeFigureOut">
               <a:rPr lang="en-US"/>
-              <a:t>9/19/2025</a:t>
+              <a:t>9/19/25</a:t>
             </a:fld>
             <a:endParaRPr lang="en-US"/>
           </a:p>
@@ -1252,7 +1252,7 @@
           <a:p>
             <a:fld id="{1D8BD707-D9CF-40AE-B4C6-C98DA3205C09}" type="datetimeFigureOut">
               <a:rPr lang="en-US"/>
-              <a:t>9/19/2025</a:t>
+              <a:t>9/19/25</a:t>
             </a:fld>
             <a:endParaRPr lang="en-US"/>
           </a:p>
@@ -1458,7 +1458,7 @@
           <a:p>
             <a:fld id="{1D8BD707-D9CF-40AE-B4C6-C98DA3205C09}" type="datetimeFigureOut">
               <a:rPr lang="en-US"/>
-              <a:t>9/19/2025</a:t>
+              <a:t>9/19/25</a:t>
             </a:fld>
             <a:endParaRPr lang="en-US"/>
           </a:p>
@@ -1812,7 +1812,7 @@
           <a:p>
             <a:fld id="{1D8BD707-D9CF-40AE-B4C6-C98DA3205C09}" type="datetimeFigureOut">
               <a:rPr lang="en-US"/>
-              <a:t>9/19/2025</a:t>
+              <a:t>9/19/25</a:t>
             </a:fld>
             <a:endParaRPr lang="en-US"/>
           </a:p>
@@ -4167,7 +4167,7 @@
             </p:nvSpPr>
             <p:spPr>
               <a:xfrm>
-                <a:off x="-46456" y="1806575"/>
+                <a:off x="-46456" y="1917995"/>
                 <a:ext cx="4713706" cy="1564980"/>
               </a:xfrm>
               <a:prstGeom prst="rect">
@@ -5326,7 +5326,7 @@
             </p:nvSpPr>
             <p:spPr>
               <a:xfrm>
-                <a:off x="-46456" y="1806575"/>
+                <a:off x="-46456" y="1917995"/>
                 <a:ext cx="4713706" cy="1564980"/>
               </a:xfrm>
               <a:prstGeom prst="rect">
@@ -5335,7 +5335,7 @@
               <a:blipFill>
                 <a:blip r:embed="rId4"/>
                 <a:stretch>
-                  <a:fillRect l="-129"/>
+                  <a:fillRect l="-1613" t="-806"/>
                 </a:stretch>
               </a:blipFill>
               <a:ln>
@@ -5347,7 +5347,7 @@
               <a:lstStyle/>
               <a:p>
                 <a:r>
-                  <a:rPr lang="zh-CN" altLang="en-US">
+                  <a:rPr lang="en-US">
                     <a:noFill/>
                   </a:rPr>
                   <a:t> </a:t>
@@ -24282,8 +24282,8 @@
           </a:p>
         </p:txBody>
       </p:sp>
-      <mc:AlternateContent xmlns:mc="http://schemas.openxmlformats.org/markup-compatibility/2006" xmlns:a14="http://schemas.microsoft.com/office/drawing/2010/main">
-        <mc:Choice Requires="a14">
+      <mc:AlternateContent xmlns:mc="http://schemas.openxmlformats.org/markup-compatibility/2006">
+        <mc:Choice xmlns:a14="http://schemas.microsoft.com/office/drawing/2010/main" Requires="a14">
           <p:sp>
             <p:nvSpPr>
               <p:cNvPr id="17" name="Content Placeholder 2">
@@ -24300,8 +24300,8 @@
             </p:nvSpPr>
             <p:spPr>
               <a:xfrm>
-                <a:off x="247650" y="2035175"/>
-                <a:ext cx="4150995" cy="712311"/>
+                <a:off x="247650" y="2008664"/>
+                <a:ext cx="4150995" cy="831381"/>
               </a:xfrm>
               <a:prstGeom prst="rect">
                 <a:avLst/>
@@ -24627,39 +24627,54 @@
                                     </m:groupChr>
                                   </m:e>
                                   <m:lim>
-                                    <m:r>
-                                      <m:rPr>
-                                        <m:nor/>
-                                      </m:rPr>
-                                      <a:rPr lang="en-US">
-                                        <a:solidFill>
-                                          <a:schemeClr val="tx1"/>
-                                        </a:solidFill>
-                                      </a:rPr>
-                                      <m:t>mass</m:t>
-                                    </m:r>
-                                    <m:r>
-                                      <m:rPr>
-                                        <m:nor/>
-                                      </m:rPr>
-                                      <a:rPr lang="en-US">
-                                        <a:solidFill>
-                                          <a:schemeClr val="tx1"/>
-                                        </a:solidFill>
-                                      </a:rPr>
-                                      <m:t> </m:t>
-                                    </m:r>
-                                    <m:r>
-                                      <m:rPr>
-                                        <m:nor/>
-                                      </m:rPr>
-                                      <a:rPr lang="en-US">
-                                        <a:solidFill>
-                                          <a:schemeClr val="tx1"/>
-                                        </a:solidFill>
-                                      </a:rPr>
-                                      <m:t>velocity</m:t>
-                                    </m:r>
+                                    <m:eqArr>
+                                      <m:eqArrPr>
+                                        <m:ctrlPr>
+                                          <a:rPr lang="en-US">
+                                            <a:solidFill>
+                                              <a:schemeClr val="tx1"/>
+                                            </a:solidFill>
+                                            <a:latin typeface="Cambria Math" panose="02040503050406030204" pitchFamily="18" charset="0"/>
+                                          </a:rPr>
+                                        </m:ctrlPr>
+                                      </m:eqArrPr>
+                                      <m:e/>
+                                      <m:e>
+                                        <m:r>
+                                          <m:rPr>
+                                            <m:nor/>
+                                          </m:rPr>
+                                          <a:rPr lang="en-US">
+                                            <a:solidFill>
+                                              <a:schemeClr val="tx1"/>
+                                            </a:solidFill>
+                                          </a:rPr>
+                                          <m:t>mass</m:t>
+                                        </m:r>
+                                        <m:r>
+                                          <m:rPr>
+                                            <m:nor/>
+                                          </m:rPr>
+                                          <a:rPr lang="en-US">
+                                            <a:solidFill>
+                                              <a:schemeClr val="tx1"/>
+                                            </a:solidFill>
+                                          </a:rPr>
+                                          <m:t> </m:t>
+                                        </m:r>
+                                        <m:r>
+                                          <m:rPr>
+                                            <m:nor/>
+                                          </m:rPr>
+                                          <a:rPr lang="en-US">
+                                            <a:solidFill>
+                                              <a:schemeClr val="tx1"/>
+                                            </a:solidFill>
+                                          </a:rPr>
+                                          <m:t>velocity</m:t>
+                                        </m:r>
+                                      </m:e>
+                                    </m:eqArr>
                                   </m:lim>
                                 </m:limLow>
                               </m:e>
@@ -24722,7 +24737,7 @@
             </p:txBody>
           </p:sp>
         </mc:Choice>
-        <mc:Fallback xmlns="">
+        <mc:Fallback>
           <p:sp>
             <p:nvSpPr>
               <p:cNvPr id="17" name="Content Placeholder 2">
@@ -24739,8 +24754,8 @@
             </p:nvSpPr>
             <p:spPr>
               <a:xfrm>
-                <a:off x="247650" y="2035175"/>
-                <a:ext cx="4150995" cy="712311"/>
+                <a:off x="247650" y="2008664"/>
+                <a:ext cx="4150995" cy="831381"/>
               </a:xfrm>
               <a:prstGeom prst="rect">
                 <a:avLst/>
@@ -24748,7 +24763,7 @@
               <a:blipFill>
                 <a:blip r:embed="rId4"/>
                 <a:stretch>
-                  <a:fillRect/>
+                  <a:fillRect t="-6061" b="-7576"/>
                 </a:stretch>
               </a:blipFill>
             </p:spPr>
@@ -24757,7 +24772,7 @@
               <a:lstStyle/>
               <a:p>
                 <a:r>
-                  <a:rPr lang="zh-CN" altLang="en-US">
+                  <a:rPr lang="en-US">
                     <a:noFill/>
                   </a:rPr>
                   <a:t> </a:t>

--- a/lecture notes/from Modeling to Continuous-time LQ/powerpoint_handouts (work in progress)/06-State-Space Dynamic System Models (imcmp-handout-light) - pub.pptx
+++ b/lecture notes/from Modeling to Continuous-time LQ/powerpoint_handouts (work in progress)/06-State-Space Dynamic System Models (imcmp-handout-light) - pub.pptx
@@ -476,7 +476,7 @@
           <a:p>
             <a:fld id="{1D8BD707-D9CF-40AE-B4C6-C98DA3205C09}" type="datetimeFigureOut">
               <a:rPr lang="en-US"/>
-              <a:t>9/19/25</a:t>
+              <a:t>10/21/25</a:t>
             </a:fld>
             <a:endParaRPr lang="en-US"/>
           </a:p>
@@ -732,7 +732,7 @@
           <a:p>
             <a:fld id="{1D8BD707-D9CF-40AE-B4C6-C98DA3205C09}" type="datetimeFigureOut">
               <a:rPr lang="en-US"/>
-              <a:t>9/19/25</a:t>
+              <a:t>10/21/25</a:t>
             </a:fld>
             <a:endParaRPr lang="en-US"/>
           </a:p>
@@ -1025,7 +1025,7 @@
           <a:p>
             <a:fld id="{1D8BD707-D9CF-40AE-B4C6-C98DA3205C09}" type="datetimeFigureOut">
               <a:rPr lang="en-US"/>
-              <a:t>9/19/25</a:t>
+              <a:t>10/21/25</a:t>
             </a:fld>
             <a:endParaRPr lang="en-US"/>
           </a:p>
@@ -1252,7 +1252,7 @@
           <a:p>
             <a:fld id="{1D8BD707-D9CF-40AE-B4C6-C98DA3205C09}" type="datetimeFigureOut">
               <a:rPr lang="en-US"/>
-              <a:t>9/19/25</a:t>
+              <a:t>10/21/25</a:t>
             </a:fld>
             <a:endParaRPr lang="en-US"/>
           </a:p>
@@ -1458,7 +1458,7 @@
           <a:p>
             <a:fld id="{1D8BD707-D9CF-40AE-B4C6-C98DA3205C09}" type="datetimeFigureOut">
               <a:rPr lang="en-US"/>
-              <a:t>9/19/25</a:t>
+              <a:t>10/21/25</a:t>
             </a:fld>
             <a:endParaRPr lang="en-US"/>
           </a:p>
@@ -1812,7 +1812,7 @@
           <a:p>
             <a:fld id="{1D8BD707-D9CF-40AE-B4C6-C98DA3205C09}" type="datetimeFigureOut">
               <a:rPr lang="en-US"/>
-              <a:t>9/19/25</a:t>
+              <a:t>10/21/25</a:t>
             </a:fld>
             <a:endParaRPr lang="en-US"/>
           </a:p>
@@ -2276,166 +2276,6 @@
       </p:grpSp>
       <p:sp>
         <p:nvSpPr>
-          <p:cNvPr id="6" name="object 6"/>
-          <p:cNvSpPr txBox="1">
-            <a:spLocks noGrp="1"/>
-          </p:cNvSpPr>
-          <p:nvPr>
-            <p:ph type="ftr" sz="quarter" idx="5"/>
-          </p:nvPr>
-        </p:nvSpPr>
-        <p:spPr>
-          <a:prstGeom prst="rect">
-            <a:avLst/>
-          </a:prstGeom>
-        </p:spPr>
-        <p:txBody>
-          <a:bodyPr vert="horz" wrap="square" lIns="0" tIns="24130" rIns="0" bIns="0" rtlCol="0">
-            <a:spAutoFit/>
-          </a:bodyPr>
-          <a:lstStyle/>
-          <a:p>
-            <a:pPr marL="12700">
-              <a:lnSpc>
-                <a:spcPct val="100000"/>
-              </a:lnSpc>
-              <a:spcBef>
-                <a:spcPts val="190"/>
-              </a:spcBef>
-            </a:pPr>
-            <a:r>
-              <a:rPr dirty="0"/>
-              <a:t>Mod</a:t>
-            </a:r>
-            <a:r>
-              <a:rPr spc="80" dirty="0"/>
-              <a:t> </a:t>
-            </a:r>
-            <a:r>
-              <a:rPr dirty="0"/>
-              <a:t>Ctrl</a:t>
-            </a:r>
-            <a:r>
-              <a:rPr spc="75" dirty="0"/>
-              <a:t> </a:t>
-            </a:r>
-            <a:r>
-              <a:rPr dirty="0"/>
-              <a:t>Intro</a:t>
-            </a:r>
-            <a:r>
-              <a:rPr spc="320" dirty="0"/>
-              <a:t> </a:t>
-            </a:r>
-            <a:r>
-              <a:rPr dirty="0"/>
-              <a:t>(w</a:t>
-            </a:r>
-            <a:r>
-              <a:rPr spc="75" dirty="0"/>
-              <a:t> </a:t>
-            </a:r>
-            <a:r>
-              <a:rPr dirty="0"/>
-              <a:t>Matlab</a:t>
-            </a:r>
-            <a:r>
-              <a:rPr spc="80" dirty="0"/>
-              <a:t> &amp;</a:t>
-            </a:r>
-            <a:r>
-              <a:rPr spc="75" dirty="0"/>
-              <a:t> </a:t>
-            </a:r>
-            <a:r>
-              <a:rPr spc="-10" dirty="0"/>
-              <a:t>Python)</a:t>
-            </a:r>
-          </a:p>
-        </p:txBody>
-      </p:sp>
-      <p:sp>
-        <p:nvSpPr>
-          <p:cNvPr id="7" name="object 7"/>
-          <p:cNvSpPr txBox="1"/>
-          <p:nvPr/>
-        </p:nvSpPr>
-        <p:spPr>
-          <a:xfrm>
-            <a:off x="1870697" y="3322038"/>
-            <a:ext cx="866775" cy="137160"/>
-          </a:xfrm>
-          <a:prstGeom prst="rect">
-            <a:avLst/>
-          </a:prstGeom>
-        </p:spPr>
-        <p:txBody>
-          <a:bodyPr vert="horz" wrap="square" lIns="0" tIns="24130" rIns="0" bIns="0" rtlCol="0">
-            <a:spAutoFit/>
-          </a:bodyPr>
-          <a:lstStyle/>
-          <a:p>
-            <a:pPr marL="12700">
-              <a:lnSpc>
-                <a:spcPct val="100000"/>
-              </a:lnSpc>
-              <a:spcBef>
-                <a:spcPts val="190"/>
-              </a:spcBef>
-            </a:pPr>
-            <a:r>
-              <a:rPr sz="600" spc="-20" dirty="0">
-                <a:solidFill>
-                  <a:srgbClr val="FF84BD"/>
-                </a:solidFill>
-                <a:latin typeface="Arial"/>
-                <a:cs typeface="Arial"/>
-                <a:hlinkClick r:id="rId3" action="ppaction://hlinksldjump"/>
-              </a:rPr>
-              <a:t>State-</a:t>
-            </a:r>
-            <a:r>
-              <a:rPr sz="600" spc="-10" dirty="0">
-                <a:solidFill>
-                  <a:srgbClr val="FF84BD"/>
-                </a:solidFill>
-                <a:latin typeface="Arial"/>
-                <a:cs typeface="Arial"/>
-                <a:hlinkClick r:id="rId3" action="ppaction://hlinksldjump"/>
-              </a:rPr>
-              <a:t>Space</a:t>
-            </a:r>
-            <a:r>
-              <a:rPr sz="600" spc="40" dirty="0">
-                <a:solidFill>
-                  <a:srgbClr val="FF84BD"/>
-                </a:solidFill>
-                <a:latin typeface="Arial"/>
-                <a:cs typeface="Arial"/>
-                <a:hlinkClick r:id="rId3" action="ppaction://hlinksldjump"/>
-              </a:rPr>
-              <a:t> </a:t>
-            </a:r>
-            <a:r>
-              <a:rPr sz="600" spc="-10" dirty="0">
-                <a:solidFill>
-                  <a:srgbClr val="FF84BD"/>
-                </a:solidFill>
-                <a:latin typeface="Arial"/>
-                <a:cs typeface="Arial"/>
-                <a:hlinkClick r:id="rId3" action="ppaction://hlinksldjump"/>
-              </a:rPr>
-              <a:t>Introduction</a:t>
-            </a:r>
-            <a:endParaRPr sz="600">
-              <a:latin typeface="Arial"/>
-              <a:cs typeface="Arial"/>
-            </a:endParaRPr>
-          </a:p>
-        </p:txBody>
-      </p:sp>
-      <p:sp>
-        <p:nvSpPr>
           <p:cNvPr id="8" name="object 8"/>
           <p:cNvSpPr txBox="1">
             <a:spLocks noGrp="1"/>
@@ -2483,6 +2323,105 @@
               <a:rPr spc="-25" dirty="0"/>
               <a:t>12</a:t>
             </a:r>
+          </a:p>
+        </p:txBody>
+      </p:sp>
+      <p:sp>
+        <p:nvSpPr>
+          <p:cNvPr id="9" name="object 4">
+            <a:extLst>
+              <a:ext uri="{FF2B5EF4-FFF2-40B4-BE49-F238E27FC236}">
+                <a16:creationId xmlns:a16="http://schemas.microsoft.com/office/drawing/2014/main" id="{7C28970A-B6B0-F71C-79A5-0FCD77E83CFE}"/>
+              </a:ext>
+            </a:extLst>
+          </p:cNvPr>
+          <p:cNvSpPr txBox="1">
+            <a:spLocks noGrp="1"/>
+          </p:cNvSpPr>
+          <p:nvPr>
+            <p:ph type="ftr" sz="quarter" idx="5"/>
+          </p:nvPr>
+        </p:nvSpPr>
+        <p:spPr>
+          <a:xfrm>
+            <a:off x="23762" y="3322038"/>
+            <a:ext cx="1972562" cy="116699"/>
+          </a:xfrm>
+          <a:prstGeom prst="rect">
+            <a:avLst/>
+          </a:prstGeom>
+        </p:spPr>
+        <p:txBody>
+          <a:bodyPr vert="horz" wrap="square" lIns="0" tIns="24130" rIns="0" bIns="0" rtlCol="0">
+            <a:spAutoFit/>
+          </a:bodyPr>
+          <a:lstStyle/>
+          <a:p>
+            <a:pPr marL="12700">
+              <a:lnSpc>
+                <a:spcPct val="100000"/>
+              </a:lnSpc>
+              <a:spcBef>
+                <a:spcPts val="190"/>
+              </a:spcBef>
+            </a:pPr>
+            <a:r>
+              <a:rPr dirty="0"/>
+              <a:t>Mod</a:t>
+            </a:r>
+            <a:r>
+              <a:rPr spc="80" dirty="0"/>
+              <a:t> </a:t>
+            </a:r>
+            <a:r>
+              <a:rPr dirty="0"/>
+              <a:t>Ctrl</a:t>
+            </a:r>
+            <a:r>
+              <a:rPr spc="75" dirty="0"/>
+              <a:t> </a:t>
+            </a:r>
+            <a:r>
+              <a:rPr dirty="0"/>
+              <a:t>Intro</a:t>
+            </a:r>
+            <a:r>
+              <a:rPr spc="320" dirty="0"/>
+              <a:t> </a:t>
+            </a:r>
+            <a:r>
+              <a:rPr dirty="0"/>
+              <a:t>(w</a:t>
+            </a:r>
+            <a:r>
+              <a:rPr spc="75" dirty="0"/>
+              <a:t> </a:t>
+            </a:r>
+            <a:r>
+              <a:rPr dirty="0"/>
+              <a:t>Matlab</a:t>
+            </a:r>
+            <a:r>
+              <a:rPr spc="80" dirty="0"/>
+              <a:t> &amp;</a:t>
+            </a:r>
+            <a:r>
+              <a:rPr spc="75" dirty="0"/>
+              <a:t> </a:t>
+            </a:r>
+            <a:r>
+              <a:rPr spc="-10" dirty="0"/>
+              <a:t>Python)</a:t>
+            </a:r>
+            <a:r>
+              <a:rPr lang="en-US" spc="-10" dirty="0"/>
+              <a:t>, Chen &amp; </a:t>
+            </a:r>
+            <a:r>
+              <a:rPr lang="en-US" spc="-10" dirty="0" err="1"/>
+              <a:t>Tomizuka</a:t>
+            </a:r>
+            <a:endParaRPr spc="-10" dirty="0"/>
           </a:p>
         </p:txBody>
       </p:sp>
@@ -4149,8 +4088,8 @@
           </a:p>
         </p:txBody>
       </p:sp>
-      <mc:AlternateContent xmlns:mc="http://schemas.openxmlformats.org/markup-compatibility/2006">
-        <mc:Choice xmlns:a14="http://schemas.microsoft.com/office/drawing/2010/main" Requires="a14">
+      <mc:AlternateContent xmlns:mc="http://schemas.openxmlformats.org/markup-compatibility/2006" xmlns:a14="http://schemas.microsoft.com/office/drawing/2010/main">
+        <mc:Choice Requires="a14">
           <p:sp>
             <p:nvSpPr>
               <p:cNvPr id="17" name="Content Placeholder 2">
@@ -5309,7 +5248,7 @@
             </p:txBody>
           </p:sp>
         </mc:Choice>
-        <mc:Fallback>
+        <mc:Fallback xmlns="">
           <p:sp>
             <p:nvSpPr>
               <p:cNvPr id="17" name="Content Placeholder 2">
@@ -24282,8 +24221,8 @@
           </a:p>
         </p:txBody>
       </p:sp>
-      <mc:AlternateContent xmlns:mc="http://schemas.openxmlformats.org/markup-compatibility/2006">
-        <mc:Choice xmlns:a14="http://schemas.microsoft.com/office/drawing/2010/main" Requires="a14">
+      <mc:AlternateContent xmlns:mc="http://schemas.openxmlformats.org/markup-compatibility/2006" xmlns:a14="http://schemas.microsoft.com/office/drawing/2010/main">
+        <mc:Choice Requires="a14">
           <p:sp>
             <p:nvSpPr>
               <p:cNvPr id="17" name="Content Placeholder 2">
@@ -24630,7 +24569,7 @@
                                     <m:eqArr>
                                       <m:eqArrPr>
                                         <m:ctrlPr>
-                                          <a:rPr lang="en-US">
+                                          <a:rPr lang="en-US" i="1">
                                             <a:solidFill>
                                               <a:schemeClr val="tx1"/>
                                             </a:solidFill>
@@ -24737,7 +24676,7 @@
             </p:txBody>
           </p:sp>
         </mc:Choice>
-        <mc:Fallback>
+        <mc:Fallback xmlns="">
           <p:sp>
             <p:nvSpPr>
               <p:cNvPr id="17" name="Content Placeholder 2">
